--- a/Vue JS 102.pptx
+++ b/Vue JS 102.pptx
@@ -5,33 +5,30 @@
     <p:sldMasterId id="2147483648" r:id="rId1"/>
   </p:sldMasterIdLst>
   <p:notesMasterIdLst>
-    <p:notesMasterId r:id="rId26"/>
+    <p:notesMasterId r:id="rId23"/>
   </p:notesMasterIdLst>
   <p:sldIdLst>
     <p:sldId id="256" r:id="rId2"/>
-    <p:sldId id="284" r:id="rId3"/>
-    <p:sldId id="278" r:id="rId4"/>
-    <p:sldId id="279" r:id="rId5"/>
-    <p:sldId id="285" r:id="rId6"/>
-    <p:sldId id="281" r:id="rId7"/>
-    <p:sldId id="286" r:id="rId8"/>
-    <p:sldId id="257" r:id="rId9"/>
-    <p:sldId id="258" r:id="rId10"/>
-    <p:sldId id="287" r:id="rId11"/>
-    <p:sldId id="288" r:id="rId12"/>
-    <p:sldId id="290" r:id="rId13"/>
-    <p:sldId id="289" r:id="rId14"/>
-    <p:sldId id="259" r:id="rId15"/>
-    <p:sldId id="260" r:id="rId16"/>
-    <p:sldId id="261" r:id="rId17"/>
-    <p:sldId id="262" r:id="rId18"/>
-    <p:sldId id="263" r:id="rId19"/>
-    <p:sldId id="266" r:id="rId20"/>
-    <p:sldId id="267" r:id="rId21"/>
-    <p:sldId id="268" r:id="rId22"/>
-    <p:sldId id="269" r:id="rId23"/>
-    <p:sldId id="270" r:id="rId24"/>
-    <p:sldId id="271" r:id="rId25"/>
+    <p:sldId id="288" r:id="rId3"/>
+    <p:sldId id="291" r:id="rId4"/>
+    <p:sldId id="278" r:id="rId5"/>
+    <p:sldId id="279" r:id="rId6"/>
+    <p:sldId id="285" r:id="rId7"/>
+    <p:sldId id="281" r:id="rId8"/>
+    <p:sldId id="292" r:id="rId9"/>
+    <p:sldId id="286" r:id="rId10"/>
+    <p:sldId id="257" r:id="rId11"/>
+    <p:sldId id="298" r:id="rId12"/>
+    <p:sldId id="258" r:id="rId13"/>
+    <p:sldId id="287" r:id="rId14"/>
+    <p:sldId id="293" r:id="rId15"/>
+    <p:sldId id="294" r:id="rId16"/>
+    <p:sldId id="295" r:id="rId17"/>
+    <p:sldId id="296" r:id="rId18"/>
+    <p:sldId id="297" r:id="rId19"/>
+    <p:sldId id="301" r:id="rId20"/>
+    <p:sldId id="290" r:id="rId21"/>
+    <p:sldId id="302" r:id="rId22"/>
   </p:sldIdLst>
   <p:sldSz cx="12192000" cy="6858000"/>
   <p:notesSz cx="6858000" cy="9144000"/>
@@ -220,7 +217,7 @@
           <a:p>
             <a:fld id="{D4BC0FA6-5D80-40D9-A827-974A741FC140}" type="datetimeFigureOut">
               <a:rPr lang="en-SG" smtClean="0"/>
-              <a:t>2/10/2019</a:t>
+              <a:t>6/10/2019</a:t>
             </a:fld>
             <a:endParaRPr lang="en-SG"/>
           </a:p>
@@ -493,7 +490,7 @@
   <p:cSld>
     <p:spTree>
       <p:nvGrpSpPr>
-        <p:cNvPr id="1" name="Shape 549"/>
+        <p:cNvPr id="1" name="Shape 599"/>
         <p:cNvGrpSpPr/>
         <p:nvPr/>
       </p:nvGrpSpPr>
@@ -507,7 +504,49 @@
       </p:grpSpPr>
       <p:sp>
         <p:nvSpPr>
-          <p:cNvPr id="550" name="Google Shape;550;g3cf842e83a_0_260:notes"/>
+          <p:cNvPr id="600" name="Google Shape;600;g36c221b22f_0_365:notes"/>
+          <p:cNvSpPr txBox="1">
+            <a:spLocks noGrp="1"/>
+          </p:cNvSpPr>
+          <p:nvPr>
+            <p:ph type="body" idx="1"/>
+          </p:nvPr>
+        </p:nvSpPr>
+        <p:spPr>
+          <a:xfrm>
+            <a:off x="709930" y="4458018"/>
+            <a:ext cx="5679300" cy="4223400"/>
+          </a:xfrm>
+          <a:prstGeom prst="rect">
+            <a:avLst/>
+          </a:prstGeom>
+          <a:noFill/>
+          <a:ln>
+            <a:noFill/>
+          </a:ln>
+        </p:spPr>
+        <p:txBody>
+          <a:bodyPr spcFirstLastPara="1" wrap="square" lIns="94375" tIns="94375" rIns="94375" bIns="94375" anchor="ctr" anchorCtr="0">
+            <a:noAutofit/>
+          </a:bodyPr>
+          <a:lstStyle/>
+          <a:p>
+            <a:pPr marL="0" lvl="0" indent="0" algn="l" rtl="0">
+              <a:spcBef>
+                <a:spcPts val="0"/>
+              </a:spcBef>
+              <a:spcAft>
+                <a:spcPts val="0"/>
+              </a:spcAft>
+              <a:buNone/>
+            </a:pPr>
+            <a:endParaRPr/>
+          </a:p>
+        </p:txBody>
+      </p:sp>
+      <p:sp>
+        <p:nvSpPr>
+          <p:cNvPr id="601" name="Google Shape;601;g36c221b22f_0_365:notes"/>
           <p:cNvSpPr>
             <a:spLocks noGrp="1" noRot="1" noChangeAspect="1"/>
           </p:cNvSpPr>
@@ -546,48 +585,10 @@
           </a:custGeom>
         </p:spPr>
       </p:sp>
-      <p:sp>
-        <p:nvSpPr>
-          <p:cNvPr id="551" name="Google Shape;551;g3cf842e83a_0_260:notes"/>
-          <p:cNvSpPr txBox="1">
-            <a:spLocks noGrp="1"/>
-          </p:cNvSpPr>
-          <p:nvPr>
-            <p:ph type="body" idx="1"/>
-          </p:nvPr>
-        </p:nvSpPr>
-        <p:spPr>
-          <a:xfrm>
-            <a:off x="709925" y="4458000"/>
-            <a:ext cx="5679300" cy="4223400"/>
-          </a:xfrm>
-          <a:prstGeom prst="rect">
-            <a:avLst/>
-          </a:prstGeom>
-        </p:spPr>
-        <p:txBody>
-          <a:bodyPr spcFirstLastPara="1" wrap="square" lIns="91425" tIns="91425" rIns="91425" bIns="91425" anchor="t" anchorCtr="0">
-            <a:noAutofit/>
-          </a:bodyPr>
-          <a:lstStyle/>
-          <a:p>
-            <a:pPr marL="0" lvl="0" indent="0" algn="l" rtl="0">
-              <a:spcBef>
-                <a:spcPts val="0"/>
-              </a:spcBef>
-              <a:spcAft>
-                <a:spcPts val="0"/>
-              </a:spcAft>
-              <a:buNone/>
-            </a:pPr>
-            <a:endParaRPr/>
-          </a:p>
-        </p:txBody>
-      </p:sp>
     </p:spTree>
     <p:extLst>
       <p:ext uri="{BB962C8B-B14F-4D97-AF65-F5344CB8AC3E}">
-        <p14:creationId xmlns:p14="http://schemas.microsoft.com/office/powerpoint/2010/main" val="2179890996"/>
+        <p14:creationId xmlns:p14="http://schemas.microsoft.com/office/powerpoint/2010/main" val="2295975202"/>
       </p:ext>
     </p:extLst>
   </p:cSld>
@@ -602,7 +603,7 @@
   <p:cSld>
     <p:spTree>
       <p:nvGrpSpPr>
-        <p:cNvPr id="1" name="Shape 605"/>
+        <p:cNvPr id="1" name="Shape 585"/>
         <p:cNvGrpSpPr/>
         <p:nvPr/>
       </p:nvGrpSpPr>
@@ -616,7 +617,7 @@
       </p:grpSpPr>
       <p:sp>
         <p:nvSpPr>
-          <p:cNvPr id="606" name="Google Shape;606;g392ee90bb0_0_74:notes"/>
+          <p:cNvPr id="586" name="Google Shape;586;g42157de5f7_0_4:notes"/>
           <p:cNvSpPr txBox="1">
             <a:spLocks noGrp="1"/>
           </p:cNvSpPr>
@@ -658,7 +659,7 @@
       </p:sp>
       <p:sp>
         <p:nvSpPr>
-          <p:cNvPr id="607" name="Google Shape;607;g392ee90bb0_0_74:notes"/>
+          <p:cNvPr id="587" name="Google Shape;587;g42157de5f7_0_4:notes"/>
           <p:cNvSpPr>
             <a:spLocks noGrp="1" noRot="1" noChangeAspect="1"/>
           </p:cNvSpPr>
@@ -700,7 +701,7 @@
     </p:spTree>
     <p:extLst>
       <p:ext uri="{BB962C8B-B14F-4D97-AF65-F5344CB8AC3E}">
-        <p14:creationId xmlns:p14="http://schemas.microsoft.com/office/powerpoint/2010/main" val="1579135697"/>
+        <p14:creationId xmlns:p14="http://schemas.microsoft.com/office/powerpoint/2010/main" val="3238011682"/>
       </p:ext>
     </p:extLst>
   </p:cSld>
@@ -710,12 +711,12 @@
 </p:notes>
 </file>
 
-<file path=ppt/notesSlides/notesSlide11.xml><?xml version="1.0" encoding="utf-8"?>
+<file path=ppt/notesSlides/notesSlide2.xml><?xml version="1.0" encoding="utf-8"?>
 <p:notes xmlns:a="http://schemas.openxmlformats.org/drawingml/2006/main" xmlns:r="http://schemas.openxmlformats.org/officeDocument/2006/relationships" xmlns:p="http://schemas.openxmlformats.org/presentationml/2006/main" showMasterSp="0" showMasterPhAnim="0">
   <p:cSld>
     <p:spTree>
       <p:nvGrpSpPr>
-        <p:cNvPr id="1" name="Shape 611"/>
+        <p:cNvPr id="1" name="Shape 549"/>
         <p:cNvGrpSpPr/>
         <p:nvPr/>
       </p:nvGrpSpPr>
@@ -729,49 +730,7 @@
       </p:grpSpPr>
       <p:sp>
         <p:nvSpPr>
-          <p:cNvPr id="612" name="Google Shape;612;g3cf842e83a_0_728:notes"/>
-          <p:cNvSpPr txBox="1">
-            <a:spLocks noGrp="1"/>
-          </p:cNvSpPr>
-          <p:nvPr>
-            <p:ph type="body" idx="1"/>
-          </p:nvPr>
-        </p:nvSpPr>
-        <p:spPr>
-          <a:xfrm>
-            <a:off x="709930" y="4458018"/>
-            <a:ext cx="5679300" cy="4223400"/>
-          </a:xfrm>
-          <a:prstGeom prst="rect">
-            <a:avLst/>
-          </a:prstGeom>
-          <a:noFill/>
-          <a:ln>
-            <a:noFill/>
-          </a:ln>
-        </p:spPr>
-        <p:txBody>
-          <a:bodyPr spcFirstLastPara="1" wrap="square" lIns="94375" tIns="94375" rIns="94375" bIns="94375" anchor="ctr" anchorCtr="0">
-            <a:noAutofit/>
-          </a:bodyPr>
-          <a:lstStyle/>
-          <a:p>
-            <a:pPr marL="0" lvl="0" indent="0" algn="l" rtl="0">
-              <a:spcBef>
-                <a:spcPts val="0"/>
-              </a:spcBef>
-              <a:spcAft>
-                <a:spcPts val="0"/>
-              </a:spcAft>
-              <a:buNone/>
-            </a:pPr>
-            <a:endParaRPr/>
-          </a:p>
-        </p:txBody>
-      </p:sp>
-      <p:sp>
-        <p:nvSpPr>
-          <p:cNvPr id="613" name="Google Shape;613;g3cf842e83a_0_728:notes"/>
+          <p:cNvPr id="550" name="Google Shape;550;g3cf842e83a_0_260:notes"/>
           <p:cNvSpPr>
             <a:spLocks noGrp="1" noRot="1" noChangeAspect="1"/>
           </p:cNvSpPr>
@@ -810,10 +769,48 @@
           </a:custGeom>
         </p:spPr>
       </p:sp>
+      <p:sp>
+        <p:nvSpPr>
+          <p:cNvPr id="551" name="Google Shape;551;g3cf842e83a_0_260:notes"/>
+          <p:cNvSpPr txBox="1">
+            <a:spLocks noGrp="1"/>
+          </p:cNvSpPr>
+          <p:nvPr>
+            <p:ph type="body" idx="1"/>
+          </p:nvPr>
+        </p:nvSpPr>
+        <p:spPr>
+          <a:xfrm>
+            <a:off x="709925" y="4458000"/>
+            <a:ext cx="5679300" cy="4223400"/>
+          </a:xfrm>
+          <a:prstGeom prst="rect">
+            <a:avLst/>
+          </a:prstGeom>
+        </p:spPr>
+        <p:txBody>
+          <a:bodyPr spcFirstLastPara="1" wrap="square" lIns="91425" tIns="91425" rIns="91425" bIns="91425" anchor="t" anchorCtr="0">
+            <a:noAutofit/>
+          </a:bodyPr>
+          <a:lstStyle/>
+          <a:p>
+            <a:pPr marL="0" lvl="0" indent="0" algn="l" rtl="0">
+              <a:spcBef>
+                <a:spcPts val="0"/>
+              </a:spcBef>
+              <a:spcAft>
+                <a:spcPts val="0"/>
+              </a:spcAft>
+              <a:buNone/>
+            </a:pPr>
+            <a:endParaRPr/>
+          </a:p>
+        </p:txBody>
+      </p:sp>
     </p:spTree>
     <p:extLst>
       <p:ext uri="{BB962C8B-B14F-4D97-AF65-F5344CB8AC3E}">
-        <p14:creationId xmlns:p14="http://schemas.microsoft.com/office/powerpoint/2010/main" val="3019752955"/>
+        <p14:creationId xmlns:p14="http://schemas.microsoft.com/office/powerpoint/2010/main" val="2179890996"/>
       </p:ext>
     </p:extLst>
   </p:cSld>
@@ -823,12 +820,12 @@
 </p:notes>
 </file>
 
-<file path=ppt/notesSlides/notesSlide12.xml><?xml version="1.0" encoding="utf-8"?>
+<file path=ppt/notesSlides/notesSlide3.xml><?xml version="1.0" encoding="utf-8"?>
 <p:notes xmlns:a="http://schemas.openxmlformats.org/drawingml/2006/main" xmlns:r="http://schemas.openxmlformats.org/officeDocument/2006/relationships" xmlns:p="http://schemas.openxmlformats.org/presentationml/2006/main" showMasterSp="0" showMasterPhAnim="0">
   <p:cSld>
     <p:spTree>
       <p:nvGrpSpPr>
-        <p:cNvPr id="1" name="Shape 617"/>
+        <p:cNvPr id="1" name="Shape 599"/>
         <p:cNvGrpSpPr/>
         <p:nvPr/>
       </p:nvGrpSpPr>
@@ -842,7 +839,7 @@
       </p:grpSpPr>
       <p:sp>
         <p:nvSpPr>
-          <p:cNvPr id="618" name="Google Shape;618;g3cf842e83a_0_735:notes"/>
+          <p:cNvPr id="600" name="Google Shape;600;g36c221b22f_0_365:notes"/>
           <p:cNvSpPr txBox="1">
             <a:spLocks noGrp="1"/>
           </p:cNvSpPr>
@@ -884,7 +881,7 @@
       </p:sp>
       <p:sp>
         <p:nvSpPr>
-          <p:cNvPr id="619" name="Google Shape;619;g3cf842e83a_0_735:notes"/>
+          <p:cNvPr id="601" name="Google Shape;601;g36c221b22f_0_365:notes"/>
           <p:cNvSpPr>
             <a:spLocks noGrp="1" noRot="1" noChangeAspect="1"/>
           </p:cNvSpPr>
@@ -926,7 +923,7 @@
     </p:spTree>
     <p:extLst>
       <p:ext uri="{BB962C8B-B14F-4D97-AF65-F5344CB8AC3E}">
-        <p14:creationId xmlns:p14="http://schemas.microsoft.com/office/powerpoint/2010/main" val="1376649482"/>
+        <p14:creationId xmlns:p14="http://schemas.microsoft.com/office/powerpoint/2010/main" val="3899460677"/>
       </p:ext>
     </p:extLst>
   </p:cSld>
@@ -936,12 +933,12 @@
 </p:notes>
 </file>
 
-<file path=ppt/notesSlides/notesSlide13.xml><?xml version="1.0" encoding="utf-8"?>
+<file path=ppt/notesSlides/notesSlide4.xml><?xml version="1.0" encoding="utf-8"?>
 <p:notes xmlns:a="http://schemas.openxmlformats.org/drawingml/2006/main" xmlns:r="http://schemas.openxmlformats.org/officeDocument/2006/relationships" xmlns:p="http://schemas.openxmlformats.org/presentationml/2006/main" showMasterSp="0" showMasterPhAnim="0">
   <p:cSld>
     <p:spTree>
       <p:nvGrpSpPr>
-        <p:cNvPr id="1" name="Shape 623"/>
+        <p:cNvPr id="1" name="Shape 554"/>
         <p:cNvGrpSpPr/>
         <p:nvPr/>
       </p:nvGrpSpPr>
@@ -955,7 +952,7 @@
       </p:grpSpPr>
       <p:sp>
         <p:nvSpPr>
-          <p:cNvPr id="624" name="Google Shape;624;g3cf842e83a_0_741:notes"/>
+          <p:cNvPr id="555" name="Google Shape;555;g3cf842e83a_0_164:notes"/>
           <p:cNvSpPr txBox="1">
             <a:spLocks noGrp="1"/>
           </p:cNvSpPr>
@@ -997,7 +994,7 @@
       </p:sp>
       <p:sp>
         <p:nvSpPr>
-          <p:cNvPr id="625" name="Google Shape;625;g3cf842e83a_0_741:notes"/>
+          <p:cNvPr id="556" name="Google Shape;556;g3cf842e83a_0_164:notes"/>
           <p:cNvSpPr>
             <a:spLocks noGrp="1" noRot="1" noChangeAspect="1"/>
           </p:cNvSpPr>
@@ -1039,7 +1036,7 @@
     </p:spTree>
     <p:extLst>
       <p:ext uri="{BB962C8B-B14F-4D97-AF65-F5344CB8AC3E}">
-        <p14:creationId xmlns:p14="http://schemas.microsoft.com/office/powerpoint/2010/main" val="2235252258"/>
+        <p14:creationId xmlns:p14="http://schemas.microsoft.com/office/powerpoint/2010/main" val="2590394349"/>
       </p:ext>
     </p:extLst>
   </p:cSld>
@@ -1049,12 +1046,12 @@
 </p:notes>
 </file>
 
-<file path=ppt/notesSlides/notesSlide14.xml><?xml version="1.0" encoding="utf-8"?>
+<file path=ppt/notesSlides/notesSlide5.xml><?xml version="1.0" encoding="utf-8"?>
 <p:notes xmlns:a="http://schemas.openxmlformats.org/drawingml/2006/main" xmlns:r="http://schemas.openxmlformats.org/officeDocument/2006/relationships" xmlns:p="http://schemas.openxmlformats.org/presentationml/2006/main" showMasterSp="0" showMasterPhAnim="0">
   <p:cSld>
     <p:spTree>
       <p:nvGrpSpPr>
-        <p:cNvPr id="1" name="Shape 629"/>
+        <p:cNvPr id="1" name="Shape 592"/>
         <p:cNvGrpSpPr/>
         <p:nvPr/>
       </p:nvGrpSpPr>
@@ -1068,7 +1065,7 @@
       </p:grpSpPr>
       <p:sp>
         <p:nvSpPr>
-          <p:cNvPr id="630" name="Google Shape;630;g3cf842e83a_0_748:notes"/>
+          <p:cNvPr id="593" name="Google Shape;593;g42157de5f7_0_10:notes"/>
           <p:cNvSpPr txBox="1">
             <a:spLocks noGrp="1"/>
           </p:cNvSpPr>
@@ -1110,7 +1107,7 @@
       </p:sp>
       <p:sp>
         <p:nvSpPr>
-          <p:cNvPr id="631" name="Google Shape;631;g3cf842e83a_0_748:notes"/>
+          <p:cNvPr id="594" name="Google Shape;594;g42157de5f7_0_10:notes"/>
           <p:cNvSpPr>
             <a:spLocks noGrp="1" noRot="1" noChangeAspect="1"/>
           </p:cNvSpPr>
@@ -1152,7 +1149,7 @@
     </p:spTree>
     <p:extLst>
       <p:ext uri="{BB962C8B-B14F-4D97-AF65-F5344CB8AC3E}">
-        <p14:creationId xmlns:p14="http://schemas.microsoft.com/office/powerpoint/2010/main" val="285805083"/>
+        <p14:creationId xmlns:p14="http://schemas.microsoft.com/office/powerpoint/2010/main" val="819892947"/>
       </p:ext>
     </p:extLst>
   </p:cSld>
@@ -1162,12 +1159,12 @@
 </p:notes>
 </file>
 
-<file path=ppt/notesSlides/notesSlide15.xml><?xml version="1.0" encoding="utf-8"?>
+<file path=ppt/notesSlides/notesSlide6.xml><?xml version="1.0" encoding="utf-8"?>
 <p:notes xmlns:a="http://schemas.openxmlformats.org/drawingml/2006/main" xmlns:r="http://schemas.openxmlformats.org/officeDocument/2006/relationships" xmlns:p="http://schemas.openxmlformats.org/presentationml/2006/main" showMasterSp="0" showMasterPhAnim="0">
   <p:cSld>
     <p:spTree>
       <p:nvGrpSpPr>
-        <p:cNvPr id="1" name="Shape 636"/>
+        <p:cNvPr id="1" name="Shape 566"/>
         <p:cNvGrpSpPr/>
         <p:nvPr/>
       </p:nvGrpSpPr>
@@ -1181,7 +1178,7 @@
       </p:grpSpPr>
       <p:sp>
         <p:nvSpPr>
-          <p:cNvPr id="637" name="Google Shape;637;g4481360b84_0_48:notes"/>
+          <p:cNvPr id="567" name="Google Shape;567;g3cf842e83a_0_174:notes"/>
           <p:cNvSpPr txBox="1">
             <a:spLocks noGrp="1"/>
           </p:cNvSpPr>
@@ -1223,7 +1220,7 @@
       </p:sp>
       <p:sp>
         <p:nvSpPr>
-          <p:cNvPr id="638" name="Google Shape;638;g4481360b84_0_48:notes"/>
+          <p:cNvPr id="568" name="Google Shape;568;g3cf842e83a_0_174:notes"/>
           <p:cNvSpPr>
             <a:spLocks noGrp="1" noRot="1" noChangeAspect="1"/>
           </p:cNvSpPr>
@@ -1265,7 +1262,7 @@
     </p:spTree>
     <p:extLst>
       <p:ext uri="{BB962C8B-B14F-4D97-AF65-F5344CB8AC3E}">
-        <p14:creationId xmlns:p14="http://schemas.microsoft.com/office/powerpoint/2010/main" val="269583125"/>
+        <p14:creationId xmlns:p14="http://schemas.microsoft.com/office/powerpoint/2010/main" val="2151479100"/>
       </p:ext>
     </p:extLst>
   </p:cSld>
@@ -1275,12 +1272,12 @@
 </p:notes>
 </file>
 
-<file path=ppt/notesSlides/notesSlide2.xml><?xml version="1.0" encoding="utf-8"?>
+<file path=ppt/notesSlides/notesSlide7.xml><?xml version="1.0" encoding="utf-8"?>
 <p:notes xmlns:a="http://schemas.openxmlformats.org/drawingml/2006/main" xmlns:r="http://schemas.openxmlformats.org/officeDocument/2006/relationships" xmlns:p="http://schemas.openxmlformats.org/presentationml/2006/main" showMasterSp="0" showMasterPhAnim="0">
   <p:cSld>
     <p:spTree>
       <p:nvGrpSpPr>
-        <p:cNvPr id="1" name="Shape 554"/>
+        <p:cNvPr id="1" name="Shape 560"/>
         <p:cNvGrpSpPr/>
         <p:nvPr/>
       </p:nvGrpSpPr>
@@ -1294,7 +1291,7 @@
       </p:grpSpPr>
       <p:sp>
         <p:nvSpPr>
-          <p:cNvPr id="555" name="Google Shape;555;g3cf842e83a_0_164:notes"/>
+          <p:cNvPr id="561" name="Google Shape;561;g3cf842e83a_0_169:notes"/>
           <p:cNvSpPr txBox="1">
             <a:spLocks noGrp="1"/>
           </p:cNvSpPr>
@@ -1336,7 +1333,7 @@
       </p:sp>
       <p:sp>
         <p:nvSpPr>
-          <p:cNvPr id="556" name="Google Shape;556;g3cf842e83a_0_164:notes"/>
+          <p:cNvPr id="562" name="Google Shape;562;g3cf842e83a_0_169:notes"/>
           <p:cNvSpPr>
             <a:spLocks noGrp="1" noRot="1" noChangeAspect="1"/>
           </p:cNvSpPr>
@@ -1378,7 +1375,7 @@
     </p:spTree>
     <p:extLst>
       <p:ext uri="{BB962C8B-B14F-4D97-AF65-F5344CB8AC3E}">
-        <p14:creationId xmlns:p14="http://schemas.microsoft.com/office/powerpoint/2010/main" val="2590394349"/>
+        <p14:creationId xmlns:p14="http://schemas.microsoft.com/office/powerpoint/2010/main" val="251033970"/>
       </p:ext>
     </p:extLst>
   </p:cSld>
@@ -1388,12 +1385,12 @@
 </p:notes>
 </file>
 
-<file path=ppt/notesSlides/notesSlide3.xml><?xml version="1.0" encoding="utf-8"?>
+<file path=ppt/notesSlides/notesSlide8.xml><?xml version="1.0" encoding="utf-8"?>
 <p:notes xmlns:a="http://schemas.openxmlformats.org/drawingml/2006/main" xmlns:r="http://schemas.openxmlformats.org/officeDocument/2006/relationships" xmlns:p="http://schemas.openxmlformats.org/presentationml/2006/main" showMasterSp="0" showMasterPhAnim="0">
   <p:cSld>
     <p:spTree>
       <p:nvGrpSpPr>
-        <p:cNvPr id="1" name="Shape 592"/>
+        <p:cNvPr id="1" name="Shape 572"/>
         <p:cNvGrpSpPr/>
         <p:nvPr/>
       </p:nvGrpSpPr>
@@ -1407,7 +1404,7 @@
       </p:grpSpPr>
       <p:sp>
         <p:nvSpPr>
-          <p:cNvPr id="593" name="Google Shape;593;g42157de5f7_0_10:notes"/>
+          <p:cNvPr id="573" name="Google Shape;573;g3cf842e83a_0_179:notes"/>
           <p:cNvSpPr txBox="1">
             <a:spLocks noGrp="1"/>
           </p:cNvSpPr>
@@ -1449,7 +1446,7 @@
       </p:sp>
       <p:sp>
         <p:nvSpPr>
-          <p:cNvPr id="594" name="Google Shape;594;g42157de5f7_0_10:notes"/>
+          <p:cNvPr id="574" name="Google Shape;574;g3cf842e83a_0_179:notes"/>
           <p:cNvSpPr>
             <a:spLocks noGrp="1" noRot="1" noChangeAspect="1"/>
           </p:cNvSpPr>
@@ -1491,7 +1488,7 @@
     </p:spTree>
     <p:extLst>
       <p:ext uri="{BB962C8B-B14F-4D97-AF65-F5344CB8AC3E}">
-        <p14:creationId xmlns:p14="http://schemas.microsoft.com/office/powerpoint/2010/main" val="819892947"/>
+        <p14:creationId xmlns:p14="http://schemas.microsoft.com/office/powerpoint/2010/main" val="4189395615"/>
       </p:ext>
     </p:extLst>
   </p:cSld>
@@ -1501,12 +1498,12 @@
 </p:notes>
 </file>
 
-<file path=ppt/notesSlides/notesSlide4.xml><?xml version="1.0" encoding="utf-8"?>
+<file path=ppt/notesSlides/notesSlide9.xml><?xml version="1.0" encoding="utf-8"?>
 <p:notes xmlns:a="http://schemas.openxmlformats.org/drawingml/2006/main" xmlns:r="http://schemas.openxmlformats.org/officeDocument/2006/relationships" xmlns:p="http://schemas.openxmlformats.org/presentationml/2006/main" showMasterSp="0" showMasterPhAnim="0">
   <p:cSld>
     <p:spTree>
       <p:nvGrpSpPr>
-        <p:cNvPr id="1" name="Shape 599"/>
+        <p:cNvPr id="1" name="Shape 578"/>
         <p:cNvGrpSpPr/>
         <p:nvPr/>
       </p:nvGrpSpPr>
@@ -1520,7 +1517,7 @@
       </p:grpSpPr>
       <p:sp>
         <p:nvSpPr>
-          <p:cNvPr id="600" name="Google Shape;600;g36c221b22f_0_365:notes"/>
+          <p:cNvPr id="579" name="Google Shape;579;g3d97a82b30_0_1:notes"/>
           <p:cNvSpPr txBox="1">
             <a:spLocks noGrp="1"/>
           </p:cNvSpPr>
@@ -1562,7 +1559,7 @@
       </p:sp>
       <p:sp>
         <p:nvSpPr>
-          <p:cNvPr id="601" name="Google Shape;601;g36c221b22f_0_365:notes"/>
+          <p:cNvPr id="580" name="Google Shape;580;g3d97a82b30_0_1:notes"/>
           <p:cNvSpPr>
             <a:spLocks noGrp="1" noRot="1" noChangeAspect="1"/>
           </p:cNvSpPr>
@@ -1604,572 +1601,7 @@
     </p:spTree>
     <p:extLst>
       <p:ext uri="{BB962C8B-B14F-4D97-AF65-F5344CB8AC3E}">
-        <p14:creationId xmlns:p14="http://schemas.microsoft.com/office/powerpoint/2010/main" val="3166910201"/>
-      </p:ext>
-    </p:extLst>
-  </p:cSld>
-  <p:clrMapOvr>
-    <a:masterClrMapping/>
-  </p:clrMapOvr>
-</p:notes>
-</file>
-
-<file path=ppt/notesSlides/notesSlide5.xml><?xml version="1.0" encoding="utf-8"?>
-<p:notes xmlns:a="http://schemas.openxmlformats.org/drawingml/2006/main" xmlns:r="http://schemas.openxmlformats.org/officeDocument/2006/relationships" xmlns:p="http://schemas.openxmlformats.org/presentationml/2006/main" showMasterSp="0" showMasterPhAnim="0">
-  <p:cSld>
-    <p:spTree>
-      <p:nvGrpSpPr>
-        <p:cNvPr id="1" name="Shape 560"/>
-        <p:cNvGrpSpPr/>
-        <p:nvPr/>
-      </p:nvGrpSpPr>
-      <p:grpSpPr>
-        <a:xfrm>
-          <a:off x="0" y="0"/>
-          <a:ext cx="0" cy="0"/>
-          <a:chOff x="0" y="0"/>
-          <a:chExt cx="0" cy="0"/>
-        </a:xfrm>
-      </p:grpSpPr>
-      <p:sp>
-        <p:nvSpPr>
-          <p:cNvPr id="561" name="Google Shape;561;g3cf842e83a_0_169:notes"/>
-          <p:cNvSpPr txBox="1">
-            <a:spLocks noGrp="1"/>
-          </p:cNvSpPr>
-          <p:nvPr>
-            <p:ph type="body" idx="1"/>
-          </p:nvPr>
-        </p:nvSpPr>
-        <p:spPr>
-          <a:xfrm>
-            <a:off x="709930" y="4458018"/>
-            <a:ext cx="5679300" cy="4223400"/>
-          </a:xfrm>
-          <a:prstGeom prst="rect">
-            <a:avLst/>
-          </a:prstGeom>
-          <a:noFill/>
-          <a:ln>
-            <a:noFill/>
-          </a:ln>
-        </p:spPr>
-        <p:txBody>
-          <a:bodyPr spcFirstLastPara="1" wrap="square" lIns="94375" tIns="94375" rIns="94375" bIns="94375" anchor="ctr" anchorCtr="0">
-            <a:noAutofit/>
-          </a:bodyPr>
-          <a:lstStyle/>
-          <a:p>
-            <a:pPr marL="0" lvl="0" indent="0" algn="l" rtl="0">
-              <a:spcBef>
-                <a:spcPts val="0"/>
-              </a:spcBef>
-              <a:spcAft>
-                <a:spcPts val="0"/>
-              </a:spcAft>
-              <a:buNone/>
-            </a:pPr>
-            <a:endParaRPr/>
-          </a:p>
-        </p:txBody>
-      </p:sp>
-      <p:sp>
-        <p:nvSpPr>
-          <p:cNvPr id="562" name="Google Shape;562;g3cf842e83a_0_169:notes"/>
-          <p:cNvSpPr>
-            <a:spLocks noGrp="1" noRot="1" noChangeAspect="1"/>
-          </p:cNvSpPr>
-          <p:nvPr>
-            <p:ph type="sldImg" idx="2"/>
-          </p:nvPr>
-        </p:nvSpPr>
-        <p:spPr>
-          <a:xfrm>
-            <a:off x="422275" y="703263"/>
-            <a:ext cx="6254750" cy="3519487"/>
-          </a:xfrm>
-          <a:custGeom>
-            <a:avLst/>
-            <a:gdLst/>
-            <a:ahLst/>
-            <a:cxnLst/>
-            <a:rect l="l" t="t" r="r" b="b"/>
-            <a:pathLst>
-              <a:path w="120000" h="120000" extrusionOk="0">
-                <a:moveTo>
-                  <a:pt x="0" y="0"/>
-                </a:moveTo>
-                <a:lnTo>
-                  <a:pt x="120000" y="0"/>
-                </a:lnTo>
-                <a:lnTo>
-                  <a:pt x="120000" y="120000"/>
-                </a:lnTo>
-                <a:lnTo>
-                  <a:pt x="0" y="120000"/>
-                </a:lnTo>
-                <a:close/>
-              </a:path>
-            </a:pathLst>
-          </a:custGeom>
-        </p:spPr>
-      </p:sp>
-    </p:spTree>
-    <p:extLst>
-      <p:ext uri="{BB962C8B-B14F-4D97-AF65-F5344CB8AC3E}">
-        <p14:creationId xmlns:p14="http://schemas.microsoft.com/office/powerpoint/2010/main" val="3967015760"/>
-      </p:ext>
-    </p:extLst>
-  </p:cSld>
-  <p:clrMapOvr>
-    <a:masterClrMapping/>
-  </p:clrMapOvr>
-</p:notes>
-</file>
-
-<file path=ppt/notesSlides/notesSlide6.xml><?xml version="1.0" encoding="utf-8"?>
-<p:notes xmlns:a="http://schemas.openxmlformats.org/drawingml/2006/main" xmlns:r="http://schemas.openxmlformats.org/officeDocument/2006/relationships" xmlns:p="http://schemas.openxmlformats.org/presentationml/2006/main" showMasterSp="0" showMasterPhAnim="0">
-  <p:cSld>
-    <p:spTree>
-      <p:nvGrpSpPr>
-        <p:cNvPr id="1" name="Shape 566"/>
-        <p:cNvGrpSpPr/>
-        <p:nvPr/>
-      </p:nvGrpSpPr>
-      <p:grpSpPr>
-        <a:xfrm>
-          <a:off x="0" y="0"/>
-          <a:ext cx="0" cy="0"/>
-          <a:chOff x="0" y="0"/>
-          <a:chExt cx="0" cy="0"/>
-        </a:xfrm>
-      </p:grpSpPr>
-      <p:sp>
-        <p:nvSpPr>
-          <p:cNvPr id="567" name="Google Shape;567;g3cf842e83a_0_174:notes"/>
-          <p:cNvSpPr txBox="1">
-            <a:spLocks noGrp="1"/>
-          </p:cNvSpPr>
-          <p:nvPr>
-            <p:ph type="body" idx="1"/>
-          </p:nvPr>
-        </p:nvSpPr>
-        <p:spPr>
-          <a:xfrm>
-            <a:off x="709930" y="4458018"/>
-            <a:ext cx="5679300" cy="4223400"/>
-          </a:xfrm>
-          <a:prstGeom prst="rect">
-            <a:avLst/>
-          </a:prstGeom>
-          <a:noFill/>
-          <a:ln>
-            <a:noFill/>
-          </a:ln>
-        </p:spPr>
-        <p:txBody>
-          <a:bodyPr spcFirstLastPara="1" wrap="square" lIns="94375" tIns="94375" rIns="94375" bIns="94375" anchor="ctr" anchorCtr="0">
-            <a:noAutofit/>
-          </a:bodyPr>
-          <a:lstStyle/>
-          <a:p>
-            <a:pPr marL="0" lvl="0" indent="0" algn="l" rtl="0">
-              <a:spcBef>
-                <a:spcPts val="0"/>
-              </a:spcBef>
-              <a:spcAft>
-                <a:spcPts val="0"/>
-              </a:spcAft>
-              <a:buNone/>
-            </a:pPr>
-            <a:endParaRPr/>
-          </a:p>
-        </p:txBody>
-      </p:sp>
-      <p:sp>
-        <p:nvSpPr>
-          <p:cNvPr id="568" name="Google Shape;568;g3cf842e83a_0_174:notes"/>
-          <p:cNvSpPr>
-            <a:spLocks noGrp="1" noRot="1" noChangeAspect="1"/>
-          </p:cNvSpPr>
-          <p:nvPr>
-            <p:ph type="sldImg" idx="2"/>
-          </p:nvPr>
-        </p:nvSpPr>
-        <p:spPr>
-          <a:xfrm>
-            <a:off x="422275" y="703263"/>
-            <a:ext cx="6254750" cy="3519487"/>
-          </a:xfrm>
-          <a:custGeom>
-            <a:avLst/>
-            <a:gdLst/>
-            <a:ahLst/>
-            <a:cxnLst/>
-            <a:rect l="l" t="t" r="r" b="b"/>
-            <a:pathLst>
-              <a:path w="120000" h="120000" extrusionOk="0">
-                <a:moveTo>
-                  <a:pt x="0" y="0"/>
-                </a:moveTo>
-                <a:lnTo>
-                  <a:pt x="120000" y="0"/>
-                </a:lnTo>
-                <a:lnTo>
-                  <a:pt x="120000" y="120000"/>
-                </a:lnTo>
-                <a:lnTo>
-                  <a:pt x="0" y="120000"/>
-                </a:lnTo>
-                <a:close/>
-              </a:path>
-            </a:pathLst>
-          </a:custGeom>
-        </p:spPr>
-      </p:sp>
-    </p:spTree>
-    <p:extLst>
-      <p:ext uri="{BB962C8B-B14F-4D97-AF65-F5344CB8AC3E}">
-        <p14:creationId xmlns:p14="http://schemas.microsoft.com/office/powerpoint/2010/main" val="678315366"/>
-      </p:ext>
-    </p:extLst>
-  </p:cSld>
-  <p:clrMapOvr>
-    <a:masterClrMapping/>
-  </p:clrMapOvr>
-</p:notes>
-</file>
-
-<file path=ppt/notesSlides/notesSlide7.xml><?xml version="1.0" encoding="utf-8"?>
-<p:notes xmlns:a="http://schemas.openxmlformats.org/drawingml/2006/main" xmlns:r="http://schemas.openxmlformats.org/officeDocument/2006/relationships" xmlns:p="http://schemas.openxmlformats.org/presentationml/2006/main" showMasterSp="0" showMasterPhAnim="0">
-  <p:cSld>
-    <p:spTree>
-      <p:nvGrpSpPr>
-        <p:cNvPr id="1" name="Shape 572"/>
-        <p:cNvGrpSpPr/>
-        <p:nvPr/>
-      </p:nvGrpSpPr>
-      <p:grpSpPr>
-        <a:xfrm>
-          <a:off x="0" y="0"/>
-          <a:ext cx="0" cy="0"/>
-          <a:chOff x="0" y="0"/>
-          <a:chExt cx="0" cy="0"/>
-        </a:xfrm>
-      </p:grpSpPr>
-      <p:sp>
-        <p:nvSpPr>
-          <p:cNvPr id="573" name="Google Shape;573;g3cf842e83a_0_179:notes"/>
-          <p:cNvSpPr txBox="1">
-            <a:spLocks noGrp="1"/>
-          </p:cNvSpPr>
-          <p:nvPr>
-            <p:ph type="body" idx="1"/>
-          </p:nvPr>
-        </p:nvSpPr>
-        <p:spPr>
-          <a:xfrm>
-            <a:off x="709930" y="4458018"/>
-            <a:ext cx="5679300" cy="4223400"/>
-          </a:xfrm>
-          <a:prstGeom prst="rect">
-            <a:avLst/>
-          </a:prstGeom>
-          <a:noFill/>
-          <a:ln>
-            <a:noFill/>
-          </a:ln>
-        </p:spPr>
-        <p:txBody>
-          <a:bodyPr spcFirstLastPara="1" wrap="square" lIns="94375" tIns="94375" rIns="94375" bIns="94375" anchor="ctr" anchorCtr="0">
-            <a:noAutofit/>
-          </a:bodyPr>
-          <a:lstStyle/>
-          <a:p>
-            <a:pPr marL="0" lvl="0" indent="0" algn="l" rtl="0">
-              <a:spcBef>
-                <a:spcPts val="0"/>
-              </a:spcBef>
-              <a:spcAft>
-                <a:spcPts val="0"/>
-              </a:spcAft>
-              <a:buNone/>
-            </a:pPr>
-            <a:endParaRPr/>
-          </a:p>
-        </p:txBody>
-      </p:sp>
-      <p:sp>
-        <p:nvSpPr>
-          <p:cNvPr id="574" name="Google Shape;574;g3cf842e83a_0_179:notes"/>
-          <p:cNvSpPr>
-            <a:spLocks noGrp="1" noRot="1" noChangeAspect="1"/>
-          </p:cNvSpPr>
-          <p:nvPr>
-            <p:ph type="sldImg" idx="2"/>
-          </p:nvPr>
-        </p:nvSpPr>
-        <p:spPr>
-          <a:xfrm>
-            <a:off x="422275" y="703263"/>
-            <a:ext cx="6254750" cy="3519487"/>
-          </a:xfrm>
-          <a:custGeom>
-            <a:avLst/>
-            <a:gdLst/>
-            <a:ahLst/>
-            <a:cxnLst/>
-            <a:rect l="l" t="t" r="r" b="b"/>
-            <a:pathLst>
-              <a:path w="120000" h="120000" extrusionOk="0">
-                <a:moveTo>
-                  <a:pt x="0" y="0"/>
-                </a:moveTo>
-                <a:lnTo>
-                  <a:pt x="120000" y="0"/>
-                </a:lnTo>
-                <a:lnTo>
-                  <a:pt x="120000" y="120000"/>
-                </a:lnTo>
-                <a:lnTo>
-                  <a:pt x="0" y="120000"/>
-                </a:lnTo>
-                <a:close/>
-              </a:path>
-            </a:pathLst>
-          </a:custGeom>
-        </p:spPr>
-      </p:sp>
-    </p:spTree>
-    <p:extLst>
-      <p:ext uri="{BB962C8B-B14F-4D97-AF65-F5344CB8AC3E}">
-        <p14:creationId xmlns:p14="http://schemas.microsoft.com/office/powerpoint/2010/main" val="3008165076"/>
-      </p:ext>
-    </p:extLst>
-  </p:cSld>
-  <p:clrMapOvr>
-    <a:masterClrMapping/>
-  </p:clrMapOvr>
-</p:notes>
-</file>
-
-<file path=ppt/notesSlides/notesSlide8.xml><?xml version="1.0" encoding="utf-8"?>
-<p:notes xmlns:a="http://schemas.openxmlformats.org/drawingml/2006/main" xmlns:r="http://schemas.openxmlformats.org/officeDocument/2006/relationships" xmlns:p="http://schemas.openxmlformats.org/presentationml/2006/main" showMasterSp="0" showMasterPhAnim="0">
-  <p:cSld>
-    <p:spTree>
-      <p:nvGrpSpPr>
-        <p:cNvPr id="1" name="Shape 578"/>
-        <p:cNvGrpSpPr/>
-        <p:nvPr/>
-      </p:nvGrpSpPr>
-      <p:grpSpPr>
-        <a:xfrm>
-          <a:off x="0" y="0"/>
-          <a:ext cx="0" cy="0"/>
-          <a:chOff x="0" y="0"/>
-          <a:chExt cx="0" cy="0"/>
-        </a:xfrm>
-      </p:grpSpPr>
-      <p:sp>
-        <p:nvSpPr>
-          <p:cNvPr id="579" name="Google Shape;579;g3d97a82b30_0_1:notes"/>
-          <p:cNvSpPr txBox="1">
-            <a:spLocks noGrp="1"/>
-          </p:cNvSpPr>
-          <p:nvPr>
-            <p:ph type="body" idx="1"/>
-          </p:nvPr>
-        </p:nvSpPr>
-        <p:spPr>
-          <a:xfrm>
-            <a:off x="709930" y="4458018"/>
-            <a:ext cx="5679300" cy="4223400"/>
-          </a:xfrm>
-          <a:prstGeom prst="rect">
-            <a:avLst/>
-          </a:prstGeom>
-          <a:noFill/>
-          <a:ln>
-            <a:noFill/>
-          </a:ln>
-        </p:spPr>
-        <p:txBody>
-          <a:bodyPr spcFirstLastPara="1" wrap="square" lIns="94375" tIns="94375" rIns="94375" bIns="94375" anchor="ctr" anchorCtr="0">
-            <a:noAutofit/>
-          </a:bodyPr>
-          <a:lstStyle/>
-          <a:p>
-            <a:pPr marL="0" lvl="0" indent="0" algn="l" rtl="0">
-              <a:spcBef>
-                <a:spcPts val="0"/>
-              </a:spcBef>
-              <a:spcAft>
-                <a:spcPts val="0"/>
-              </a:spcAft>
-              <a:buNone/>
-            </a:pPr>
-            <a:endParaRPr/>
-          </a:p>
-        </p:txBody>
-      </p:sp>
-      <p:sp>
-        <p:nvSpPr>
-          <p:cNvPr id="580" name="Google Shape;580;g3d97a82b30_0_1:notes"/>
-          <p:cNvSpPr>
-            <a:spLocks noGrp="1" noRot="1" noChangeAspect="1"/>
-          </p:cNvSpPr>
-          <p:nvPr>
-            <p:ph type="sldImg" idx="2"/>
-          </p:nvPr>
-        </p:nvSpPr>
-        <p:spPr>
-          <a:xfrm>
-            <a:off x="422275" y="703263"/>
-            <a:ext cx="6254750" cy="3519487"/>
-          </a:xfrm>
-          <a:custGeom>
-            <a:avLst/>
-            <a:gdLst/>
-            <a:ahLst/>
-            <a:cxnLst/>
-            <a:rect l="l" t="t" r="r" b="b"/>
-            <a:pathLst>
-              <a:path w="120000" h="120000" extrusionOk="0">
-                <a:moveTo>
-                  <a:pt x="0" y="0"/>
-                </a:moveTo>
-                <a:lnTo>
-                  <a:pt x="120000" y="0"/>
-                </a:lnTo>
-                <a:lnTo>
-                  <a:pt x="120000" y="120000"/>
-                </a:lnTo>
-                <a:lnTo>
-                  <a:pt x="0" y="120000"/>
-                </a:lnTo>
-                <a:close/>
-              </a:path>
-            </a:pathLst>
-          </a:custGeom>
-        </p:spPr>
-      </p:sp>
-    </p:spTree>
-    <p:extLst>
-      <p:ext uri="{BB962C8B-B14F-4D97-AF65-F5344CB8AC3E}">
-        <p14:creationId xmlns:p14="http://schemas.microsoft.com/office/powerpoint/2010/main" val="3124264180"/>
-      </p:ext>
-    </p:extLst>
-  </p:cSld>
-  <p:clrMapOvr>
-    <a:masterClrMapping/>
-  </p:clrMapOvr>
-</p:notes>
-</file>
-
-<file path=ppt/notesSlides/notesSlide9.xml><?xml version="1.0" encoding="utf-8"?>
-<p:notes xmlns:a="http://schemas.openxmlformats.org/drawingml/2006/main" xmlns:r="http://schemas.openxmlformats.org/officeDocument/2006/relationships" xmlns:p="http://schemas.openxmlformats.org/presentationml/2006/main" showMasterSp="0" showMasterPhAnim="0">
-  <p:cSld>
-    <p:spTree>
-      <p:nvGrpSpPr>
-        <p:cNvPr id="1" name="Shape 585"/>
-        <p:cNvGrpSpPr/>
-        <p:nvPr/>
-      </p:nvGrpSpPr>
-      <p:grpSpPr>
-        <a:xfrm>
-          <a:off x="0" y="0"/>
-          <a:ext cx="0" cy="0"/>
-          <a:chOff x="0" y="0"/>
-          <a:chExt cx="0" cy="0"/>
-        </a:xfrm>
-      </p:grpSpPr>
-      <p:sp>
-        <p:nvSpPr>
-          <p:cNvPr id="586" name="Google Shape;586;g42157de5f7_0_4:notes"/>
-          <p:cNvSpPr txBox="1">
-            <a:spLocks noGrp="1"/>
-          </p:cNvSpPr>
-          <p:nvPr>
-            <p:ph type="body" idx="1"/>
-          </p:nvPr>
-        </p:nvSpPr>
-        <p:spPr>
-          <a:xfrm>
-            <a:off x="709930" y="4458018"/>
-            <a:ext cx="5679300" cy="4223400"/>
-          </a:xfrm>
-          <a:prstGeom prst="rect">
-            <a:avLst/>
-          </a:prstGeom>
-          <a:noFill/>
-          <a:ln>
-            <a:noFill/>
-          </a:ln>
-        </p:spPr>
-        <p:txBody>
-          <a:bodyPr spcFirstLastPara="1" wrap="square" lIns="94375" tIns="94375" rIns="94375" bIns="94375" anchor="ctr" anchorCtr="0">
-            <a:noAutofit/>
-          </a:bodyPr>
-          <a:lstStyle/>
-          <a:p>
-            <a:pPr marL="0" lvl="0" indent="0" algn="l" rtl="0">
-              <a:spcBef>
-                <a:spcPts val="0"/>
-              </a:spcBef>
-              <a:spcAft>
-                <a:spcPts val="0"/>
-              </a:spcAft>
-              <a:buNone/>
-            </a:pPr>
-            <a:endParaRPr/>
-          </a:p>
-        </p:txBody>
-      </p:sp>
-      <p:sp>
-        <p:nvSpPr>
-          <p:cNvPr id="587" name="Google Shape;587;g42157de5f7_0_4:notes"/>
-          <p:cNvSpPr>
-            <a:spLocks noGrp="1" noRot="1" noChangeAspect="1"/>
-          </p:cNvSpPr>
-          <p:nvPr>
-            <p:ph type="sldImg" idx="2"/>
-          </p:nvPr>
-        </p:nvSpPr>
-        <p:spPr>
-          <a:xfrm>
-            <a:off x="422275" y="703263"/>
-            <a:ext cx="6254750" cy="3519487"/>
-          </a:xfrm>
-          <a:custGeom>
-            <a:avLst/>
-            <a:gdLst/>
-            <a:ahLst/>
-            <a:cxnLst/>
-            <a:rect l="l" t="t" r="r" b="b"/>
-            <a:pathLst>
-              <a:path w="120000" h="120000" extrusionOk="0">
-                <a:moveTo>
-                  <a:pt x="0" y="0"/>
-                </a:moveTo>
-                <a:lnTo>
-                  <a:pt x="120000" y="0"/>
-                </a:lnTo>
-                <a:lnTo>
-                  <a:pt x="120000" y="120000"/>
-                </a:lnTo>
-                <a:lnTo>
-                  <a:pt x="0" y="120000"/>
-                </a:lnTo>
-                <a:close/>
-              </a:path>
-            </a:pathLst>
-          </a:custGeom>
-        </p:spPr>
-      </p:sp>
-    </p:spTree>
-    <p:extLst>
-      <p:ext uri="{BB962C8B-B14F-4D97-AF65-F5344CB8AC3E}">
-        <p14:creationId xmlns:p14="http://schemas.microsoft.com/office/powerpoint/2010/main" val="984026734"/>
+        <p14:creationId xmlns:p14="http://schemas.microsoft.com/office/powerpoint/2010/main" val="1557301175"/>
       </p:ext>
     </p:extLst>
   </p:cSld>
@@ -2310,7 +1742,7 @@
           <a:p>
             <a:fld id="{8F1D3810-53CA-403B-BC80-9B9E43879DA4}" type="datetimeFigureOut">
               <a:rPr lang="en-SG" smtClean="0"/>
-              <a:t>2/10/2019</a:t>
+              <a:t>6/10/2019</a:t>
             </a:fld>
             <a:endParaRPr lang="en-SG"/>
           </a:p>
@@ -2480,7 +1912,7 @@
           <a:p>
             <a:fld id="{8F1D3810-53CA-403B-BC80-9B9E43879DA4}" type="datetimeFigureOut">
               <a:rPr lang="en-SG" smtClean="0"/>
-              <a:t>2/10/2019</a:t>
+              <a:t>6/10/2019</a:t>
             </a:fld>
             <a:endParaRPr lang="en-SG"/>
           </a:p>
@@ -2660,7 +2092,7 @@
           <a:p>
             <a:fld id="{8F1D3810-53CA-403B-BC80-9B9E43879DA4}" type="datetimeFigureOut">
               <a:rPr lang="en-SG" smtClean="0"/>
-              <a:t>2/10/2019</a:t>
+              <a:t>6/10/2019</a:t>
             </a:fld>
             <a:endParaRPr lang="en-SG"/>
           </a:p>
@@ -2830,7 +2262,7 @@
           <a:p>
             <a:fld id="{8F1D3810-53CA-403B-BC80-9B9E43879DA4}" type="datetimeFigureOut">
               <a:rPr lang="en-SG" smtClean="0"/>
-              <a:t>2/10/2019</a:t>
+              <a:t>6/10/2019</a:t>
             </a:fld>
             <a:endParaRPr lang="en-SG"/>
           </a:p>
@@ -3076,7 +2508,7 @@
           <a:p>
             <a:fld id="{8F1D3810-53CA-403B-BC80-9B9E43879DA4}" type="datetimeFigureOut">
               <a:rPr lang="en-SG" smtClean="0"/>
-              <a:t>2/10/2019</a:t>
+              <a:t>6/10/2019</a:t>
             </a:fld>
             <a:endParaRPr lang="en-SG"/>
           </a:p>
@@ -3308,7 +2740,7 @@
           <a:p>
             <a:fld id="{8F1D3810-53CA-403B-BC80-9B9E43879DA4}" type="datetimeFigureOut">
               <a:rPr lang="en-SG" smtClean="0"/>
-              <a:t>2/10/2019</a:t>
+              <a:t>6/10/2019</a:t>
             </a:fld>
             <a:endParaRPr lang="en-SG"/>
           </a:p>
@@ -3675,7 +3107,7 @@
           <a:p>
             <a:fld id="{8F1D3810-53CA-403B-BC80-9B9E43879DA4}" type="datetimeFigureOut">
               <a:rPr lang="en-SG" smtClean="0"/>
-              <a:t>2/10/2019</a:t>
+              <a:t>6/10/2019</a:t>
             </a:fld>
             <a:endParaRPr lang="en-SG"/>
           </a:p>
@@ -3793,7 +3225,7 @@
           <a:p>
             <a:fld id="{8F1D3810-53CA-403B-BC80-9B9E43879DA4}" type="datetimeFigureOut">
               <a:rPr lang="en-SG" smtClean="0"/>
-              <a:t>2/10/2019</a:t>
+              <a:t>6/10/2019</a:t>
             </a:fld>
             <a:endParaRPr lang="en-SG"/>
           </a:p>
@@ -3888,7 +3320,7 @@
           <a:p>
             <a:fld id="{8F1D3810-53CA-403B-BC80-9B9E43879DA4}" type="datetimeFigureOut">
               <a:rPr lang="en-SG" smtClean="0"/>
-              <a:t>2/10/2019</a:t>
+              <a:t>6/10/2019</a:t>
             </a:fld>
             <a:endParaRPr lang="en-SG"/>
           </a:p>
@@ -4165,7 +3597,7 @@
           <a:p>
             <a:fld id="{8F1D3810-53CA-403B-BC80-9B9E43879DA4}" type="datetimeFigureOut">
               <a:rPr lang="en-SG" smtClean="0"/>
-              <a:t>2/10/2019</a:t>
+              <a:t>6/10/2019</a:t>
             </a:fld>
             <a:endParaRPr lang="en-SG"/>
           </a:p>
@@ -4418,7 +3850,7 @@
           <a:p>
             <a:fld id="{8F1D3810-53CA-403B-BC80-9B9E43879DA4}" type="datetimeFigureOut">
               <a:rPr lang="en-SG" smtClean="0"/>
-              <a:t>2/10/2019</a:t>
+              <a:t>6/10/2019</a:t>
             </a:fld>
             <a:endParaRPr lang="en-SG"/>
           </a:p>
@@ -4631,7 +4063,7 @@
           <a:p>
             <a:fld id="{8F1D3810-53CA-403B-BC80-9B9E43879DA4}" type="datetimeFigureOut">
               <a:rPr lang="en-SG" smtClean="0"/>
-              <a:t>2/10/2019</a:t>
+              <a:t>6/10/2019</a:t>
             </a:fld>
             <a:endParaRPr lang="en-SG"/>
           </a:p>
@@ -5086,6 +4518,36 @@
           </a:p>
         </p:txBody>
       </p:sp>
+      <p:pic>
+        <p:nvPicPr>
+          <p:cNvPr id="5" name="Picture 4"/>
+          <p:cNvPicPr>
+            <a:picLocks noChangeAspect="1"/>
+          </p:cNvPicPr>
+          <p:nvPr/>
+        </p:nvPicPr>
+        <p:blipFill>
+          <a:blip r:embed="rId2">
+            <a:extLst>
+              <a:ext uri="{28A0092B-C50C-407E-A947-70E740481C1C}">
+                <a14:useLocalDpi xmlns:a14="http://schemas.microsoft.com/office/drawing/2010/main" val="0"/>
+              </a:ext>
+            </a:extLst>
+          </a:blip>
+          <a:stretch>
+            <a:fillRect/>
+          </a:stretch>
+        </p:blipFill>
+        <p:spPr>
+          <a:xfrm>
+            <a:off x="4201603" y="368700"/>
+            <a:ext cx="3788793" cy="2315374"/>
+          </a:xfrm>
+          <a:prstGeom prst="rect">
+            <a:avLst/>
+          </a:prstGeom>
+        </p:spPr>
+      </p:pic>
     </p:spTree>
     <p:extLst>
       <p:ext uri="{BB962C8B-B14F-4D97-AF65-F5344CB8AC3E}">
@@ -5104,7 +4566,7 @@
   <p:cSld>
     <p:spTree>
       <p:nvGrpSpPr>
-        <p:cNvPr id="1" name="Shape 595"/>
+        <p:cNvPr id="1" name="Shape 552"/>
         <p:cNvGrpSpPr/>
         <p:nvPr/>
       </p:nvGrpSpPr>
@@ -5118,7 +4580,320 @@
       </p:grpSpPr>
       <p:sp>
         <p:nvSpPr>
-          <p:cNvPr id="596" name="Google Shape;596;p99"/>
+          <p:cNvPr id="553" name="Google Shape;553;p92"/>
+          <p:cNvSpPr txBox="1">
+            <a:spLocks noGrp="1"/>
+          </p:cNvSpPr>
+          <p:nvPr>
+            <p:ph sz="half" idx="1"/>
+          </p:nvPr>
+        </p:nvSpPr>
+        <p:spPr>
+          <a:xfrm>
+            <a:off x="838199" y="1825625"/>
+            <a:ext cx="6330351" cy="4419900"/>
+          </a:xfrm>
+          <a:prstGeom prst="rect">
+            <a:avLst/>
+          </a:prstGeom>
+        </p:spPr>
+        <p:txBody>
+          <a:bodyPr spcFirstLastPara="1" vert="horz" wrap="square" lIns="91425" tIns="91425" rIns="91425" bIns="91425" rtlCol="0" anchor="t" anchorCtr="0">
+            <a:noAutofit/>
+          </a:bodyPr>
+          <a:lstStyle/>
+          <a:p>
+            <a:pPr marL="0" indent="0">
+              <a:spcBef>
+                <a:spcPts val="640"/>
+              </a:spcBef>
+              <a:buNone/>
+            </a:pPr>
+            <a:r>
+              <a:rPr lang="en-US" sz="6000" dirty="0"/>
+              <a:t>Module </a:t>
+            </a:r>
+            <a:r>
+              <a:rPr lang="en-US" sz="6000" dirty="0" smtClean="0"/>
+              <a:t>5</a:t>
+            </a:r>
+            <a:endParaRPr sz="6000" dirty="0"/>
+          </a:p>
+          <a:p>
+            <a:pPr marL="0" indent="0">
+              <a:spcBef>
+                <a:spcPts val="640"/>
+              </a:spcBef>
+              <a:buNone/>
+            </a:pPr>
+            <a:r>
+              <a:rPr lang="en-US" sz="6000" dirty="0" err="1"/>
+              <a:t>Vue</a:t>
+            </a:r>
+            <a:r>
+              <a:rPr lang="en-US" sz="6000" dirty="0"/>
+              <a:t> </a:t>
+            </a:r>
+            <a:r>
+              <a:rPr lang="en-US" sz="6000" dirty="0" err="1"/>
+              <a:t>Cli</a:t>
+            </a:r>
+            <a:r>
+              <a:rPr lang="en-US" sz="6000" dirty="0"/>
+              <a:t> and Router</a:t>
+            </a:r>
+            <a:endParaRPr sz="6000" dirty="0"/>
+          </a:p>
+          <a:p>
+            <a:pPr marL="342900" indent="-139700" algn="ctr">
+              <a:spcBef>
+                <a:spcPts val="640"/>
+              </a:spcBef>
+              <a:buNone/>
+            </a:pPr>
+            <a:endParaRPr sz="6000" b="1" dirty="0"/>
+          </a:p>
+          <a:p>
+            <a:pPr marL="342900" indent="-139700" algn="ctr">
+              <a:spcBef>
+                <a:spcPts val="640"/>
+              </a:spcBef>
+              <a:buNone/>
+            </a:pPr>
+            <a:endParaRPr sz="6000" b="1" dirty="0"/>
+          </a:p>
+          <a:p>
+            <a:pPr marL="342900" indent="-139700" algn="ctr">
+              <a:spcBef>
+                <a:spcPts val="640"/>
+              </a:spcBef>
+              <a:buNone/>
+            </a:pPr>
+            <a:endParaRPr sz="6000" b="1" dirty="0"/>
+          </a:p>
+        </p:txBody>
+      </p:sp>
+      <p:pic>
+        <p:nvPicPr>
+          <p:cNvPr id="4" name="Picture 3"/>
+          <p:cNvPicPr>
+            <a:picLocks noChangeAspect="1"/>
+          </p:cNvPicPr>
+          <p:nvPr/>
+        </p:nvPicPr>
+        <p:blipFill>
+          <a:blip r:embed="rId3"/>
+          <a:stretch>
+            <a:fillRect/>
+          </a:stretch>
+        </p:blipFill>
+        <p:spPr>
+          <a:xfrm>
+            <a:off x="7489166" y="2319143"/>
+            <a:ext cx="3364302" cy="3364302"/>
+          </a:xfrm>
+          <a:prstGeom prst="rect">
+            <a:avLst/>
+          </a:prstGeom>
+        </p:spPr>
+      </p:pic>
+    </p:spTree>
+    <p:extLst>
+      <p:ext uri="{BB962C8B-B14F-4D97-AF65-F5344CB8AC3E}">
+        <p14:creationId xmlns:p14="http://schemas.microsoft.com/office/powerpoint/2010/main" val="2332748161"/>
+      </p:ext>
+    </p:extLst>
+  </p:cSld>
+  <p:clrMapOvr>
+    <a:masterClrMapping/>
+  </p:clrMapOvr>
+</p:sld>
+</file>
+
+<file path=ppt/slides/slide11.xml><?xml version="1.0" encoding="utf-8"?>
+<p:sld xmlns:a="http://schemas.openxmlformats.org/drawingml/2006/main" xmlns:r="http://schemas.openxmlformats.org/officeDocument/2006/relationships" xmlns:p="http://schemas.openxmlformats.org/presentationml/2006/main">
+  <p:cSld>
+    <p:spTree>
+      <p:nvGrpSpPr>
+        <p:cNvPr id="1" name="Shape 602"/>
+        <p:cNvGrpSpPr/>
+        <p:nvPr/>
+      </p:nvGrpSpPr>
+      <p:grpSpPr>
+        <a:xfrm>
+          <a:off x="0" y="0"/>
+          <a:ext cx="0" cy="0"/>
+          <a:chOff x="0" y="0"/>
+          <a:chExt cx="0" cy="0"/>
+        </a:xfrm>
+      </p:grpSpPr>
+      <p:sp>
+        <p:nvSpPr>
+          <p:cNvPr id="603" name="Google Shape;603;p100"/>
+          <p:cNvSpPr txBox="1">
+            <a:spLocks noGrp="1"/>
+          </p:cNvSpPr>
+          <p:nvPr>
+            <p:ph type="title"/>
+          </p:nvPr>
+        </p:nvSpPr>
+        <p:spPr>
+          <a:xfrm>
+            <a:off x="1808550" y="439200"/>
+            <a:ext cx="8847300" cy="780000"/>
+          </a:xfrm>
+          <a:prstGeom prst="rect">
+            <a:avLst/>
+          </a:prstGeom>
+          <a:noFill/>
+          <a:ln>
+            <a:noFill/>
+          </a:ln>
+        </p:spPr>
+        <p:txBody>
+          <a:bodyPr spcFirstLastPara="1" vert="horz" wrap="square" lIns="91425" tIns="45700" rIns="91425" bIns="45700" rtlCol="0" anchor="ctr" anchorCtr="0">
+            <a:noAutofit/>
+          </a:bodyPr>
+          <a:lstStyle/>
+          <a:p>
+            <a:pPr>
+              <a:spcBef>
+                <a:spcPts val="0"/>
+              </a:spcBef>
+              <a:buClr>
+                <a:schemeClr val="dk1"/>
+              </a:buClr>
+            </a:pPr>
+            <a:r>
+              <a:rPr lang="en-US">
+                <a:solidFill>
+                  <a:schemeClr val="dk1"/>
+                </a:solidFill>
+              </a:rPr>
+              <a:t>Single Page Applications</a:t>
+            </a:r>
+            <a:endParaRPr i="0" u="none" strike="noStrike" cap="none">
+              <a:solidFill>
+                <a:schemeClr val="dk1"/>
+              </a:solidFill>
+            </a:endParaRPr>
+          </a:p>
+        </p:txBody>
+      </p:sp>
+      <p:sp>
+        <p:nvSpPr>
+          <p:cNvPr id="604" name="Google Shape;604;p100"/>
+          <p:cNvSpPr txBox="1">
+            <a:spLocks noGrp="1"/>
+          </p:cNvSpPr>
+          <p:nvPr>
+            <p:ph idx="1"/>
+          </p:nvPr>
+        </p:nvSpPr>
+        <p:spPr>
+          <a:xfrm>
+            <a:off x="1808550" y="1289250"/>
+            <a:ext cx="8748300" cy="4268400"/>
+          </a:xfrm>
+          <a:prstGeom prst="rect">
+            <a:avLst/>
+          </a:prstGeom>
+          <a:noFill/>
+          <a:ln>
+            <a:noFill/>
+          </a:ln>
+        </p:spPr>
+        <p:txBody>
+          <a:bodyPr spcFirstLastPara="1" vert="horz" wrap="square" lIns="91425" tIns="45700" rIns="91425" bIns="45700" rtlCol="0" anchor="t" anchorCtr="0">
+            <a:noAutofit/>
+          </a:bodyPr>
+          <a:lstStyle/>
+          <a:p>
+            <a:pPr marL="457200" indent="-419100">
+              <a:lnSpc>
+                <a:spcPct val="115000"/>
+              </a:lnSpc>
+              <a:spcBef>
+                <a:spcPts val="0"/>
+              </a:spcBef>
+              <a:buClr>
+                <a:schemeClr val="dk1"/>
+              </a:buClr>
+              <a:buSzPts val="3000"/>
+            </a:pPr>
+            <a:r>
+              <a:rPr lang="en-US">
+                <a:solidFill>
+                  <a:schemeClr val="dk1"/>
+                </a:solidFill>
+              </a:rPr>
+              <a:t>Using SPA there is no need to refresh the page every time we make a request to the server</a:t>
+            </a:r>
+            <a:endParaRPr>
+              <a:solidFill>
+                <a:schemeClr val="dk1"/>
+              </a:solidFill>
+            </a:endParaRPr>
+          </a:p>
+          <a:p>
+            <a:pPr marL="457200" indent="-419100">
+              <a:lnSpc>
+                <a:spcPct val="115000"/>
+              </a:lnSpc>
+              <a:spcBef>
+                <a:spcPts val="0"/>
+              </a:spcBef>
+              <a:buSzPts val="3000"/>
+            </a:pPr>
+            <a:r>
+              <a:rPr lang="en-US">
+                <a:solidFill>
+                  <a:schemeClr val="dk1"/>
+                </a:solidFill>
+              </a:rPr>
+              <a:t>Vue Router helps us create SPA </a:t>
+            </a:r>
+            <a:endParaRPr>
+              <a:solidFill>
+                <a:schemeClr val="dk1"/>
+              </a:solidFill>
+            </a:endParaRPr>
+          </a:p>
+        </p:txBody>
+      </p:sp>
+    </p:spTree>
+    <p:extLst>
+      <p:ext uri="{BB962C8B-B14F-4D97-AF65-F5344CB8AC3E}">
+        <p14:creationId xmlns:p14="http://schemas.microsoft.com/office/powerpoint/2010/main" val="614610108"/>
+      </p:ext>
+    </p:extLst>
+  </p:cSld>
+  <p:clrMapOvr>
+    <a:masterClrMapping/>
+  </p:clrMapOvr>
+</p:sld>
+</file>
+
+<file path=ppt/slides/slide12.xml><?xml version="1.0" encoding="utf-8"?>
+<p:sld xmlns:a="http://schemas.openxmlformats.org/drawingml/2006/main" xmlns:r="http://schemas.openxmlformats.org/officeDocument/2006/relationships" xmlns:p="http://schemas.openxmlformats.org/presentationml/2006/main">
+  <p:cSld>
+    <p:spTree>
+      <p:nvGrpSpPr>
+        <p:cNvPr id="1" name="Shape 557"/>
+        <p:cNvGrpSpPr/>
+        <p:nvPr/>
+      </p:nvGrpSpPr>
+      <p:grpSpPr>
+        <a:xfrm>
+          <a:off x="0" y="0"/>
+          <a:ext cx="0" cy="0"/>
+          <a:chOff x="0" y="0"/>
+          <a:chExt cx="0" cy="0"/>
+        </a:xfrm>
+      </p:grpSpPr>
+      <p:sp>
+        <p:nvSpPr>
+          <p:cNvPr id="558" name="Google Shape;558;p93"/>
           <p:cNvSpPr txBox="1">
             <a:spLocks noGrp="1"/>
           </p:cNvSpPr>
@@ -5154,14 +4929,491 @@
               </a:buClr>
             </a:pPr>
             <a:r>
-              <a:rPr lang="en-US">
+              <a:rPr lang="en-US" dirty="0" err="1">
                 <a:solidFill>
                   <a:schemeClr val="dk1"/>
                 </a:solidFill>
               </a:rPr>
-              <a:t>Ex: Vue App</a:t>
-            </a:r>
-            <a:endParaRPr i="0" u="none" strike="noStrike" cap="none">
+              <a:t>Vue</a:t>
+            </a:r>
+            <a:r>
+              <a:rPr lang="en-US" dirty="0">
+                <a:solidFill>
+                  <a:schemeClr val="dk1"/>
+                </a:solidFill>
+              </a:rPr>
+              <a:t> </a:t>
+            </a:r>
+            <a:r>
+              <a:rPr lang="en-US" dirty="0" err="1" smtClean="0">
+                <a:solidFill>
+                  <a:schemeClr val="dk1"/>
+                </a:solidFill>
+              </a:rPr>
+              <a:t>Cli</a:t>
+            </a:r>
+            <a:endParaRPr i="0" u="none" strike="noStrike" cap="none" dirty="0">
+              <a:solidFill>
+                <a:schemeClr val="dk1"/>
+              </a:solidFill>
+            </a:endParaRPr>
+          </a:p>
+        </p:txBody>
+      </p:sp>
+      <p:sp>
+        <p:nvSpPr>
+          <p:cNvPr id="559" name="Google Shape;559;p93"/>
+          <p:cNvSpPr txBox="1">
+            <a:spLocks noGrp="1"/>
+          </p:cNvSpPr>
+          <p:nvPr>
+            <p:ph idx="1"/>
+          </p:nvPr>
+        </p:nvSpPr>
+        <p:spPr>
+          <a:xfrm>
+            <a:off x="1754125" y="1197625"/>
+            <a:ext cx="8630100" cy="5152200"/>
+          </a:xfrm>
+          <a:prstGeom prst="rect">
+            <a:avLst/>
+          </a:prstGeom>
+          <a:noFill/>
+          <a:ln>
+            <a:noFill/>
+          </a:ln>
+        </p:spPr>
+        <p:txBody>
+          <a:bodyPr spcFirstLastPara="1" vert="horz" wrap="square" lIns="91425" tIns="45700" rIns="91425" bIns="45700" rtlCol="0" anchor="t" anchorCtr="0">
+            <a:noAutofit/>
+          </a:bodyPr>
+          <a:lstStyle/>
+          <a:p>
+            <a:pPr marL="457200" indent="-419100">
+              <a:lnSpc>
+                <a:spcPct val="70000"/>
+              </a:lnSpc>
+              <a:buClr>
+                <a:schemeClr val="dk1"/>
+              </a:buClr>
+              <a:buSzPts val="3000"/>
+            </a:pPr>
+            <a:r>
+              <a:rPr lang="en-US" dirty="0" err="1" smtClean="0">
+                <a:solidFill>
+                  <a:schemeClr val="dk1"/>
+                </a:solidFill>
+              </a:rPr>
+              <a:t>Vue</a:t>
+            </a:r>
+            <a:r>
+              <a:rPr lang="en-US" dirty="0" smtClean="0">
+                <a:solidFill>
+                  <a:schemeClr val="dk1"/>
+                </a:solidFill>
+              </a:rPr>
+              <a:t> </a:t>
+            </a:r>
+            <a:r>
+              <a:rPr lang="en-US" dirty="0">
+                <a:solidFill>
+                  <a:schemeClr val="dk1"/>
+                </a:solidFill>
+              </a:rPr>
+              <a:t>provides an official CLI for quickly scaffolding ambitious Single Page </a:t>
+            </a:r>
+            <a:r>
+              <a:rPr lang="en-US" dirty="0" smtClean="0">
+                <a:solidFill>
+                  <a:schemeClr val="dk1"/>
+                </a:solidFill>
+              </a:rPr>
+              <a:t>Applications</a:t>
+            </a:r>
+            <a:br>
+              <a:rPr lang="en-US" dirty="0" smtClean="0">
+                <a:solidFill>
+                  <a:schemeClr val="dk1"/>
+                </a:solidFill>
+              </a:rPr>
+            </a:br>
+            <a:endParaRPr lang="en-US" dirty="0" smtClean="0">
+              <a:solidFill>
+                <a:schemeClr val="dk1"/>
+              </a:solidFill>
+            </a:endParaRPr>
+          </a:p>
+          <a:p>
+            <a:pPr marL="457200" indent="-419100">
+              <a:lnSpc>
+                <a:spcPct val="70000"/>
+              </a:lnSpc>
+              <a:buClr>
+                <a:schemeClr val="dk1"/>
+              </a:buClr>
+              <a:buSzPts val="3000"/>
+            </a:pPr>
+            <a:r>
+              <a:rPr lang="en-US" dirty="0" err="1" smtClean="0">
+                <a:solidFill>
+                  <a:schemeClr val="dk1"/>
+                </a:solidFill>
+              </a:rPr>
+              <a:t>Webpack</a:t>
+            </a:r>
+            <a:r>
+              <a:rPr lang="en-US" dirty="0" smtClean="0">
+                <a:solidFill>
+                  <a:schemeClr val="dk1"/>
+                </a:solidFill>
+              </a:rPr>
+              <a:t>! </a:t>
+            </a:r>
+            <a:br>
+              <a:rPr lang="en-US" dirty="0" smtClean="0">
+                <a:solidFill>
+                  <a:schemeClr val="dk1"/>
+                </a:solidFill>
+              </a:rPr>
+            </a:br>
+            <a:r>
+              <a:rPr lang="en-US" dirty="0" smtClean="0">
+                <a:solidFill>
+                  <a:schemeClr val="dk1"/>
+                </a:solidFill>
+              </a:rPr>
+              <a:t/>
+            </a:r>
+            <a:br>
+              <a:rPr lang="en-US" dirty="0" smtClean="0">
+                <a:solidFill>
+                  <a:schemeClr val="dk1"/>
+                </a:solidFill>
+              </a:rPr>
+            </a:br>
+            <a:r>
+              <a:rPr lang="en-US" dirty="0" smtClean="0">
+                <a:solidFill>
+                  <a:schemeClr val="dk1"/>
+                </a:solidFill>
+              </a:rPr>
+              <a:t/>
+            </a:r>
+            <a:br>
+              <a:rPr lang="en-US" dirty="0" smtClean="0">
+                <a:solidFill>
+                  <a:schemeClr val="dk1"/>
+                </a:solidFill>
+              </a:rPr>
+            </a:br>
+            <a:r>
+              <a:rPr lang="en-US" dirty="0" smtClean="0">
+                <a:solidFill>
+                  <a:schemeClr val="dk1"/>
+                </a:solidFill>
+              </a:rPr>
+              <a:t/>
+            </a:r>
+            <a:br>
+              <a:rPr lang="en-US" dirty="0" smtClean="0">
+                <a:solidFill>
+                  <a:schemeClr val="dk1"/>
+                </a:solidFill>
+              </a:rPr>
+            </a:br>
+            <a:endParaRPr dirty="0">
+              <a:solidFill>
+                <a:schemeClr val="dk1"/>
+              </a:solidFill>
+            </a:endParaRPr>
+          </a:p>
+          <a:p>
+            <a:pPr marL="457200" indent="-419100">
+              <a:lnSpc>
+                <a:spcPct val="70000"/>
+              </a:lnSpc>
+              <a:spcBef>
+                <a:spcPts val="0"/>
+              </a:spcBef>
+              <a:buClr>
+                <a:schemeClr val="dk1"/>
+              </a:buClr>
+              <a:buSzPts val="3000"/>
+            </a:pPr>
+            <a:r>
+              <a:rPr lang="en-US" dirty="0" smtClean="0">
+                <a:solidFill>
+                  <a:schemeClr val="dk1"/>
+                </a:solidFill>
+              </a:rPr>
+              <a:t/>
+            </a:r>
+            <a:br>
+              <a:rPr lang="en-US" dirty="0" smtClean="0">
+                <a:solidFill>
+                  <a:schemeClr val="dk1"/>
+                </a:solidFill>
+              </a:rPr>
+            </a:br>
+            <a:r>
+              <a:rPr lang="en-US" dirty="0" smtClean="0">
+                <a:solidFill>
+                  <a:schemeClr val="dk1"/>
+                </a:solidFill>
+              </a:rPr>
+              <a:t/>
+            </a:r>
+            <a:br>
+              <a:rPr lang="en-US" dirty="0" smtClean="0">
+                <a:solidFill>
+                  <a:schemeClr val="dk1"/>
+                </a:solidFill>
+              </a:rPr>
+            </a:br>
+            <a:r>
+              <a:rPr lang="en-US" dirty="0" err="1" smtClean="0">
+                <a:solidFill>
+                  <a:schemeClr val="dk1"/>
+                </a:solidFill>
+              </a:rPr>
+              <a:t>Vue</a:t>
+            </a:r>
+            <a:r>
+              <a:rPr lang="en-US" dirty="0" smtClean="0">
+                <a:solidFill>
+                  <a:schemeClr val="dk1"/>
+                </a:solidFill>
+              </a:rPr>
+              <a:t> </a:t>
+            </a:r>
+            <a:r>
+              <a:rPr lang="en-US" dirty="0" err="1">
+                <a:solidFill>
+                  <a:schemeClr val="dk1"/>
+                </a:solidFill>
+              </a:rPr>
+              <a:t>Cli</a:t>
+            </a:r>
+            <a:r>
+              <a:rPr lang="en-US" dirty="0">
+                <a:solidFill>
+                  <a:schemeClr val="dk1"/>
+                </a:solidFill>
+              </a:rPr>
+              <a:t> is a full system for rapid Vue.js development platform. It allows you to create  </a:t>
+            </a:r>
+            <a:r>
+              <a:rPr lang="en-US" dirty="0" err="1">
+                <a:solidFill>
+                  <a:schemeClr val="dk1"/>
+                </a:solidFill>
+              </a:rPr>
+              <a:t>Vue</a:t>
+            </a:r>
+            <a:r>
+              <a:rPr lang="en-US" dirty="0">
+                <a:solidFill>
+                  <a:schemeClr val="dk1"/>
+                </a:solidFill>
+              </a:rPr>
+              <a:t> App can also be deployed on the </a:t>
+            </a:r>
+            <a:r>
+              <a:rPr lang="en-US" dirty="0" smtClean="0">
+                <a:solidFill>
+                  <a:schemeClr val="dk1"/>
+                </a:solidFill>
+              </a:rPr>
+              <a:t>server</a:t>
+            </a:r>
+            <a:br>
+              <a:rPr lang="en-US" dirty="0" smtClean="0">
+                <a:solidFill>
+                  <a:schemeClr val="dk1"/>
+                </a:solidFill>
+              </a:rPr>
+            </a:br>
+            <a:endParaRPr dirty="0">
+              <a:solidFill>
+                <a:schemeClr val="dk1"/>
+              </a:solidFill>
+            </a:endParaRPr>
+          </a:p>
+          <a:p>
+            <a:pPr marL="457200" indent="-419100">
+              <a:lnSpc>
+                <a:spcPct val="70000"/>
+              </a:lnSpc>
+              <a:spcBef>
+                <a:spcPts val="0"/>
+              </a:spcBef>
+              <a:buClr>
+                <a:schemeClr val="dk1"/>
+              </a:buClr>
+              <a:buSzPts val="3000"/>
+            </a:pPr>
+            <a:r>
+              <a:rPr lang="en-US" dirty="0" err="1">
+                <a:solidFill>
+                  <a:schemeClr val="dk1"/>
+                </a:solidFill>
+              </a:rPr>
+              <a:t>Vue</a:t>
+            </a:r>
+            <a:r>
+              <a:rPr lang="en-US" dirty="0">
+                <a:solidFill>
+                  <a:schemeClr val="dk1"/>
+                </a:solidFill>
+              </a:rPr>
+              <a:t> </a:t>
+            </a:r>
+            <a:r>
+              <a:rPr lang="en-US" dirty="0" err="1">
+                <a:solidFill>
+                  <a:schemeClr val="dk1"/>
+                </a:solidFill>
+              </a:rPr>
+              <a:t>Cli</a:t>
+            </a:r>
+            <a:r>
+              <a:rPr lang="en-US" dirty="0">
+                <a:solidFill>
+                  <a:schemeClr val="dk1"/>
+                </a:solidFill>
+              </a:rPr>
+              <a:t> is based on node.js</a:t>
+            </a:r>
+            <a:endParaRPr dirty="0">
+              <a:solidFill>
+                <a:schemeClr val="dk1"/>
+              </a:solidFill>
+            </a:endParaRPr>
+          </a:p>
+        </p:txBody>
+      </p:sp>
+      <p:pic>
+        <p:nvPicPr>
+          <p:cNvPr id="3" name="Picture 2"/>
+          <p:cNvPicPr>
+            <a:picLocks noChangeAspect="1"/>
+          </p:cNvPicPr>
+          <p:nvPr/>
+        </p:nvPicPr>
+        <p:blipFill>
+          <a:blip r:embed="rId3" cstate="print">
+            <a:extLst>
+              <a:ext uri="{28A0092B-C50C-407E-A947-70E740481C1C}">
+                <a14:useLocalDpi xmlns:a14="http://schemas.microsoft.com/office/drawing/2010/main" val="0"/>
+              </a:ext>
+            </a:extLst>
+          </a:blip>
+          <a:stretch>
+            <a:fillRect/>
+          </a:stretch>
+        </p:blipFill>
+        <p:spPr>
+          <a:xfrm>
+            <a:off x="4575450" y="2137911"/>
+            <a:ext cx="3712069" cy="1856035"/>
+          </a:xfrm>
+          <a:prstGeom prst="rect">
+            <a:avLst/>
+          </a:prstGeom>
+        </p:spPr>
+      </p:pic>
+    </p:spTree>
+    <p:extLst>
+      <p:ext uri="{BB962C8B-B14F-4D97-AF65-F5344CB8AC3E}">
+        <p14:creationId xmlns:p14="http://schemas.microsoft.com/office/powerpoint/2010/main" val="2976772934"/>
+      </p:ext>
+    </p:extLst>
+  </p:cSld>
+  <p:clrMapOvr>
+    <a:masterClrMapping/>
+  </p:clrMapOvr>
+</p:sld>
+</file>
+
+<file path=ppt/slides/slide13.xml><?xml version="1.0" encoding="utf-8"?>
+<p:sld xmlns:a="http://schemas.openxmlformats.org/drawingml/2006/main" xmlns:r="http://schemas.openxmlformats.org/officeDocument/2006/relationships" xmlns:p="http://schemas.openxmlformats.org/presentationml/2006/main">
+  <p:cSld>
+    <p:spTree>
+      <p:nvGrpSpPr>
+        <p:cNvPr id="1" name="Shape 595"/>
+        <p:cNvGrpSpPr/>
+        <p:nvPr/>
+      </p:nvGrpSpPr>
+      <p:grpSpPr>
+        <a:xfrm>
+          <a:off x="0" y="0"/>
+          <a:ext cx="0" cy="0"/>
+          <a:chOff x="0" y="0"/>
+          <a:chExt cx="0" cy="0"/>
+        </a:xfrm>
+      </p:grpSpPr>
+      <p:sp>
+        <p:nvSpPr>
+          <p:cNvPr id="596" name="Google Shape;596;p99"/>
+          <p:cNvSpPr txBox="1">
+            <a:spLocks noGrp="1"/>
+          </p:cNvSpPr>
+          <p:nvPr>
+            <p:ph type="title"/>
+          </p:nvPr>
+        </p:nvSpPr>
+        <p:spPr>
+          <a:xfrm>
+            <a:off x="2054075" y="533400"/>
+            <a:ext cx="8330100" cy="685800"/>
+          </a:xfrm>
+          <a:prstGeom prst="rect">
+            <a:avLst/>
+          </a:prstGeom>
+          <a:noFill/>
+          <a:ln>
+            <a:noFill/>
+          </a:ln>
+        </p:spPr>
+        <p:txBody>
+          <a:bodyPr spcFirstLastPara="1" vert="horz" wrap="square" lIns="91425" tIns="45700" rIns="91425" bIns="45700" rtlCol="0" anchor="ctr" anchorCtr="0">
+            <a:noAutofit/>
+          </a:bodyPr>
+          <a:lstStyle/>
+          <a:p>
+            <a:pPr>
+              <a:spcBef>
+                <a:spcPts val="0"/>
+              </a:spcBef>
+              <a:buClr>
+                <a:schemeClr val="dk1"/>
+              </a:buClr>
+            </a:pPr>
+            <a:r>
+              <a:rPr lang="en-US" dirty="0">
+                <a:solidFill>
+                  <a:schemeClr val="dk1"/>
+                </a:solidFill>
+              </a:rPr>
+              <a:t>Ex: </a:t>
+            </a:r>
+            <a:r>
+              <a:rPr lang="en-US" dirty="0" err="1">
+                <a:solidFill>
+                  <a:schemeClr val="dk1"/>
+                </a:solidFill>
+              </a:rPr>
+              <a:t>Vue</a:t>
+            </a:r>
+            <a:r>
+              <a:rPr lang="en-US" dirty="0">
+                <a:solidFill>
+                  <a:schemeClr val="dk1"/>
+                </a:solidFill>
+              </a:rPr>
+              <a:t> App</a:t>
+            </a:r>
+            <a:endParaRPr i="0" u="none" strike="noStrike" cap="none" dirty="0">
               <a:solidFill>
                 <a:schemeClr val="dk1"/>
               </a:solidFill>
@@ -5209,14 +5461,14 @@
               <a:buNone/>
             </a:pPr>
             <a:r>
-              <a:rPr lang="en-US">
+              <a:rPr lang="en-SG" dirty="0" smtClean="0">
                 <a:solidFill>
                   <a:schemeClr val="dk1"/>
                 </a:solidFill>
               </a:rPr>
-              <a:t>Create a new Vue app, and change the text to below</a:t>
-            </a:r>
-            <a:endParaRPr>
+              <a:t>Code Up Your Application</a:t>
+            </a:r>
+            <a:endParaRPr dirty="0">
               <a:solidFill>
                 <a:schemeClr val="dk1"/>
               </a:solidFill>
@@ -5233,7 +5485,7 @@
               <a:buSzPts val="1100"/>
               <a:buNone/>
             </a:pPr>
-            <a:endParaRPr>
+            <a:endParaRPr dirty="0">
               <a:solidFill>
                 <a:schemeClr val="dk1"/>
               </a:solidFill>
@@ -5250,7 +5502,7 @@
               <a:buSzPts val="1100"/>
               <a:buNone/>
             </a:pPr>
-            <a:endParaRPr sz="2200">
+            <a:endParaRPr sz="2200" dirty="0">
               <a:solidFill>
                 <a:schemeClr val="dk1"/>
               </a:solidFill>
@@ -5267,7 +5519,7 @@
               <a:buSzPts val="1100"/>
               <a:buNone/>
             </a:pPr>
-            <a:endParaRPr sz="2200">
+            <a:endParaRPr sz="2200" dirty="0">
               <a:solidFill>
                 <a:schemeClr val="dk1"/>
               </a:solidFill>
@@ -5287,7 +5539,7 @@
               <a:buSzPts val="1100"/>
               <a:buNone/>
             </a:pPr>
-            <a:endParaRPr sz="2200">
+            <a:endParaRPr sz="2200" dirty="0">
               <a:solidFill>
                 <a:schemeClr val="dk1"/>
               </a:solidFill>
@@ -5300,7 +5552,7 @@
               </a:lnSpc>
               <a:buNone/>
             </a:pPr>
-            <a:endParaRPr sz="2200">
+            <a:endParaRPr sz="2200" dirty="0">
               <a:solidFill>
                 <a:schemeClr val="dk1"/>
               </a:solidFill>
@@ -5349,7 +5601,1392 @@
 </p:sld>
 </file>
 
-<file path=ppt/slides/slide11.xml><?xml version="1.0" encoding="utf-8"?>
+<file path=ppt/slides/slide14.xml><?xml version="1.0" encoding="utf-8"?>
+<p:sld xmlns:a="http://schemas.openxmlformats.org/drawingml/2006/main" xmlns:r="http://schemas.openxmlformats.org/officeDocument/2006/relationships" xmlns:p="http://schemas.openxmlformats.org/presentationml/2006/main">
+  <p:cSld>
+    <p:spTree>
+      <p:nvGrpSpPr>
+        <p:cNvPr id="1" name="Shape 569"/>
+        <p:cNvGrpSpPr/>
+        <p:nvPr/>
+      </p:nvGrpSpPr>
+      <p:grpSpPr>
+        <a:xfrm>
+          <a:off x="0" y="0"/>
+          <a:ext cx="0" cy="0"/>
+          <a:chOff x="0" y="0"/>
+          <a:chExt cx="0" cy="0"/>
+        </a:xfrm>
+      </p:grpSpPr>
+      <p:sp>
+        <p:nvSpPr>
+          <p:cNvPr id="570" name="Google Shape;570;p95"/>
+          <p:cNvSpPr txBox="1">
+            <a:spLocks noGrp="1"/>
+          </p:cNvSpPr>
+          <p:nvPr>
+            <p:ph type="title"/>
+          </p:nvPr>
+        </p:nvSpPr>
+        <p:spPr>
+          <a:xfrm>
+            <a:off x="2054075" y="533400"/>
+            <a:ext cx="8330100" cy="685800"/>
+          </a:xfrm>
+          <a:prstGeom prst="rect">
+            <a:avLst/>
+          </a:prstGeom>
+          <a:noFill/>
+          <a:ln>
+            <a:noFill/>
+          </a:ln>
+        </p:spPr>
+        <p:txBody>
+          <a:bodyPr spcFirstLastPara="1" vert="horz" wrap="square" lIns="91425" tIns="45700" rIns="91425" bIns="45700" rtlCol="0" anchor="ctr" anchorCtr="0">
+            <a:noAutofit/>
+          </a:bodyPr>
+          <a:lstStyle/>
+          <a:p>
+            <a:pPr>
+              <a:spcBef>
+                <a:spcPts val="0"/>
+              </a:spcBef>
+              <a:buClr>
+                <a:schemeClr val="dk1"/>
+              </a:buClr>
+            </a:pPr>
+            <a:r>
+              <a:rPr lang="en-US">
+                <a:solidFill>
+                  <a:schemeClr val="dk1"/>
+                </a:solidFill>
+              </a:rPr>
+              <a:t>Install Vue CLI</a:t>
+            </a:r>
+            <a:endParaRPr i="0" u="none" strike="noStrike" cap="none">
+              <a:solidFill>
+                <a:schemeClr val="dk1"/>
+              </a:solidFill>
+            </a:endParaRPr>
+          </a:p>
+        </p:txBody>
+      </p:sp>
+      <p:sp>
+        <p:nvSpPr>
+          <p:cNvPr id="571" name="Google Shape;571;p95"/>
+          <p:cNvSpPr txBox="1">
+            <a:spLocks noGrp="1"/>
+          </p:cNvSpPr>
+          <p:nvPr>
+            <p:ph idx="1"/>
+          </p:nvPr>
+        </p:nvSpPr>
+        <p:spPr>
+          <a:xfrm>
+            <a:off x="2035225" y="1197625"/>
+            <a:ext cx="7567500" cy="5323200"/>
+          </a:xfrm>
+          <a:prstGeom prst="rect">
+            <a:avLst/>
+          </a:prstGeom>
+          <a:noFill/>
+          <a:ln>
+            <a:noFill/>
+          </a:ln>
+        </p:spPr>
+        <p:txBody>
+          <a:bodyPr spcFirstLastPara="1" vert="horz" wrap="square" lIns="91425" tIns="45700" rIns="91425" bIns="45700" rtlCol="0" anchor="t" anchorCtr="0">
+            <a:noAutofit/>
+          </a:bodyPr>
+          <a:lstStyle/>
+          <a:p>
+            <a:pPr marL="0" indent="0">
+              <a:lnSpc>
+                <a:spcPct val="70000"/>
+              </a:lnSpc>
+              <a:spcBef>
+                <a:spcPts val="0"/>
+              </a:spcBef>
+              <a:buClr>
+                <a:schemeClr val="dk1"/>
+              </a:buClr>
+              <a:buSzPts val="1100"/>
+              <a:buNone/>
+            </a:pPr>
+            <a:r>
+              <a:rPr lang="en-US">
+                <a:solidFill>
+                  <a:schemeClr val="dk1"/>
+                </a:solidFill>
+              </a:rPr>
+              <a:t>To install Vue CLI, type the following command to your Windows CMD Prompt or Mac Terminal</a:t>
+            </a:r>
+            <a:endParaRPr>
+              <a:solidFill>
+                <a:schemeClr val="dk1"/>
+              </a:solidFill>
+            </a:endParaRPr>
+          </a:p>
+          <a:p>
+            <a:pPr marL="0" indent="0">
+              <a:lnSpc>
+                <a:spcPct val="70000"/>
+              </a:lnSpc>
+              <a:spcBef>
+                <a:spcPts val="0"/>
+              </a:spcBef>
+              <a:buClr>
+                <a:schemeClr val="dk1"/>
+              </a:buClr>
+              <a:buSzPts val="1100"/>
+              <a:buNone/>
+            </a:pPr>
+            <a:r>
+              <a:rPr lang="en-US">
+                <a:solidFill>
+                  <a:schemeClr val="dk1"/>
+                </a:solidFill>
+              </a:rPr>
+              <a:t>	</a:t>
+            </a:r>
+            <a:br>
+              <a:rPr lang="en-US">
+                <a:solidFill>
+                  <a:schemeClr val="dk1"/>
+                </a:solidFill>
+              </a:rPr>
+            </a:br>
+            <a:r>
+              <a:rPr lang="en-US">
+                <a:solidFill>
+                  <a:schemeClr val="dk1"/>
+                </a:solidFill>
+              </a:rPr>
+              <a:t>npm install -g vue-cli</a:t>
+            </a:r>
+            <a:endParaRPr>
+              <a:solidFill>
+                <a:schemeClr val="dk1"/>
+              </a:solidFill>
+            </a:endParaRPr>
+          </a:p>
+          <a:p>
+            <a:pPr marL="0" indent="0">
+              <a:lnSpc>
+                <a:spcPct val="70000"/>
+              </a:lnSpc>
+              <a:spcBef>
+                <a:spcPts val="0"/>
+              </a:spcBef>
+              <a:buClr>
+                <a:schemeClr val="dk1"/>
+              </a:buClr>
+              <a:buSzPts val="1100"/>
+              <a:buNone/>
+            </a:pPr>
+            <a:endParaRPr>
+              <a:solidFill>
+                <a:schemeClr val="dk1"/>
+              </a:solidFill>
+            </a:endParaRPr>
+          </a:p>
+          <a:p>
+            <a:pPr marL="457200" indent="0">
+              <a:lnSpc>
+                <a:spcPct val="70000"/>
+              </a:lnSpc>
+              <a:buClr>
+                <a:schemeClr val="dk1"/>
+              </a:buClr>
+              <a:buSzPts val="1100"/>
+              <a:buNone/>
+            </a:pPr>
+            <a:endParaRPr>
+              <a:solidFill>
+                <a:schemeClr val="dk1"/>
+              </a:solidFill>
+            </a:endParaRPr>
+          </a:p>
+          <a:p>
+            <a:pPr marL="457200" indent="0">
+              <a:lnSpc>
+                <a:spcPct val="70000"/>
+              </a:lnSpc>
+              <a:buClr>
+                <a:schemeClr val="dk1"/>
+              </a:buClr>
+              <a:buSzPts val="1100"/>
+              <a:buNone/>
+            </a:pPr>
+            <a:endParaRPr>
+              <a:solidFill>
+                <a:schemeClr val="dk1"/>
+              </a:solidFill>
+            </a:endParaRPr>
+          </a:p>
+          <a:p>
+            <a:pPr marL="0" indent="0">
+              <a:lnSpc>
+                <a:spcPct val="70000"/>
+              </a:lnSpc>
+              <a:spcBef>
+                <a:spcPts val="0"/>
+              </a:spcBef>
+              <a:buClr>
+                <a:schemeClr val="dk1"/>
+              </a:buClr>
+              <a:buSzPts val="1100"/>
+              <a:buNone/>
+            </a:pPr>
+            <a:endParaRPr>
+              <a:solidFill>
+                <a:schemeClr val="dk1"/>
+              </a:solidFill>
+            </a:endParaRPr>
+          </a:p>
+          <a:p>
+            <a:pPr marL="457200" indent="0">
+              <a:lnSpc>
+                <a:spcPct val="70000"/>
+              </a:lnSpc>
+              <a:buNone/>
+            </a:pPr>
+            <a:endParaRPr sz="2200">
+              <a:solidFill>
+                <a:schemeClr val="dk1"/>
+              </a:solidFill>
+            </a:endParaRPr>
+          </a:p>
+        </p:txBody>
+      </p:sp>
+    </p:spTree>
+    <p:extLst>
+      <p:ext uri="{BB962C8B-B14F-4D97-AF65-F5344CB8AC3E}">
+        <p14:creationId xmlns:p14="http://schemas.microsoft.com/office/powerpoint/2010/main" val="2089757544"/>
+      </p:ext>
+    </p:extLst>
+  </p:cSld>
+  <p:clrMapOvr>
+    <a:masterClrMapping/>
+  </p:clrMapOvr>
+</p:sld>
+</file>
+
+<file path=ppt/slides/slide15.xml><?xml version="1.0" encoding="utf-8"?>
+<p:sld xmlns:a="http://schemas.openxmlformats.org/drawingml/2006/main" xmlns:r="http://schemas.openxmlformats.org/officeDocument/2006/relationships" xmlns:p="http://schemas.openxmlformats.org/presentationml/2006/main">
+  <p:cSld>
+    <p:spTree>
+      <p:nvGrpSpPr>
+        <p:cNvPr id="1" name="Shape 563"/>
+        <p:cNvGrpSpPr/>
+        <p:nvPr/>
+      </p:nvGrpSpPr>
+      <p:grpSpPr>
+        <a:xfrm>
+          <a:off x="0" y="0"/>
+          <a:ext cx="0" cy="0"/>
+          <a:chOff x="0" y="0"/>
+          <a:chExt cx="0" cy="0"/>
+        </a:xfrm>
+      </p:grpSpPr>
+      <p:sp>
+        <p:nvSpPr>
+          <p:cNvPr id="564" name="Google Shape;564;p94"/>
+          <p:cNvSpPr txBox="1">
+            <a:spLocks noGrp="1"/>
+          </p:cNvSpPr>
+          <p:nvPr>
+            <p:ph type="title"/>
+          </p:nvPr>
+        </p:nvSpPr>
+        <p:spPr>
+          <a:xfrm>
+            <a:off x="2054075" y="533400"/>
+            <a:ext cx="8330100" cy="685800"/>
+          </a:xfrm>
+          <a:prstGeom prst="rect">
+            <a:avLst/>
+          </a:prstGeom>
+          <a:noFill/>
+          <a:ln>
+            <a:noFill/>
+          </a:ln>
+        </p:spPr>
+        <p:txBody>
+          <a:bodyPr spcFirstLastPara="1" vert="horz" wrap="square" lIns="91425" tIns="45700" rIns="91425" bIns="45700" rtlCol="0" anchor="ctr" anchorCtr="0">
+            <a:noAutofit/>
+          </a:bodyPr>
+          <a:lstStyle/>
+          <a:p>
+            <a:pPr>
+              <a:spcBef>
+                <a:spcPts val="0"/>
+              </a:spcBef>
+              <a:buClr>
+                <a:schemeClr val="dk1"/>
+              </a:buClr>
+            </a:pPr>
+            <a:r>
+              <a:rPr lang="en-US">
+                <a:solidFill>
+                  <a:schemeClr val="dk1"/>
+                </a:solidFill>
+              </a:rPr>
+              <a:t>Installing Node JS</a:t>
+            </a:r>
+            <a:endParaRPr i="0" u="none" strike="noStrike" cap="none">
+              <a:solidFill>
+                <a:schemeClr val="dk1"/>
+              </a:solidFill>
+            </a:endParaRPr>
+          </a:p>
+        </p:txBody>
+      </p:sp>
+      <p:sp>
+        <p:nvSpPr>
+          <p:cNvPr id="565" name="Google Shape;565;p94"/>
+          <p:cNvSpPr txBox="1">
+            <a:spLocks noGrp="1"/>
+          </p:cNvSpPr>
+          <p:nvPr>
+            <p:ph idx="1"/>
+          </p:nvPr>
+        </p:nvSpPr>
+        <p:spPr>
+          <a:xfrm>
+            <a:off x="1754125" y="1197625"/>
+            <a:ext cx="8814000" cy="5152200"/>
+          </a:xfrm>
+          <a:prstGeom prst="rect">
+            <a:avLst/>
+          </a:prstGeom>
+          <a:noFill/>
+          <a:ln>
+            <a:noFill/>
+          </a:ln>
+        </p:spPr>
+        <p:txBody>
+          <a:bodyPr spcFirstLastPara="1" vert="horz" wrap="square" lIns="91425" tIns="45700" rIns="91425" bIns="45700" rtlCol="0" anchor="t" anchorCtr="0">
+            <a:noAutofit/>
+          </a:bodyPr>
+          <a:lstStyle/>
+          <a:p>
+            <a:pPr marL="457200" indent="-419100">
+              <a:lnSpc>
+                <a:spcPct val="70000"/>
+              </a:lnSpc>
+              <a:spcBef>
+                <a:spcPts val="0"/>
+              </a:spcBef>
+              <a:buClr>
+                <a:schemeClr val="dk1"/>
+              </a:buClr>
+              <a:buSzPts val="3000"/>
+            </a:pPr>
+            <a:r>
+              <a:rPr lang="en-US">
+                <a:solidFill>
+                  <a:schemeClr val="dk1"/>
+                </a:solidFill>
+              </a:rPr>
+              <a:t>Download and </a:t>
+            </a:r>
+            <a:r>
+              <a:rPr lang="en-US" i="0" u="none" strike="noStrike" cap="none">
+                <a:solidFill>
+                  <a:schemeClr val="dk1"/>
+                </a:solidFill>
+              </a:rPr>
+              <a:t>Install Node JS</a:t>
+            </a:r>
+            <a:r>
+              <a:rPr lang="en-US">
+                <a:solidFill>
+                  <a:schemeClr val="dk1"/>
+                </a:solidFill>
+              </a:rPr>
+              <a:t/>
+            </a:r>
+            <a:br>
+              <a:rPr lang="en-US">
+                <a:solidFill>
+                  <a:schemeClr val="dk1"/>
+                </a:solidFill>
+              </a:rPr>
+            </a:br>
+            <a:r>
+              <a:rPr lang="en-US" u="sng">
+                <a:solidFill>
+                  <a:schemeClr val="hlink"/>
+                </a:solidFill>
+                <a:hlinkClick r:id="rId3"/>
+              </a:rPr>
+              <a:t>https://nodejs.org/en/download/</a:t>
+            </a:r>
+            <a:endParaRPr>
+              <a:solidFill>
+                <a:schemeClr val="dk1"/>
+              </a:solidFill>
+            </a:endParaRPr>
+          </a:p>
+          <a:p>
+            <a:pPr marL="457200" indent="-419100">
+              <a:lnSpc>
+                <a:spcPct val="70000"/>
+              </a:lnSpc>
+              <a:spcBef>
+                <a:spcPts val="0"/>
+              </a:spcBef>
+              <a:buClr>
+                <a:schemeClr val="dk1"/>
+              </a:buClr>
+              <a:buSzPts val="3000"/>
+            </a:pPr>
+            <a:r>
+              <a:rPr lang="en-US">
+                <a:solidFill>
+                  <a:schemeClr val="dk1"/>
+                </a:solidFill>
+              </a:rPr>
+              <a:t>To test if Node JS was installed successfully type the following commands on your Windows CMD Prompt / Mac Terminal </a:t>
+            </a:r>
+            <a:endParaRPr>
+              <a:solidFill>
+                <a:schemeClr val="dk1"/>
+              </a:solidFill>
+            </a:endParaRPr>
+          </a:p>
+          <a:p>
+            <a:pPr marL="457200" indent="0">
+              <a:lnSpc>
+                <a:spcPct val="70000"/>
+              </a:lnSpc>
+              <a:buNone/>
+            </a:pPr>
+            <a:r>
+              <a:rPr lang="en-US">
+                <a:solidFill>
+                  <a:schemeClr val="dk1"/>
+                </a:solidFill>
+              </a:rPr>
+              <a:t>node -v</a:t>
+            </a:r>
+            <a:endParaRPr>
+              <a:solidFill>
+                <a:schemeClr val="dk1"/>
+              </a:solidFill>
+            </a:endParaRPr>
+          </a:p>
+          <a:p>
+            <a:pPr marL="457200" indent="-419100">
+              <a:lnSpc>
+                <a:spcPct val="70000"/>
+              </a:lnSpc>
+              <a:buClr>
+                <a:schemeClr val="dk1"/>
+              </a:buClr>
+              <a:buSzPts val="3000"/>
+            </a:pPr>
+            <a:r>
+              <a:rPr lang="en-US">
+                <a:solidFill>
+                  <a:schemeClr val="dk1"/>
+                </a:solidFill>
+              </a:rPr>
+              <a:t>To test if Node Package Manager (NPM) was installed successfully, type </a:t>
+            </a:r>
+            <a:endParaRPr>
+              <a:solidFill>
+                <a:schemeClr val="dk1"/>
+              </a:solidFill>
+            </a:endParaRPr>
+          </a:p>
+          <a:p>
+            <a:pPr marL="457200" indent="0">
+              <a:lnSpc>
+                <a:spcPct val="70000"/>
+              </a:lnSpc>
+              <a:buNone/>
+            </a:pPr>
+            <a:r>
+              <a:rPr lang="en-US">
+                <a:solidFill>
+                  <a:schemeClr val="dk1"/>
+                </a:solidFill>
+              </a:rPr>
+              <a:t>npm -v</a:t>
+            </a:r>
+            <a:endParaRPr>
+              <a:solidFill>
+                <a:schemeClr val="dk1"/>
+              </a:solidFill>
+            </a:endParaRPr>
+          </a:p>
+        </p:txBody>
+      </p:sp>
+    </p:spTree>
+    <p:extLst>
+      <p:ext uri="{BB962C8B-B14F-4D97-AF65-F5344CB8AC3E}">
+        <p14:creationId xmlns:p14="http://schemas.microsoft.com/office/powerpoint/2010/main" val="3530160537"/>
+      </p:ext>
+    </p:extLst>
+  </p:cSld>
+  <p:clrMapOvr>
+    <a:masterClrMapping/>
+  </p:clrMapOvr>
+</p:sld>
+</file>
+
+<file path=ppt/slides/slide16.xml><?xml version="1.0" encoding="utf-8"?>
+<p:sld xmlns:a="http://schemas.openxmlformats.org/drawingml/2006/main" xmlns:r="http://schemas.openxmlformats.org/officeDocument/2006/relationships" xmlns:p="http://schemas.openxmlformats.org/presentationml/2006/main">
+  <p:cSld>
+    <p:spTree>
+      <p:nvGrpSpPr>
+        <p:cNvPr id="1" name="Shape 575"/>
+        <p:cNvGrpSpPr/>
+        <p:nvPr/>
+      </p:nvGrpSpPr>
+      <p:grpSpPr>
+        <a:xfrm>
+          <a:off x="0" y="0"/>
+          <a:ext cx="0" cy="0"/>
+          <a:chOff x="0" y="0"/>
+          <a:chExt cx="0" cy="0"/>
+        </a:xfrm>
+      </p:grpSpPr>
+      <p:sp>
+        <p:nvSpPr>
+          <p:cNvPr id="576" name="Google Shape;576;p96"/>
+          <p:cNvSpPr txBox="1">
+            <a:spLocks noGrp="1"/>
+          </p:cNvSpPr>
+          <p:nvPr>
+            <p:ph type="title"/>
+          </p:nvPr>
+        </p:nvSpPr>
+        <p:spPr>
+          <a:xfrm>
+            <a:off x="2054075" y="533400"/>
+            <a:ext cx="8330100" cy="685800"/>
+          </a:xfrm>
+          <a:prstGeom prst="rect">
+            <a:avLst/>
+          </a:prstGeom>
+          <a:noFill/>
+          <a:ln>
+            <a:noFill/>
+          </a:ln>
+        </p:spPr>
+        <p:txBody>
+          <a:bodyPr spcFirstLastPara="1" vert="horz" wrap="square" lIns="91425" tIns="45700" rIns="91425" bIns="45700" rtlCol="0" anchor="ctr" anchorCtr="0">
+            <a:noAutofit/>
+          </a:bodyPr>
+          <a:lstStyle/>
+          <a:p>
+            <a:pPr>
+              <a:spcBef>
+                <a:spcPts val="0"/>
+              </a:spcBef>
+              <a:buClr>
+                <a:schemeClr val="dk1"/>
+              </a:buClr>
+            </a:pPr>
+            <a:r>
+              <a:rPr lang="en-US">
+                <a:solidFill>
+                  <a:schemeClr val="dk1"/>
+                </a:solidFill>
+              </a:rPr>
+              <a:t>Create Vue Project</a:t>
+            </a:r>
+            <a:endParaRPr i="0" u="none" strike="noStrike" cap="none">
+              <a:solidFill>
+                <a:schemeClr val="dk1"/>
+              </a:solidFill>
+            </a:endParaRPr>
+          </a:p>
+        </p:txBody>
+      </p:sp>
+      <p:sp>
+        <p:nvSpPr>
+          <p:cNvPr id="577" name="Google Shape;577;p96"/>
+          <p:cNvSpPr txBox="1">
+            <a:spLocks noGrp="1"/>
+          </p:cNvSpPr>
+          <p:nvPr>
+            <p:ph idx="1"/>
+          </p:nvPr>
+        </p:nvSpPr>
+        <p:spPr>
+          <a:xfrm>
+            <a:off x="2035225" y="1197625"/>
+            <a:ext cx="8268300" cy="5323200"/>
+          </a:xfrm>
+          <a:prstGeom prst="rect">
+            <a:avLst/>
+          </a:prstGeom>
+          <a:noFill/>
+          <a:ln>
+            <a:noFill/>
+          </a:ln>
+        </p:spPr>
+        <p:txBody>
+          <a:bodyPr spcFirstLastPara="1" vert="horz" wrap="square" lIns="91425" tIns="45700" rIns="91425" bIns="45700" rtlCol="0" anchor="t" anchorCtr="0">
+            <a:noAutofit/>
+          </a:bodyPr>
+          <a:lstStyle/>
+          <a:p>
+            <a:pPr marL="0" indent="0">
+              <a:lnSpc>
+                <a:spcPct val="70000"/>
+              </a:lnSpc>
+              <a:buClr>
+                <a:schemeClr val="dk1"/>
+              </a:buClr>
+              <a:buSzPts val="1100"/>
+              <a:buNone/>
+            </a:pPr>
+            <a:r>
+              <a:rPr lang="en-US">
+                <a:solidFill>
+                  <a:schemeClr val="dk1"/>
+                </a:solidFill>
+              </a:rPr>
+              <a:t>To create Vue project, type the following command to your Windows CMD Prompt or Mac Terminal:</a:t>
+            </a:r>
+            <a:endParaRPr>
+              <a:solidFill>
+                <a:schemeClr val="dk1"/>
+              </a:solidFill>
+            </a:endParaRPr>
+          </a:p>
+          <a:p>
+            <a:pPr marL="0" indent="0">
+              <a:lnSpc>
+                <a:spcPct val="70000"/>
+              </a:lnSpc>
+              <a:buClr>
+                <a:schemeClr val="dk1"/>
+              </a:buClr>
+              <a:buSzPts val="1100"/>
+              <a:buNone/>
+            </a:pPr>
+            <a:endParaRPr>
+              <a:solidFill>
+                <a:schemeClr val="dk1"/>
+              </a:solidFill>
+            </a:endParaRPr>
+          </a:p>
+          <a:p>
+            <a:pPr marL="0" indent="0">
+              <a:lnSpc>
+                <a:spcPct val="70000"/>
+              </a:lnSpc>
+              <a:buClr>
+                <a:schemeClr val="dk1"/>
+              </a:buClr>
+              <a:buSzPts val="1100"/>
+              <a:buNone/>
+            </a:pPr>
+            <a:r>
+              <a:rPr lang="en-US">
+                <a:solidFill>
+                  <a:schemeClr val="dk1"/>
+                </a:solidFill>
+              </a:rPr>
+              <a:t>vue init webpack myapp</a:t>
+            </a:r>
+            <a:endParaRPr>
+              <a:solidFill>
+                <a:schemeClr val="dk1"/>
+              </a:solidFill>
+            </a:endParaRPr>
+          </a:p>
+          <a:p>
+            <a:pPr marL="0" indent="0">
+              <a:lnSpc>
+                <a:spcPct val="70000"/>
+              </a:lnSpc>
+              <a:buClr>
+                <a:schemeClr val="dk1"/>
+              </a:buClr>
+              <a:buSzPts val="1100"/>
+              <a:buNone/>
+            </a:pPr>
+            <a:r>
+              <a:rPr lang="en-US">
+                <a:solidFill>
+                  <a:schemeClr val="dk1"/>
+                </a:solidFill>
+              </a:rPr>
+              <a:t>cd myapp</a:t>
+            </a:r>
+            <a:endParaRPr>
+              <a:solidFill>
+                <a:schemeClr val="dk1"/>
+              </a:solidFill>
+            </a:endParaRPr>
+          </a:p>
+          <a:p>
+            <a:pPr marL="0" indent="0">
+              <a:lnSpc>
+                <a:spcPct val="70000"/>
+              </a:lnSpc>
+              <a:buClr>
+                <a:schemeClr val="dk1"/>
+              </a:buClr>
+              <a:buSzPts val="1100"/>
+              <a:buNone/>
+            </a:pPr>
+            <a:r>
+              <a:rPr lang="en-US">
+                <a:solidFill>
+                  <a:schemeClr val="dk1"/>
+                </a:solidFill>
+              </a:rPr>
+              <a:t>npm run dev</a:t>
+            </a:r>
+            <a:endParaRPr>
+              <a:solidFill>
+                <a:schemeClr val="dk1"/>
+              </a:solidFill>
+            </a:endParaRPr>
+          </a:p>
+          <a:p>
+            <a:pPr marL="0" indent="0">
+              <a:lnSpc>
+                <a:spcPct val="70000"/>
+              </a:lnSpc>
+              <a:buClr>
+                <a:schemeClr val="dk1"/>
+              </a:buClr>
+              <a:buSzPts val="1100"/>
+              <a:buNone/>
+            </a:pPr>
+            <a:endParaRPr>
+              <a:solidFill>
+                <a:schemeClr val="dk1"/>
+              </a:solidFill>
+            </a:endParaRPr>
+          </a:p>
+          <a:p>
+            <a:pPr marL="457200" indent="0">
+              <a:lnSpc>
+                <a:spcPct val="70000"/>
+              </a:lnSpc>
+              <a:buClr>
+                <a:schemeClr val="dk1"/>
+              </a:buClr>
+              <a:buSzPts val="1100"/>
+              <a:buNone/>
+            </a:pPr>
+            <a:endParaRPr sz="2200">
+              <a:solidFill>
+                <a:schemeClr val="dk1"/>
+              </a:solidFill>
+            </a:endParaRPr>
+          </a:p>
+          <a:p>
+            <a:pPr marL="457200" indent="0">
+              <a:lnSpc>
+                <a:spcPct val="70000"/>
+              </a:lnSpc>
+              <a:buClr>
+                <a:schemeClr val="dk1"/>
+              </a:buClr>
+              <a:buSzPts val="1100"/>
+              <a:buNone/>
+            </a:pPr>
+            <a:endParaRPr sz="2200">
+              <a:solidFill>
+                <a:schemeClr val="dk1"/>
+              </a:solidFill>
+            </a:endParaRPr>
+          </a:p>
+          <a:p>
+            <a:pPr marL="0" indent="0">
+              <a:lnSpc>
+                <a:spcPct val="70000"/>
+              </a:lnSpc>
+              <a:spcBef>
+                <a:spcPts val="0"/>
+              </a:spcBef>
+              <a:buClr>
+                <a:schemeClr val="dk1"/>
+              </a:buClr>
+              <a:buSzPts val="1100"/>
+              <a:buNone/>
+            </a:pPr>
+            <a:endParaRPr sz="2200">
+              <a:solidFill>
+                <a:schemeClr val="dk1"/>
+              </a:solidFill>
+            </a:endParaRPr>
+          </a:p>
+          <a:p>
+            <a:pPr marL="457200" indent="0">
+              <a:lnSpc>
+                <a:spcPct val="70000"/>
+              </a:lnSpc>
+              <a:buNone/>
+            </a:pPr>
+            <a:endParaRPr sz="2200">
+              <a:solidFill>
+                <a:schemeClr val="dk1"/>
+              </a:solidFill>
+            </a:endParaRPr>
+          </a:p>
+        </p:txBody>
+      </p:sp>
+    </p:spTree>
+    <p:extLst>
+      <p:ext uri="{BB962C8B-B14F-4D97-AF65-F5344CB8AC3E}">
+        <p14:creationId xmlns:p14="http://schemas.microsoft.com/office/powerpoint/2010/main" val="3431424111"/>
+      </p:ext>
+    </p:extLst>
+  </p:cSld>
+  <p:clrMapOvr>
+    <a:masterClrMapping/>
+  </p:clrMapOvr>
+</p:sld>
+</file>
+
+<file path=ppt/slides/slide17.xml><?xml version="1.0" encoding="utf-8"?>
+<p:sld xmlns:a="http://schemas.openxmlformats.org/drawingml/2006/main" xmlns:r="http://schemas.openxmlformats.org/officeDocument/2006/relationships" xmlns:p="http://schemas.openxmlformats.org/presentationml/2006/main">
+  <p:cSld>
+    <p:spTree>
+      <p:nvGrpSpPr>
+        <p:cNvPr id="1" name="Shape 581"/>
+        <p:cNvGrpSpPr/>
+        <p:nvPr/>
+      </p:nvGrpSpPr>
+      <p:grpSpPr>
+        <a:xfrm>
+          <a:off x="0" y="0"/>
+          <a:ext cx="0" cy="0"/>
+          <a:chOff x="0" y="0"/>
+          <a:chExt cx="0" cy="0"/>
+        </a:xfrm>
+      </p:grpSpPr>
+      <p:sp>
+        <p:nvSpPr>
+          <p:cNvPr id="582" name="Google Shape;582;p97"/>
+          <p:cNvSpPr txBox="1">
+            <a:spLocks noGrp="1"/>
+          </p:cNvSpPr>
+          <p:nvPr>
+            <p:ph type="title"/>
+          </p:nvPr>
+        </p:nvSpPr>
+        <p:spPr>
+          <a:xfrm>
+            <a:off x="2054075" y="533400"/>
+            <a:ext cx="8330100" cy="685800"/>
+          </a:xfrm>
+          <a:prstGeom prst="rect">
+            <a:avLst/>
+          </a:prstGeom>
+          <a:noFill/>
+          <a:ln>
+            <a:noFill/>
+          </a:ln>
+        </p:spPr>
+        <p:txBody>
+          <a:bodyPr spcFirstLastPara="1" vert="horz" wrap="square" lIns="91425" tIns="45700" rIns="91425" bIns="45700" rtlCol="0" anchor="ctr" anchorCtr="0">
+            <a:noAutofit/>
+          </a:bodyPr>
+          <a:lstStyle/>
+          <a:p>
+            <a:pPr>
+              <a:spcBef>
+                <a:spcPts val="0"/>
+              </a:spcBef>
+              <a:buClr>
+                <a:schemeClr val="dk1"/>
+              </a:buClr>
+            </a:pPr>
+            <a:r>
+              <a:rPr lang="en-US">
+                <a:solidFill>
+                  <a:schemeClr val="dk1"/>
+                </a:solidFill>
+              </a:rPr>
+              <a:t>Vue App</a:t>
+            </a:r>
+            <a:endParaRPr i="0" u="none" strike="noStrike" cap="none">
+              <a:solidFill>
+                <a:schemeClr val="dk1"/>
+              </a:solidFill>
+            </a:endParaRPr>
+          </a:p>
+        </p:txBody>
+      </p:sp>
+      <p:sp>
+        <p:nvSpPr>
+          <p:cNvPr id="583" name="Google Shape;583;p97"/>
+          <p:cNvSpPr txBox="1">
+            <a:spLocks noGrp="1"/>
+          </p:cNvSpPr>
+          <p:nvPr>
+            <p:ph idx="1"/>
+          </p:nvPr>
+        </p:nvSpPr>
+        <p:spPr>
+          <a:xfrm>
+            <a:off x="1524000" y="1090475"/>
+            <a:ext cx="8968200" cy="1106100"/>
+          </a:xfrm>
+          <a:prstGeom prst="rect">
+            <a:avLst/>
+          </a:prstGeom>
+          <a:noFill/>
+          <a:ln>
+            <a:noFill/>
+          </a:ln>
+        </p:spPr>
+        <p:txBody>
+          <a:bodyPr spcFirstLastPara="1" vert="horz" wrap="square" lIns="91425" tIns="45700" rIns="91425" bIns="45700" rtlCol="0" anchor="t" anchorCtr="0">
+            <a:noAutofit/>
+          </a:bodyPr>
+          <a:lstStyle/>
+          <a:p>
+            <a:pPr marL="0" indent="0">
+              <a:lnSpc>
+                <a:spcPct val="70000"/>
+              </a:lnSpc>
+              <a:buClr>
+                <a:schemeClr val="dk1"/>
+              </a:buClr>
+              <a:buSzPts val="1100"/>
+              <a:buNone/>
+            </a:pPr>
+            <a:r>
+              <a:rPr lang="en-US">
+                <a:solidFill>
+                  <a:schemeClr val="dk1"/>
+                </a:solidFill>
+              </a:rPr>
+              <a:t>View on the browser http://localhost:8080/</a:t>
+            </a:r>
+            <a:endParaRPr>
+              <a:solidFill>
+                <a:schemeClr val="dk1"/>
+              </a:solidFill>
+            </a:endParaRPr>
+          </a:p>
+          <a:p>
+            <a:pPr marL="0" indent="0">
+              <a:lnSpc>
+                <a:spcPct val="70000"/>
+              </a:lnSpc>
+              <a:buClr>
+                <a:schemeClr val="dk1"/>
+              </a:buClr>
+              <a:buSzPts val="1100"/>
+              <a:buNone/>
+            </a:pPr>
+            <a:endParaRPr>
+              <a:solidFill>
+                <a:schemeClr val="dk1"/>
+              </a:solidFill>
+            </a:endParaRPr>
+          </a:p>
+          <a:p>
+            <a:pPr marL="457200" indent="0">
+              <a:lnSpc>
+                <a:spcPct val="70000"/>
+              </a:lnSpc>
+              <a:buClr>
+                <a:schemeClr val="dk1"/>
+              </a:buClr>
+              <a:buSzPts val="1100"/>
+              <a:buNone/>
+            </a:pPr>
+            <a:endParaRPr sz="2200">
+              <a:solidFill>
+                <a:schemeClr val="dk1"/>
+              </a:solidFill>
+            </a:endParaRPr>
+          </a:p>
+          <a:p>
+            <a:pPr marL="0" indent="0">
+              <a:lnSpc>
+                <a:spcPct val="70000"/>
+              </a:lnSpc>
+              <a:buClr>
+                <a:schemeClr val="dk1"/>
+              </a:buClr>
+              <a:buSzPts val="1100"/>
+              <a:buNone/>
+            </a:pPr>
+            <a:endParaRPr sz="2200">
+              <a:solidFill>
+                <a:schemeClr val="dk1"/>
+              </a:solidFill>
+            </a:endParaRPr>
+          </a:p>
+          <a:p>
+            <a:pPr marL="0" indent="0">
+              <a:lnSpc>
+                <a:spcPct val="70000"/>
+              </a:lnSpc>
+              <a:spcBef>
+                <a:spcPts val="0"/>
+              </a:spcBef>
+              <a:buClr>
+                <a:schemeClr val="dk1"/>
+              </a:buClr>
+              <a:buSzPts val="1100"/>
+              <a:buNone/>
+            </a:pPr>
+            <a:endParaRPr sz="2200">
+              <a:solidFill>
+                <a:schemeClr val="dk1"/>
+              </a:solidFill>
+            </a:endParaRPr>
+          </a:p>
+          <a:p>
+            <a:pPr marL="457200" indent="0">
+              <a:lnSpc>
+                <a:spcPct val="70000"/>
+              </a:lnSpc>
+              <a:buNone/>
+            </a:pPr>
+            <a:endParaRPr sz="2200">
+              <a:solidFill>
+                <a:schemeClr val="dk1"/>
+              </a:solidFill>
+            </a:endParaRPr>
+          </a:p>
+        </p:txBody>
+      </p:sp>
+      <p:pic>
+        <p:nvPicPr>
+          <p:cNvPr id="584" name="Google Shape;584;p97"/>
+          <p:cNvPicPr preferRelativeResize="0"/>
+          <p:nvPr/>
+        </p:nvPicPr>
+        <p:blipFill rotWithShape="1">
+          <a:blip r:embed="rId3">
+            <a:alphaModFix/>
+          </a:blip>
+          <a:srcRect t="4113" b="16634"/>
+          <a:stretch/>
+        </p:blipFill>
+        <p:spPr>
+          <a:xfrm>
+            <a:off x="1524001" y="1785846"/>
+            <a:ext cx="9143999" cy="4515855"/>
+          </a:xfrm>
+          <a:prstGeom prst="rect">
+            <a:avLst/>
+          </a:prstGeom>
+          <a:noFill/>
+          <a:ln>
+            <a:noFill/>
+          </a:ln>
+        </p:spPr>
+      </p:pic>
+    </p:spTree>
+    <p:extLst>
+      <p:ext uri="{BB962C8B-B14F-4D97-AF65-F5344CB8AC3E}">
+        <p14:creationId xmlns:p14="http://schemas.microsoft.com/office/powerpoint/2010/main" val="628476605"/>
+      </p:ext>
+    </p:extLst>
+  </p:cSld>
+  <p:clrMapOvr>
+    <a:masterClrMapping/>
+  </p:clrMapOvr>
+</p:sld>
+</file>
+
+<file path=ppt/slides/slide18.xml><?xml version="1.0" encoding="utf-8"?>
+<p:sld xmlns:a="http://schemas.openxmlformats.org/drawingml/2006/main" xmlns:r="http://schemas.openxmlformats.org/officeDocument/2006/relationships" xmlns:p="http://schemas.openxmlformats.org/presentationml/2006/main">
+  <p:cSld>
+    <p:spTree>
+      <p:nvGrpSpPr>
+        <p:cNvPr id="1" name="Shape 588"/>
+        <p:cNvGrpSpPr/>
+        <p:nvPr/>
+      </p:nvGrpSpPr>
+      <p:grpSpPr>
+        <a:xfrm>
+          <a:off x="0" y="0"/>
+          <a:ext cx="0" cy="0"/>
+          <a:chOff x="0" y="0"/>
+          <a:chExt cx="0" cy="0"/>
+        </a:xfrm>
+      </p:grpSpPr>
+      <p:sp>
+        <p:nvSpPr>
+          <p:cNvPr id="589" name="Google Shape;589;p98"/>
+          <p:cNvSpPr txBox="1">
+            <a:spLocks noGrp="1"/>
+          </p:cNvSpPr>
+          <p:nvPr>
+            <p:ph type="title"/>
+          </p:nvPr>
+        </p:nvSpPr>
+        <p:spPr>
+          <a:xfrm>
+            <a:off x="2054075" y="533400"/>
+            <a:ext cx="8330100" cy="685800"/>
+          </a:xfrm>
+          <a:prstGeom prst="rect">
+            <a:avLst/>
+          </a:prstGeom>
+          <a:noFill/>
+          <a:ln>
+            <a:noFill/>
+          </a:ln>
+        </p:spPr>
+        <p:txBody>
+          <a:bodyPr spcFirstLastPara="1" vert="horz" wrap="square" lIns="91425" tIns="45700" rIns="91425" bIns="45700" rtlCol="0" anchor="ctr" anchorCtr="0">
+            <a:noAutofit/>
+          </a:bodyPr>
+          <a:lstStyle/>
+          <a:p>
+            <a:pPr>
+              <a:spcBef>
+                <a:spcPts val="0"/>
+              </a:spcBef>
+              <a:buClr>
+                <a:schemeClr val="dk1"/>
+              </a:buClr>
+            </a:pPr>
+            <a:r>
+              <a:rPr lang="en-US">
+                <a:solidFill>
+                  <a:schemeClr val="dk1"/>
+                </a:solidFill>
+              </a:rPr>
+              <a:t>Vue App Structure</a:t>
+            </a:r>
+            <a:endParaRPr i="0" u="none" strike="noStrike" cap="none">
+              <a:solidFill>
+                <a:schemeClr val="dk1"/>
+              </a:solidFill>
+            </a:endParaRPr>
+          </a:p>
+        </p:txBody>
+      </p:sp>
+      <p:sp>
+        <p:nvSpPr>
+          <p:cNvPr id="590" name="Google Shape;590;p98"/>
+          <p:cNvSpPr txBox="1">
+            <a:spLocks noGrp="1"/>
+          </p:cNvSpPr>
+          <p:nvPr>
+            <p:ph idx="1"/>
+          </p:nvPr>
+        </p:nvSpPr>
+        <p:spPr>
+          <a:xfrm>
+            <a:off x="5111250" y="1197625"/>
+            <a:ext cx="5192400" cy="5323200"/>
+          </a:xfrm>
+          <a:prstGeom prst="rect">
+            <a:avLst/>
+          </a:prstGeom>
+          <a:noFill/>
+          <a:ln>
+            <a:noFill/>
+          </a:ln>
+        </p:spPr>
+        <p:txBody>
+          <a:bodyPr spcFirstLastPara="1" vert="horz" wrap="square" lIns="91425" tIns="45700" rIns="91425" bIns="45700" rtlCol="0" anchor="t" anchorCtr="0">
+            <a:noAutofit/>
+          </a:bodyPr>
+          <a:lstStyle/>
+          <a:p>
+            <a:pPr marL="457200" indent="-419100">
+              <a:lnSpc>
+                <a:spcPct val="70000"/>
+              </a:lnSpc>
+              <a:buClr>
+                <a:schemeClr val="dk1"/>
+              </a:buClr>
+              <a:buSzPts val="3000"/>
+            </a:pPr>
+            <a:r>
+              <a:rPr lang="en-US">
+                <a:solidFill>
+                  <a:schemeClr val="dk1"/>
+                </a:solidFill>
+              </a:rPr>
+              <a:t>The main.js will call the main component App.vue</a:t>
+            </a:r>
+            <a:endParaRPr>
+              <a:solidFill>
+                <a:schemeClr val="dk1"/>
+              </a:solidFill>
+            </a:endParaRPr>
+          </a:p>
+          <a:p>
+            <a:pPr marL="457200" indent="-419100">
+              <a:lnSpc>
+                <a:spcPct val="70000"/>
+              </a:lnSpc>
+              <a:spcBef>
+                <a:spcPts val="0"/>
+              </a:spcBef>
+              <a:buClr>
+                <a:schemeClr val="dk1"/>
+              </a:buClr>
+              <a:buSzPts val="3000"/>
+            </a:pPr>
+            <a:r>
+              <a:rPr lang="en-US">
+                <a:solidFill>
+                  <a:schemeClr val="dk1"/>
+                </a:solidFill>
+              </a:rPr>
+              <a:t>App.vue component consist of the subcomponents</a:t>
+            </a:r>
+            <a:endParaRPr>
+              <a:solidFill>
+                <a:schemeClr val="dk1"/>
+              </a:solidFill>
+            </a:endParaRPr>
+          </a:p>
+          <a:p>
+            <a:pPr marL="457200" indent="-419100">
+              <a:lnSpc>
+                <a:spcPct val="70000"/>
+              </a:lnSpc>
+              <a:spcBef>
+                <a:spcPts val="0"/>
+              </a:spcBef>
+              <a:buClr>
+                <a:schemeClr val="dk1"/>
+              </a:buClr>
+              <a:buSzPts val="3000"/>
+            </a:pPr>
+            <a:r>
+              <a:rPr lang="en-US">
+                <a:solidFill>
+                  <a:schemeClr val="dk1"/>
+                </a:solidFill>
+              </a:rPr>
+              <a:t>Each component has template, script and style</a:t>
+            </a:r>
+            <a:endParaRPr>
+              <a:solidFill>
+                <a:schemeClr val="dk1"/>
+              </a:solidFill>
+            </a:endParaRPr>
+          </a:p>
+          <a:p>
+            <a:pPr marL="457200" indent="0">
+              <a:lnSpc>
+                <a:spcPct val="70000"/>
+              </a:lnSpc>
+              <a:buClr>
+                <a:schemeClr val="dk1"/>
+              </a:buClr>
+              <a:buSzPts val="1100"/>
+              <a:buNone/>
+            </a:pPr>
+            <a:endParaRPr sz="2200">
+              <a:solidFill>
+                <a:schemeClr val="dk1"/>
+              </a:solidFill>
+            </a:endParaRPr>
+          </a:p>
+          <a:p>
+            <a:pPr marL="457200" indent="0">
+              <a:lnSpc>
+                <a:spcPct val="70000"/>
+              </a:lnSpc>
+              <a:buClr>
+                <a:schemeClr val="dk1"/>
+              </a:buClr>
+              <a:buSzPts val="1100"/>
+              <a:buNone/>
+            </a:pPr>
+            <a:endParaRPr sz="2200">
+              <a:solidFill>
+                <a:schemeClr val="dk1"/>
+              </a:solidFill>
+            </a:endParaRPr>
+          </a:p>
+          <a:p>
+            <a:pPr marL="0" indent="0">
+              <a:lnSpc>
+                <a:spcPct val="70000"/>
+              </a:lnSpc>
+              <a:spcBef>
+                <a:spcPts val="0"/>
+              </a:spcBef>
+              <a:buClr>
+                <a:schemeClr val="dk1"/>
+              </a:buClr>
+              <a:buSzPts val="1100"/>
+              <a:buNone/>
+            </a:pPr>
+            <a:endParaRPr sz="2200">
+              <a:solidFill>
+                <a:schemeClr val="dk1"/>
+              </a:solidFill>
+            </a:endParaRPr>
+          </a:p>
+          <a:p>
+            <a:pPr marL="457200" indent="0">
+              <a:lnSpc>
+                <a:spcPct val="70000"/>
+              </a:lnSpc>
+              <a:buNone/>
+            </a:pPr>
+            <a:endParaRPr sz="2200">
+              <a:solidFill>
+                <a:schemeClr val="dk1"/>
+              </a:solidFill>
+            </a:endParaRPr>
+          </a:p>
+        </p:txBody>
+      </p:sp>
+      <p:pic>
+        <p:nvPicPr>
+          <p:cNvPr id="591" name="Google Shape;591;p98"/>
+          <p:cNvPicPr preferRelativeResize="0"/>
+          <p:nvPr/>
+        </p:nvPicPr>
+        <p:blipFill>
+          <a:blip r:embed="rId3">
+            <a:alphaModFix/>
+          </a:blip>
+          <a:stretch>
+            <a:fillRect/>
+          </a:stretch>
+        </p:blipFill>
+        <p:spPr>
+          <a:xfrm>
+            <a:off x="2054075" y="1192226"/>
+            <a:ext cx="2976686" cy="5333999"/>
+          </a:xfrm>
+          <a:prstGeom prst="rect">
+            <a:avLst/>
+          </a:prstGeom>
+          <a:noFill/>
+          <a:ln>
+            <a:noFill/>
+          </a:ln>
+        </p:spPr>
+      </p:pic>
+    </p:spTree>
+    <p:extLst>
+      <p:ext uri="{BB962C8B-B14F-4D97-AF65-F5344CB8AC3E}">
+        <p14:creationId xmlns:p14="http://schemas.microsoft.com/office/powerpoint/2010/main" val="186440812"/>
+      </p:ext>
+    </p:extLst>
+  </p:cSld>
+  <p:clrMapOvr>
+    <a:masterClrMapping/>
+  </p:clrMapOvr>
+</p:sld>
+</file>
+
+<file path=ppt/slides/slide19.xml><?xml version="1.0" encoding="utf-8"?>
 <p:sld xmlns:a="http://schemas.openxmlformats.org/drawingml/2006/main" xmlns:r="http://schemas.openxmlformats.org/officeDocument/2006/relationships" xmlns:p="http://schemas.openxmlformats.org/presentationml/2006/main">
   <p:cSld>
     <p:spTree>
@@ -5376,6 +7013,82 @@
             <p:ph type="ctrTitle"/>
           </p:nvPr>
         </p:nvSpPr>
+        <p:spPr/>
+        <p:txBody>
+          <a:bodyPr/>
+          <a:lstStyle/>
+          <a:p>
+            <a:r>
+              <a:rPr lang="en-SG" dirty="0" smtClean="0"/>
+              <a:t>PRO Level</a:t>
+            </a:r>
+            <a:endParaRPr lang="en-SG" dirty="0"/>
+          </a:p>
+        </p:txBody>
+      </p:sp>
+      <p:sp>
+        <p:nvSpPr>
+          <p:cNvPr id="5" name="Subtitle 4"/>
+          <p:cNvSpPr>
+            <a:spLocks noGrp="1"/>
+          </p:cNvSpPr>
+          <p:nvPr>
+            <p:ph type="subTitle" idx="1"/>
+          </p:nvPr>
+        </p:nvSpPr>
+        <p:spPr/>
+        <p:txBody>
+          <a:bodyPr/>
+          <a:lstStyle/>
+          <a:p>
+            <a:r>
+              <a:rPr lang="en-SG" dirty="0" smtClean="0"/>
+              <a:t>Build A Coffee App</a:t>
+            </a:r>
+            <a:endParaRPr lang="en-SG" dirty="0"/>
+          </a:p>
+        </p:txBody>
+      </p:sp>
+    </p:spTree>
+    <p:extLst>
+      <p:ext uri="{BB962C8B-B14F-4D97-AF65-F5344CB8AC3E}">
+        <p14:creationId xmlns:p14="http://schemas.microsoft.com/office/powerpoint/2010/main" val="478976531"/>
+      </p:ext>
+    </p:extLst>
+  </p:cSld>
+  <p:clrMapOvr>
+    <a:masterClrMapping/>
+  </p:clrMapOvr>
+</p:sld>
+</file>
+
+<file path=ppt/slides/slide2.xml><?xml version="1.0" encoding="utf-8"?>
+<p:sld xmlns:a="http://schemas.openxmlformats.org/drawingml/2006/main" xmlns:r="http://schemas.openxmlformats.org/officeDocument/2006/relationships" xmlns:p="http://schemas.openxmlformats.org/presentationml/2006/main">
+  <p:cSld>
+    <p:spTree>
+      <p:nvGrpSpPr>
+        <p:cNvPr id="1" name=""/>
+        <p:cNvGrpSpPr/>
+        <p:nvPr/>
+      </p:nvGrpSpPr>
+      <p:grpSpPr>
+        <a:xfrm>
+          <a:off x="0" y="0"/>
+          <a:ext cx="0" cy="0"/>
+          <a:chOff x="0" y="0"/>
+          <a:chExt cx="0" cy="0"/>
+        </a:xfrm>
+      </p:grpSpPr>
+      <p:sp>
+        <p:nvSpPr>
+          <p:cNvPr id="4" name="Title 3"/>
+          <p:cNvSpPr>
+            <a:spLocks noGrp="1"/>
+          </p:cNvSpPr>
+          <p:nvPr>
+            <p:ph type="ctrTitle"/>
+          </p:nvPr>
+        </p:nvSpPr>
         <p:spPr>
           <a:xfrm>
             <a:off x="1601637" y="1734839"/>
@@ -5398,6 +7111,13 @@
             <a:r>
               <a:rPr lang="en-SG" dirty="0" smtClean="0"/>
               <a:t>Single Page Application</a:t>
+            </a:r>
+            <a:br>
+              <a:rPr lang="en-SG" dirty="0" smtClean="0"/>
+            </a:br>
+            <a:r>
+              <a:rPr lang="en-SG" sz="3600" dirty="0" smtClean="0"/>
+              <a:t>what we are really here for!</a:t>
             </a:r>
             <a:endParaRPr lang="en-SG" dirty="0"/>
           </a:p>
@@ -5457,7 +7177,7 @@
 </p:sld>
 </file>
 
-<file path=ppt/slides/slide12.xml><?xml version="1.0" encoding="utf-8"?>
+<file path=ppt/slides/slide20.xml><?xml version="1.0" encoding="utf-8"?>
 <p:sld xmlns:a="http://schemas.openxmlformats.org/drawingml/2006/main" xmlns:r="http://schemas.openxmlformats.org/officeDocument/2006/relationships" xmlns:p="http://schemas.openxmlformats.org/presentationml/2006/main">
   <p:cSld>
     <p:spTree>
@@ -5509,30 +7229,182 @@
         </p:nvSpPr>
         <p:spPr/>
         <p:txBody>
-          <a:bodyPr/>
-          <a:lstStyle/>
-          <a:p>
+          <a:bodyPr>
+            <a:normAutofit fontScale="32500" lnSpcReduction="20000"/>
+          </a:bodyPr>
+          <a:lstStyle/>
+          <a:p>
+            <a:r>
+              <a:rPr lang="en-SG" sz="3800" dirty="0" smtClean="0"/>
+              <a:t>Lionel wants a coffee break app.</a:t>
+            </a:r>
+            <a:br>
+              <a:rPr lang="en-SG" sz="3800" dirty="0" smtClean="0"/>
+            </a:br>
+            <a:r>
+              <a:rPr lang="en-SG" sz="2900" dirty="0" smtClean="0"/>
+              <a:t>- For So Tien to buy drinks for everyone in Class.</a:t>
+            </a:r>
+            <a:br>
+              <a:rPr lang="en-SG" sz="2900" dirty="0" smtClean="0"/>
+            </a:br>
+            <a:endParaRPr lang="en-SG" sz="2900" dirty="0" smtClean="0"/>
+          </a:p>
+          <a:p>
+            <a:r>
+              <a:rPr lang="en-SG" sz="3400" dirty="0" smtClean="0"/>
+              <a:t>Features – Junior Dev</a:t>
+            </a:r>
+          </a:p>
+          <a:p>
+            <a:pPr lvl="1"/>
+            <a:r>
+              <a:rPr lang="en-SG" sz="4300" dirty="0" smtClean="0"/>
+              <a:t>People can put [‘</a:t>
+            </a:r>
+            <a:r>
+              <a:rPr lang="en-SG" sz="4300" dirty="0" err="1" smtClean="0"/>
+              <a:t>name’,’drink</a:t>
+            </a:r>
+            <a:r>
+              <a:rPr lang="en-SG" sz="4300" dirty="0" smtClean="0"/>
+              <a:t>’]</a:t>
+            </a:r>
+          </a:p>
+          <a:p>
+            <a:pPr lvl="1"/>
+            <a:r>
+              <a:rPr lang="en-SG" sz="4300" dirty="0" smtClean="0"/>
+              <a:t>Some people change their mind and cancel</a:t>
+            </a:r>
+          </a:p>
+          <a:p>
+            <a:pPr lvl="1"/>
+            <a:r>
+              <a:rPr lang="en-SG" sz="4300" dirty="0" smtClean="0"/>
+              <a:t>some people not allowed (“LIO” in their name) </a:t>
+            </a:r>
+          </a:p>
+          <a:p>
+            <a:pPr lvl="1"/>
+            <a:r>
+              <a:rPr lang="en-SG" sz="4300" dirty="0" smtClean="0"/>
+              <a:t>We can see entire list</a:t>
+            </a:r>
+            <a:br>
+              <a:rPr lang="en-SG" sz="4300" dirty="0" smtClean="0"/>
+            </a:br>
+            <a:endParaRPr lang="en-SG" sz="4300" dirty="0" smtClean="0"/>
+          </a:p>
+          <a:p>
+            <a:r>
+              <a:rPr lang="en-SG" sz="4900" dirty="0" smtClean="0"/>
+              <a:t>More – Pro Dev</a:t>
+            </a:r>
+          </a:p>
+          <a:p>
+            <a:pPr lvl="1"/>
+            <a:r>
+              <a:rPr lang="en-SG" sz="4300" dirty="0" smtClean="0"/>
+              <a:t>People can put amount of money</a:t>
+            </a:r>
+          </a:p>
+          <a:p>
+            <a:pPr lvl="1"/>
+            <a:r>
+              <a:rPr lang="en-SG" sz="4300" dirty="0" smtClean="0"/>
+              <a:t>List will show total  </a:t>
+            </a:r>
+            <a:br>
+              <a:rPr lang="en-SG" sz="4300" dirty="0" smtClean="0"/>
+            </a:br>
+            <a:r>
+              <a:rPr lang="en-SG" sz="4300" dirty="0" smtClean="0"/>
+              <a:t/>
+            </a:r>
+            <a:br>
+              <a:rPr lang="en-SG" sz="4300" dirty="0" smtClean="0"/>
+            </a:br>
+            <a:endParaRPr lang="en-SG" sz="4300" dirty="0" smtClean="0"/>
+          </a:p>
+          <a:p>
+            <a:r>
+              <a:rPr lang="en-SG" sz="4900" dirty="0" smtClean="0"/>
+              <a:t>Tech Lead </a:t>
+            </a:r>
+          </a:p>
+          <a:p>
+            <a:pPr lvl="1"/>
+            <a:r>
+              <a:rPr lang="en-SG" sz="4300" dirty="0" smtClean="0"/>
+              <a:t>Stored to </a:t>
+            </a:r>
+            <a:r>
+              <a:rPr lang="en-SG" sz="4300" dirty="0" err="1" smtClean="0"/>
+              <a:t>localstorage</a:t>
+            </a:r>
+            <a:r>
+              <a:rPr lang="en-SG" sz="4300" dirty="0" smtClean="0"/>
+              <a:t> </a:t>
+            </a:r>
+          </a:p>
+          <a:p>
+            <a:pPr lvl="1"/>
+            <a:r>
+              <a:rPr lang="en-SG" sz="4300" dirty="0" smtClean="0"/>
+              <a:t>There’s a filter on the index page for easy searching of some ones order</a:t>
+            </a:r>
+          </a:p>
+          <a:p>
+            <a:pPr lvl="1"/>
+            <a:r>
+              <a:rPr lang="en-SG" sz="4300" dirty="0" smtClean="0"/>
+              <a:t>Can generate a ‘detail’ view of 1 person that look like a </a:t>
+            </a:r>
+            <a:r>
+              <a:rPr lang="en-SG" sz="4300" dirty="0" err="1" smtClean="0"/>
+              <a:t>recipet</a:t>
+            </a:r>
+            <a:r>
+              <a:rPr lang="en-SG" sz="4300" dirty="0" smtClean="0"/>
+              <a:t>  </a:t>
+            </a:r>
+          </a:p>
+          <a:p>
+            <a:pPr lvl="1"/>
+            <a:r>
+              <a:rPr lang="en-SG" sz="4300" dirty="0" smtClean="0"/>
+              <a:t>User can put special requirements like ‘less sugar’  </a:t>
+            </a:r>
+            <a:r>
+              <a:rPr lang="en-SG" sz="3400" dirty="0" smtClean="0"/>
+              <a:t/>
+            </a:r>
+            <a:br>
+              <a:rPr lang="en-SG" sz="3400" dirty="0" smtClean="0"/>
+            </a:br>
+            <a:endParaRPr lang="en-SG" sz="3400" dirty="0" smtClean="0"/>
+          </a:p>
+          <a:p>
+            <a:pPr marL="457200" lvl="1" indent="0">
+              <a:buNone/>
+            </a:pPr>
+            <a:endParaRPr lang="en-SG" dirty="0"/>
+          </a:p>
+          <a:p>
+            <a:pPr marL="457200" lvl="1" indent="0">
+              <a:buNone/>
+            </a:pPr>
             <a:r>
               <a:rPr lang="en-SG" dirty="0" smtClean="0"/>
-              <a:t>Lionel wants to build a coffee break app</a:t>
-            </a:r>
-          </a:p>
-          <a:p>
-            <a:r>
+              <a:t/>
+            </a:r>
+            <a:br>
               <a:rPr lang="en-SG" dirty="0" smtClean="0"/>
-              <a:t>People want to attend a coffee break and also list their favourite drink.</a:t>
-            </a:r>
-          </a:p>
-          <a:p>
+            </a:br>
             <a:r>
               <a:rPr lang="en-SG" dirty="0" smtClean="0"/>
-              <a:t>Some people change their mind and cancel</a:t>
-            </a:r>
-          </a:p>
-          <a:p>
-            <a:r>
-              <a:rPr lang="en-SG" dirty="0" smtClean="0"/>
-              <a:t>People named ‘Lisa’ not allow to attend coffee break, they are not allowed to register </a:t>
+              <a:t> </a:t>
             </a:r>
             <a:endParaRPr lang="en-SG" dirty="0"/>
           </a:p>
@@ -5551,7 +7423,157 @@
 </p:sld>
 </file>
 
-<file path=ppt/slides/slide13.xml><?xml version="1.0" encoding="utf-8"?>
+<file path=ppt/slides/slide21.xml><?xml version="1.0" encoding="utf-8"?>
+<p:sld xmlns:a="http://schemas.openxmlformats.org/drawingml/2006/main" xmlns:r="http://schemas.openxmlformats.org/officeDocument/2006/relationships" xmlns:p="http://schemas.openxmlformats.org/presentationml/2006/main">
+  <p:cSld>
+    <p:spTree>
+      <p:nvGrpSpPr>
+        <p:cNvPr id="1" name=""/>
+        <p:cNvGrpSpPr/>
+        <p:nvPr/>
+      </p:nvGrpSpPr>
+      <p:grpSpPr>
+        <a:xfrm>
+          <a:off x="0" y="0"/>
+          <a:ext cx="0" cy="0"/>
+          <a:chOff x="0" y="0"/>
+          <a:chExt cx="0" cy="0"/>
+        </a:xfrm>
+      </p:grpSpPr>
+      <p:sp>
+        <p:nvSpPr>
+          <p:cNvPr id="2" name="Title 1"/>
+          <p:cNvSpPr>
+            <a:spLocks noGrp="1"/>
+          </p:cNvSpPr>
+          <p:nvPr>
+            <p:ph type="title"/>
+          </p:nvPr>
+        </p:nvSpPr>
+        <p:spPr/>
+        <p:txBody>
+          <a:bodyPr/>
+          <a:lstStyle/>
+          <a:p>
+            <a:endParaRPr lang="en-SG"/>
+          </a:p>
+        </p:txBody>
+      </p:sp>
+      <p:sp>
+        <p:nvSpPr>
+          <p:cNvPr id="3" name="Content Placeholder 2"/>
+          <p:cNvSpPr>
+            <a:spLocks noGrp="1"/>
+          </p:cNvSpPr>
+          <p:nvPr>
+            <p:ph idx="1"/>
+          </p:nvPr>
+        </p:nvSpPr>
+        <p:spPr/>
+        <p:txBody>
+          <a:bodyPr/>
+          <a:lstStyle/>
+          <a:p>
+            <a:r>
+              <a:rPr lang="en-SG" sz="2600" dirty="0"/>
+              <a:t>Jeff Dean </a:t>
+            </a:r>
+          </a:p>
+          <a:p>
+            <a:pPr lvl="1"/>
+            <a:r>
+              <a:rPr lang="en-SG" sz="2200" dirty="0"/>
+              <a:t>Build the entire thing to firebase </a:t>
+            </a:r>
+          </a:p>
+          <a:p>
+            <a:pPr lvl="1"/>
+            <a:r>
+              <a:rPr lang="en-SG" sz="2200" dirty="0" err="1"/>
+              <a:t>Auth</a:t>
+            </a:r>
+            <a:r>
+              <a:rPr lang="en-SG" sz="2200" dirty="0"/>
+              <a:t> login with 2 levels of user, (Admin (So Tien), User)</a:t>
+            </a:r>
+          </a:p>
+          <a:p>
+            <a:pPr lvl="1"/>
+            <a:r>
+              <a:rPr lang="en-SG" sz="2200" dirty="0"/>
+              <a:t>Unit test it</a:t>
+            </a:r>
+          </a:p>
+          <a:p>
+            <a:pPr lvl="1"/>
+            <a:r>
+              <a:rPr lang="en-SG" sz="2200" dirty="0"/>
+              <a:t>Add a </a:t>
+            </a:r>
+            <a:r>
+              <a:rPr lang="en-SG" sz="2200" dirty="0" err="1"/>
+              <a:t>css</a:t>
+            </a:r>
+            <a:r>
+              <a:rPr lang="en-SG" sz="2200" dirty="0"/>
+              <a:t> framework to make it look nice</a:t>
+            </a:r>
+          </a:p>
+          <a:p>
+            <a:pPr lvl="1"/>
+            <a:r>
+              <a:rPr lang="en-SG" sz="2200" dirty="0"/>
+              <a:t>Have it ready as a PWA</a:t>
+            </a:r>
+          </a:p>
+          <a:p>
+            <a:pPr lvl="1"/>
+            <a:r>
+              <a:rPr lang="en-SG" sz="2200" dirty="0"/>
+              <a:t>Have it as a hybrid app</a:t>
+            </a:r>
+          </a:p>
+          <a:p>
+            <a:pPr lvl="1"/>
+            <a:r>
+              <a:rPr lang="en-SG" sz="2200" dirty="0" smtClean="0"/>
+              <a:t>Put maps so we can see when were is So Tien</a:t>
+            </a:r>
+          </a:p>
+          <a:p>
+            <a:pPr lvl="1"/>
+            <a:r>
+              <a:rPr lang="en-SG" sz="2200" dirty="0" smtClean="0"/>
+              <a:t>Put status, OPEN, OTW, Purchase </a:t>
+            </a:r>
+          </a:p>
+          <a:p>
+            <a:pPr lvl="1"/>
+            <a:r>
+              <a:rPr lang="en-SG" sz="2200" dirty="0" smtClean="0"/>
+              <a:t>Put algorithm for Estimated Time of Arrival using Triangulation  </a:t>
+            </a:r>
+            <a:endParaRPr lang="en-SG" sz="2200" dirty="0"/>
+          </a:p>
+          <a:p>
+            <a:endParaRPr lang="en-SG" dirty="0"/>
+          </a:p>
+        </p:txBody>
+      </p:sp>
+    </p:spTree>
+    <p:extLst>
+      <p:ext uri="{BB962C8B-B14F-4D97-AF65-F5344CB8AC3E}">
+        <p14:creationId xmlns:p14="http://schemas.microsoft.com/office/powerpoint/2010/main" val="765272262"/>
+      </p:ext>
+    </p:extLst>
+  </p:cSld>
+  <p:clrMapOvr>
+    <a:masterClrMapping/>
+  </p:clrMapOvr>
+</p:sld>
+</file>
+
+<file path=ppt/slides/slide3.xml><?xml version="1.0" encoding="utf-8"?>
 <p:sld xmlns:a="http://schemas.openxmlformats.org/drawingml/2006/main" xmlns:r="http://schemas.openxmlformats.org/officeDocument/2006/relationships" xmlns:p="http://schemas.openxmlformats.org/presentationml/2006/main">
   <p:cSld>
     <p:spTree>
@@ -5705,7 +7727,7 @@
     </p:spTree>
     <p:extLst>
       <p:ext uri="{BB962C8B-B14F-4D97-AF65-F5344CB8AC3E}">
-        <p14:creationId xmlns:p14="http://schemas.microsoft.com/office/powerpoint/2010/main" val="93218053"/>
+        <p14:creationId xmlns:p14="http://schemas.microsoft.com/office/powerpoint/2010/main" val="3091174880"/>
       </p:ext>
     </p:extLst>
   </p:cSld>
@@ -5715,1586 +7737,7 @@
 </p:sld>
 </file>
 
-<file path=ppt/slides/slide14.xml><?xml version="1.0" encoding="utf-8"?>
-<p:sld xmlns:a="http://schemas.openxmlformats.org/drawingml/2006/main" xmlns:r="http://schemas.openxmlformats.org/officeDocument/2006/relationships" xmlns:p="http://schemas.openxmlformats.org/presentationml/2006/main">
-  <p:cSld>
-    <p:spTree>
-      <p:nvGrpSpPr>
-        <p:cNvPr id="1" name="Shape 563"/>
-        <p:cNvGrpSpPr/>
-        <p:nvPr/>
-      </p:nvGrpSpPr>
-      <p:grpSpPr>
-        <a:xfrm>
-          <a:off x="0" y="0"/>
-          <a:ext cx="0" cy="0"/>
-          <a:chOff x="0" y="0"/>
-          <a:chExt cx="0" cy="0"/>
-        </a:xfrm>
-      </p:grpSpPr>
-      <p:sp>
-        <p:nvSpPr>
-          <p:cNvPr id="564" name="Google Shape;564;p94"/>
-          <p:cNvSpPr txBox="1">
-            <a:spLocks noGrp="1"/>
-          </p:cNvSpPr>
-          <p:nvPr>
-            <p:ph type="title"/>
-          </p:nvPr>
-        </p:nvSpPr>
-        <p:spPr>
-          <a:xfrm>
-            <a:off x="2054075" y="533400"/>
-            <a:ext cx="8330100" cy="685800"/>
-          </a:xfrm>
-          <a:prstGeom prst="rect">
-            <a:avLst/>
-          </a:prstGeom>
-          <a:noFill/>
-          <a:ln>
-            <a:noFill/>
-          </a:ln>
-        </p:spPr>
-        <p:txBody>
-          <a:bodyPr spcFirstLastPara="1" vert="horz" wrap="square" lIns="91425" tIns="45700" rIns="91425" bIns="45700" rtlCol="0" anchor="ctr" anchorCtr="0">
-            <a:noAutofit/>
-          </a:bodyPr>
-          <a:lstStyle/>
-          <a:p>
-            <a:pPr>
-              <a:spcBef>
-                <a:spcPts val="0"/>
-              </a:spcBef>
-              <a:buClr>
-                <a:schemeClr val="dk1"/>
-              </a:buClr>
-            </a:pPr>
-            <a:r>
-              <a:rPr lang="en-US">
-                <a:solidFill>
-                  <a:schemeClr val="dk1"/>
-                </a:solidFill>
-              </a:rPr>
-              <a:t>Installing Node JS</a:t>
-            </a:r>
-            <a:endParaRPr i="0" u="none" strike="noStrike" cap="none">
-              <a:solidFill>
-                <a:schemeClr val="dk1"/>
-              </a:solidFill>
-            </a:endParaRPr>
-          </a:p>
-        </p:txBody>
-      </p:sp>
-      <p:sp>
-        <p:nvSpPr>
-          <p:cNvPr id="565" name="Google Shape;565;p94"/>
-          <p:cNvSpPr txBox="1">
-            <a:spLocks noGrp="1"/>
-          </p:cNvSpPr>
-          <p:nvPr>
-            <p:ph idx="1"/>
-          </p:nvPr>
-        </p:nvSpPr>
-        <p:spPr>
-          <a:xfrm>
-            <a:off x="1754125" y="1197625"/>
-            <a:ext cx="8814000" cy="5152200"/>
-          </a:xfrm>
-          <a:prstGeom prst="rect">
-            <a:avLst/>
-          </a:prstGeom>
-          <a:noFill/>
-          <a:ln>
-            <a:noFill/>
-          </a:ln>
-        </p:spPr>
-        <p:txBody>
-          <a:bodyPr spcFirstLastPara="1" vert="horz" wrap="square" lIns="91425" tIns="45700" rIns="91425" bIns="45700" rtlCol="0" anchor="t" anchorCtr="0">
-            <a:noAutofit/>
-          </a:bodyPr>
-          <a:lstStyle/>
-          <a:p>
-            <a:pPr marL="457200" indent="-419100">
-              <a:lnSpc>
-                <a:spcPct val="70000"/>
-              </a:lnSpc>
-              <a:spcBef>
-                <a:spcPts val="0"/>
-              </a:spcBef>
-              <a:buClr>
-                <a:schemeClr val="dk1"/>
-              </a:buClr>
-              <a:buSzPts val="3000"/>
-            </a:pPr>
-            <a:r>
-              <a:rPr lang="en-US">
-                <a:solidFill>
-                  <a:schemeClr val="dk1"/>
-                </a:solidFill>
-              </a:rPr>
-              <a:t>Download and </a:t>
-            </a:r>
-            <a:r>
-              <a:rPr lang="en-US" i="0" u="none" strike="noStrike" cap="none">
-                <a:solidFill>
-                  <a:schemeClr val="dk1"/>
-                </a:solidFill>
-              </a:rPr>
-              <a:t>Install Node JS</a:t>
-            </a:r>
-            <a:r>
-              <a:rPr lang="en-US">
-                <a:solidFill>
-                  <a:schemeClr val="dk1"/>
-                </a:solidFill>
-              </a:rPr>
-              <a:t/>
-            </a:r>
-            <a:br>
-              <a:rPr lang="en-US">
-                <a:solidFill>
-                  <a:schemeClr val="dk1"/>
-                </a:solidFill>
-              </a:rPr>
-            </a:br>
-            <a:r>
-              <a:rPr lang="en-US" u="sng">
-                <a:solidFill>
-                  <a:schemeClr val="hlink"/>
-                </a:solidFill>
-                <a:hlinkClick r:id="rId3"/>
-              </a:rPr>
-              <a:t>https://nodejs.org/en/download/</a:t>
-            </a:r>
-            <a:endParaRPr>
-              <a:solidFill>
-                <a:schemeClr val="dk1"/>
-              </a:solidFill>
-            </a:endParaRPr>
-          </a:p>
-          <a:p>
-            <a:pPr marL="457200" indent="-419100">
-              <a:lnSpc>
-                <a:spcPct val="70000"/>
-              </a:lnSpc>
-              <a:spcBef>
-                <a:spcPts val="0"/>
-              </a:spcBef>
-              <a:buClr>
-                <a:schemeClr val="dk1"/>
-              </a:buClr>
-              <a:buSzPts val="3000"/>
-            </a:pPr>
-            <a:r>
-              <a:rPr lang="en-US">
-                <a:solidFill>
-                  <a:schemeClr val="dk1"/>
-                </a:solidFill>
-              </a:rPr>
-              <a:t>To test if Node JS was installed successfully type the following commands on your Windows CMD Prompt / Mac Terminal </a:t>
-            </a:r>
-            <a:endParaRPr>
-              <a:solidFill>
-                <a:schemeClr val="dk1"/>
-              </a:solidFill>
-            </a:endParaRPr>
-          </a:p>
-          <a:p>
-            <a:pPr marL="457200" indent="0">
-              <a:lnSpc>
-                <a:spcPct val="70000"/>
-              </a:lnSpc>
-              <a:buNone/>
-            </a:pPr>
-            <a:r>
-              <a:rPr lang="en-US">
-                <a:solidFill>
-                  <a:schemeClr val="dk1"/>
-                </a:solidFill>
-              </a:rPr>
-              <a:t>node -v</a:t>
-            </a:r>
-            <a:endParaRPr>
-              <a:solidFill>
-                <a:schemeClr val="dk1"/>
-              </a:solidFill>
-            </a:endParaRPr>
-          </a:p>
-          <a:p>
-            <a:pPr marL="457200" indent="-419100">
-              <a:lnSpc>
-                <a:spcPct val="70000"/>
-              </a:lnSpc>
-              <a:buClr>
-                <a:schemeClr val="dk1"/>
-              </a:buClr>
-              <a:buSzPts val="3000"/>
-            </a:pPr>
-            <a:r>
-              <a:rPr lang="en-US">
-                <a:solidFill>
-                  <a:schemeClr val="dk1"/>
-                </a:solidFill>
-              </a:rPr>
-              <a:t>To test if Node Package Manager (NPM) was installed successfully, type </a:t>
-            </a:r>
-            <a:endParaRPr>
-              <a:solidFill>
-                <a:schemeClr val="dk1"/>
-              </a:solidFill>
-            </a:endParaRPr>
-          </a:p>
-          <a:p>
-            <a:pPr marL="457200" indent="0">
-              <a:lnSpc>
-                <a:spcPct val="70000"/>
-              </a:lnSpc>
-              <a:buNone/>
-            </a:pPr>
-            <a:r>
-              <a:rPr lang="en-US">
-                <a:solidFill>
-                  <a:schemeClr val="dk1"/>
-                </a:solidFill>
-              </a:rPr>
-              <a:t>npm -v</a:t>
-            </a:r>
-            <a:endParaRPr>
-              <a:solidFill>
-                <a:schemeClr val="dk1"/>
-              </a:solidFill>
-            </a:endParaRPr>
-          </a:p>
-        </p:txBody>
-      </p:sp>
-    </p:spTree>
-    <p:extLst>
-      <p:ext uri="{BB962C8B-B14F-4D97-AF65-F5344CB8AC3E}">
-        <p14:creationId xmlns:p14="http://schemas.microsoft.com/office/powerpoint/2010/main" val="754306620"/>
-      </p:ext>
-    </p:extLst>
-  </p:cSld>
-  <p:clrMapOvr>
-    <a:masterClrMapping/>
-  </p:clrMapOvr>
-</p:sld>
-</file>
-
-<file path=ppt/slides/slide15.xml><?xml version="1.0" encoding="utf-8"?>
-<p:sld xmlns:a="http://schemas.openxmlformats.org/drawingml/2006/main" xmlns:r="http://schemas.openxmlformats.org/officeDocument/2006/relationships" xmlns:p="http://schemas.openxmlformats.org/presentationml/2006/main">
-  <p:cSld>
-    <p:spTree>
-      <p:nvGrpSpPr>
-        <p:cNvPr id="1" name="Shape 569"/>
-        <p:cNvGrpSpPr/>
-        <p:nvPr/>
-      </p:nvGrpSpPr>
-      <p:grpSpPr>
-        <a:xfrm>
-          <a:off x="0" y="0"/>
-          <a:ext cx="0" cy="0"/>
-          <a:chOff x="0" y="0"/>
-          <a:chExt cx="0" cy="0"/>
-        </a:xfrm>
-      </p:grpSpPr>
-      <p:sp>
-        <p:nvSpPr>
-          <p:cNvPr id="570" name="Google Shape;570;p95"/>
-          <p:cNvSpPr txBox="1">
-            <a:spLocks noGrp="1"/>
-          </p:cNvSpPr>
-          <p:nvPr>
-            <p:ph type="title"/>
-          </p:nvPr>
-        </p:nvSpPr>
-        <p:spPr>
-          <a:xfrm>
-            <a:off x="2054075" y="533400"/>
-            <a:ext cx="8330100" cy="685800"/>
-          </a:xfrm>
-          <a:prstGeom prst="rect">
-            <a:avLst/>
-          </a:prstGeom>
-          <a:noFill/>
-          <a:ln>
-            <a:noFill/>
-          </a:ln>
-        </p:spPr>
-        <p:txBody>
-          <a:bodyPr spcFirstLastPara="1" vert="horz" wrap="square" lIns="91425" tIns="45700" rIns="91425" bIns="45700" rtlCol="0" anchor="ctr" anchorCtr="0">
-            <a:noAutofit/>
-          </a:bodyPr>
-          <a:lstStyle/>
-          <a:p>
-            <a:pPr>
-              <a:spcBef>
-                <a:spcPts val="0"/>
-              </a:spcBef>
-              <a:buClr>
-                <a:schemeClr val="dk1"/>
-              </a:buClr>
-            </a:pPr>
-            <a:r>
-              <a:rPr lang="en-US">
-                <a:solidFill>
-                  <a:schemeClr val="dk1"/>
-                </a:solidFill>
-              </a:rPr>
-              <a:t>Install Vue CLI</a:t>
-            </a:r>
-            <a:endParaRPr i="0" u="none" strike="noStrike" cap="none">
-              <a:solidFill>
-                <a:schemeClr val="dk1"/>
-              </a:solidFill>
-            </a:endParaRPr>
-          </a:p>
-        </p:txBody>
-      </p:sp>
-      <p:sp>
-        <p:nvSpPr>
-          <p:cNvPr id="571" name="Google Shape;571;p95"/>
-          <p:cNvSpPr txBox="1">
-            <a:spLocks noGrp="1"/>
-          </p:cNvSpPr>
-          <p:nvPr>
-            <p:ph idx="1"/>
-          </p:nvPr>
-        </p:nvSpPr>
-        <p:spPr>
-          <a:xfrm>
-            <a:off x="2035225" y="1197625"/>
-            <a:ext cx="7567500" cy="5323200"/>
-          </a:xfrm>
-          <a:prstGeom prst="rect">
-            <a:avLst/>
-          </a:prstGeom>
-          <a:noFill/>
-          <a:ln>
-            <a:noFill/>
-          </a:ln>
-        </p:spPr>
-        <p:txBody>
-          <a:bodyPr spcFirstLastPara="1" vert="horz" wrap="square" lIns="91425" tIns="45700" rIns="91425" bIns="45700" rtlCol="0" anchor="t" anchorCtr="0">
-            <a:noAutofit/>
-          </a:bodyPr>
-          <a:lstStyle/>
-          <a:p>
-            <a:pPr marL="0" indent="0">
-              <a:lnSpc>
-                <a:spcPct val="70000"/>
-              </a:lnSpc>
-              <a:spcBef>
-                <a:spcPts val="0"/>
-              </a:spcBef>
-              <a:buClr>
-                <a:schemeClr val="dk1"/>
-              </a:buClr>
-              <a:buSzPts val="1100"/>
-              <a:buNone/>
-            </a:pPr>
-            <a:r>
-              <a:rPr lang="en-US">
-                <a:solidFill>
-                  <a:schemeClr val="dk1"/>
-                </a:solidFill>
-              </a:rPr>
-              <a:t>To install Vue CLI, type the following command to your Windows CMD Prompt or Mac Terminal</a:t>
-            </a:r>
-            <a:endParaRPr>
-              <a:solidFill>
-                <a:schemeClr val="dk1"/>
-              </a:solidFill>
-            </a:endParaRPr>
-          </a:p>
-          <a:p>
-            <a:pPr marL="0" indent="0">
-              <a:lnSpc>
-                <a:spcPct val="70000"/>
-              </a:lnSpc>
-              <a:spcBef>
-                <a:spcPts val="0"/>
-              </a:spcBef>
-              <a:buClr>
-                <a:schemeClr val="dk1"/>
-              </a:buClr>
-              <a:buSzPts val="1100"/>
-              <a:buNone/>
-            </a:pPr>
-            <a:r>
-              <a:rPr lang="en-US">
-                <a:solidFill>
-                  <a:schemeClr val="dk1"/>
-                </a:solidFill>
-              </a:rPr>
-              <a:t>	</a:t>
-            </a:r>
-            <a:br>
-              <a:rPr lang="en-US">
-                <a:solidFill>
-                  <a:schemeClr val="dk1"/>
-                </a:solidFill>
-              </a:rPr>
-            </a:br>
-            <a:r>
-              <a:rPr lang="en-US">
-                <a:solidFill>
-                  <a:schemeClr val="dk1"/>
-                </a:solidFill>
-              </a:rPr>
-              <a:t>npm install -g vue-cli</a:t>
-            </a:r>
-            <a:endParaRPr>
-              <a:solidFill>
-                <a:schemeClr val="dk1"/>
-              </a:solidFill>
-            </a:endParaRPr>
-          </a:p>
-          <a:p>
-            <a:pPr marL="0" indent="0">
-              <a:lnSpc>
-                <a:spcPct val="70000"/>
-              </a:lnSpc>
-              <a:spcBef>
-                <a:spcPts val="0"/>
-              </a:spcBef>
-              <a:buClr>
-                <a:schemeClr val="dk1"/>
-              </a:buClr>
-              <a:buSzPts val="1100"/>
-              <a:buNone/>
-            </a:pPr>
-            <a:endParaRPr>
-              <a:solidFill>
-                <a:schemeClr val="dk1"/>
-              </a:solidFill>
-            </a:endParaRPr>
-          </a:p>
-          <a:p>
-            <a:pPr marL="457200" indent="0">
-              <a:lnSpc>
-                <a:spcPct val="70000"/>
-              </a:lnSpc>
-              <a:buClr>
-                <a:schemeClr val="dk1"/>
-              </a:buClr>
-              <a:buSzPts val="1100"/>
-              <a:buNone/>
-            </a:pPr>
-            <a:endParaRPr>
-              <a:solidFill>
-                <a:schemeClr val="dk1"/>
-              </a:solidFill>
-            </a:endParaRPr>
-          </a:p>
-          <a:p>
-            <a:pPr marL="457200" indent="0">
-              <a:lnSpc>
-                <a:spcPct val="70000"/>
-              </a:lnSpc>
-              <a:buClr>
-                <a:schemeClr val="dk1"/>
-              </a:buClr>
-              <a:buSzPts val="1100"/>
-              <a:buNone/>
-            </a:pPr>
-            <a:endParaRPr>
-              <a:solidFill>
-                <a:schemeClr val="dk1"/>
-              </a:solidFill>
-            </a:endParaRPr>
-          </a:p>
-          <a:p>
-            <a:pPr marL="0" indent="0">
-              <a:lnSpc>
-                <a:spcPct val="70000"/>
-              </a:lnSpc>
-              <a:spcBef>
-                <a:spcPts val="0"/>
-              </a:spcBef>
-              <a:buClr>
-                <a:schemeClr val="dk1"/>
-              </a:buClr>
-              <a:buSzPts val="1100"/>
-              <a:buNone/>
-            </a:pPr>
-            <a:endParaRPr>
-              <a:solidFill>
-                <a:schemeClr val="dk1"/>
-              </a:solidFill>
-            </a:endParaRPr>
-          </a:p>
-          <a:p>
-            <a:pPr marL="457200" indent="0">
-              <a:lnSpc>
-                <a:spcPct val="70000"/>
-              </a:lnSpc>
-              <a:buNone/>
-            </a:pPr>
-            <a:endParaRPr sz="2200">
-              <a:solidFill>
-                <a:schemeClr val="dk1"/>
-              </a:solidFill>
-            </a:endParaRPr>
-          </a:p>
-        </p:txBody>
-      </p:sp>
-    </p:spTree>
-    <p:extLst>
-      <p:ext uri="{BB962C8B-B14F-4D97-AF65-F5344CB8AC3E}">
-        <p14:creationId xmlns:p14="http://schemas.microsoft.com/office/powerpoint/2010/main" val="161799303"/>
-      </p:ext>
-    </p:extLst>
-  </p:cSld>
-  <p:clrMapOvr>
-    <a:masterClrMapping/>
-  </p:clrMapOvr>
-</p:sld>
-</file>
-
-<file path=ppt/slides/slide16.xml><?xml version="1.0" encoding="utf-8"?>
-<p:sld xmlns:a="http://schemas.openxmlformats.org/drawingml/2006/main" xmlns:r="http://schemas.openxmlformats.org/officeDocument/2006/relationships" xmlns:p="http://schemas.openxmlformats.org/presentationml/2006/main">
-  <p:cSld>
-    <p:spTree>
-      <p:nvGrpSpPr>
-        <p:cNvPr id="1" name="Shape 575"/>
-        <p:cNvGrpSpPr/>
-        <p:nvPr/>
-      </p:nvGrpSpPr>
-      <p:grpSpPr>
-        <a:xfrm>
-          <a:off x="0" y="0"/>
-          <a:ext cx="0" cy="0"/>
-          <a:chOff x="0" y="0"/>
-          <a:chExt cx="0" cy="0"/>
-        </a:xfrm>
-      </p:grpSpPr>
-      <p:sp>
-        <p:nvSpPr>
-          <p:cNvPr id="576" name="Google Shape;576;p96"/>
-          <p:cNvSpPr txBox="1">
-            <a:spLocks noGrp="1"/>
-          </p:cNvSpPr>
-          <p:nvPr>
-            <p:ph type="title"/>
-          </p:nvPr>
-        </p:nvSpPr>
-        <p:spPr>
-          <a:xfrm>
-            <a:off x="2054075" y="533400"/>
-            <a:ext cx="8330100" cy="685800"/>
-          </a:xfrm>
-          <a:prstGeom prst="rect">
-            <a:avLst/>
-          </a:prstGeom>
-          <a:noFill/>
-          <a:ln>
-            <a:noFill/>
-          </a:ln>
-        </p:spPr>
-        <p:txBody>
-          <a:bodyPr spcFirstLastPara="1" vert="horz" wrap="square" lIns="91425" tIns="45700" rIns="91425" bIns="45700" rtlCol="0" anchor="ctr" anchorCtr="0">
-            <a:noAutofit/>
-          </a:bodyPr>
-          <a:lstStyle/>
-          <a:p>
-            <a:pPr>
-              <a:spcBef>
-                <a:spcPts val="0"/>
-              </a:spcBef>
-              <a:buClr>
-                <a:schemeClr val="dk1"/>
-              </a:buClr>
-            </a:pPr>
-            <a:r>
-              <a:rPr lang="en-US">
-                <a:solidFill>
-                  <a:schemeClr val="dk1"/>
-                </a:solidFill>
-              </a:rPr>
-              <a:t>Create Vue Project</a:t>
-            </a:r>
-            <a:endParaRPr i="0" u="none" strike="noStrike" cap="none">
-              <a:solidFill>
-                <a:schemeClr val="dk1"/>
-              </a:solidFill>
-            </a:endParaRPr>
-          </a:p>
-        </p:txBody>
-      </p:sp>
-      <p:sp>
-        <p:nvSpPr>
-          <p:cNvPr id="577" name="Google Shape;577;p96"/>
-          <p:cNvSpPr txBox="1">
-            <a:spLocks noGrp="1"/>
-          </p:cNvSpPr>
-          <p:nvPr>
-            <p:ph idx="1"/>
-          </p:nvPr>
-        </p:nvSpPr>
-        <p:spPr>
-          <a:xfrm>
-            <a:off x="2035225" y="1197625"/>
-            <a:ext cx="8268300" cy="5323200"/>
-          </a:xfrm>
-          <a:prstGeom prst="rect">
-            <a:avLst/>
-          </a:prstGeom>
-          <a:noFill/>
-          <a:ln>
-            <a:noFill/>
-          </a:ln>
-        </p:spPr>
-        <p:txBody>
-          <a:bodyPr spcFirstLastPara="1" vert="horz" wrap="square" lIns="91425" tIns="45700" rIns="91425" bIns="45700" rtlCol="0" anchor="t" anchorCtr="0">
-            <a:noAutofit/>
-          </a:bodyPr>
-          <a:lstStyle/>
-          <a:p>
-            <a:pPr marL="0" indent="0">
-              <a:lnSpc>
-                <a:spcPct val="70000"/>
-              </a:lnSpc>
-              <a:buClr>
-                <a:schemeClr val="dk1"/>
-              </a:buClr>
-              <a:buSzPts val="1100"/>
-              <a:buNone/>
-            </a:pPr>
-            <a:r>
-              <a:rPr lang="en-US">
-                <a:solidFill>
-                  <a:schemeClr val="dk1"/>
-                </a:solidFill>
-              </a:rPr>
-              <a:t>To create Vue project, type the following command to your Windows CMD Prompt or Mac Terminal:</a:t>
-            </a:r>
-            <a:endParaRPr>
-              <a:solidFill>
-                <a:schemeClr val="dk1"/>
-              </a:solidFill>
-            </a:endParaRPr>
-          </a:p>
-          <a:p>
-            <a:pPr marL="0" indent="0">
-              <a:lnSpc>
-                <a:spcPct val="70000"/>
-              </a:lnSpc>
-              <a:buClr>
-                <a:schemeClr val="dk1"/>
-              </a:buClr>
-              <a:buSzPts val="1100"/>
-              <a:buNone/>
-            </a:pPr>
-            <a:endParaRPr>
-              <a:solidFill>
-                <a:schemeClr val="dk1"/>
-              </a:solidFill>
-            </a:endParaRPr>
-          </a:p>
-          <a:p>
-            <a:pPr marL="0" indent="0">
-              <a:lnSpc>
-                <a:spcPct val="70000"/>
-              </a:lnSpc>
-              <a:buClr>
-                <a:schemeClr val="dk1"/>
-              </a:buClr>
-              <a:buSzPts val="1100"/>
-              <a:buNone/>
-            </a:pPr>
-            <a:r>
-              <a:rPr lang="en-US">
-                <a:solidFill>
-                  <a:schemeClr val="dk1"/>
-                </a:solidFill>
-              </a:rPr>
-              <a:t>vue init webpack myapp</a:t>
-            </a:r>
-            <a:endParaRPr>
-              <a:solidFill>
-                <a:schemeClr val="dk1"/>
-              </a:solidFill>
-            </a:endParaRPr>
-          </a:p>
-          <a:p>
-            <a:pPr marL="0" indent="0">
-              <a:lnSpc>
-                <a:spcPct val="70000"/>
-              </a:lnSpc>
-              <a:buClr>
-                <a:schemeClr val="dk1"/>
-              </a:buClr>
-              <a:buSzPts val="1100"/>
-              <a:buNone/>
-            </a:pPr>
-            <a:r>
-              <a:rPr lang="en-US">
-                <a:solidFill>
-                  <a:schemeClr val="dk1"/>
-                </a:solidFill>
-              </a:rPr>
-              <a:t>cd myapp</a:t>
-            </a:r>
-            <a:endParaRPr>
-              <a:solidFill>
-                <a:schemeClr val="dk1"/>
-              </a:solidFill>
-            </a:endParaRPr>
-          </a:p>
-          <a:p>
-            <a:pPr marL="0" indent="0">
-              <a:lnSpc>
-                <a:spcPct val="70000"/>
-              </a:lnSpc>
-              <a:buClr>
-                <a:schemeClr val="dk1"/>
-              </a:buClr>
-              <a:buSzPts val="1100"/>
-              <a:buNone/>
-            </a:pPr>
-            <a:r>
-              <a:rPr lang="en-US">
-                <a:solidFill>
-                  <a:schemeClr val="dk1"/>
-                </a:solidFill>
-              </a:rPr>
-              <a:t>npm run dev</a:t>
-            </a:r>
-            <a:endParaRPr>
-              <a:solidFill>
-                <a:schemeClr val="dk1"/>
-              </a:solidFill>
-            </a:endParaRPr>
-          </a:p>
-          <a:p>
-            <a:pPr marL="0" indent="0">
-              <a:lnSpc>
-                <a:spcPct val="70000"/>
-              </a:lnSpc>
-              <a:buClr>
-                <a:schemeClr val="dk1"/>
-              </a:buClr>
-              <a:buSzPts val="1100"/>
-              <a:buNone/>
-            </a:pPr>
-            <a:endParaRPr>
-              <a:solidFill>
-                <a:schemeClr val="dk1"/>
-              </a:solidFill>
-            </a:endParaRPr>
-          </a:p>
-          <a:p>
-            <a:pPr marL="457200" indent="0">
-              <a:lnSpc>
-                <a:spcPct val="70000"/>
-              </a:lnSpc>
-              <a:buClr>
-                <a:schemeClr val="dk1"/>
-              </a:buClr>
-              <a:buSzPts val="1100"/>
-              <a:buNone/>
-            </a:pPr>
-            <a:endParaRPr sz="2200">
-              <a:solidFill>
-                <a:schemeClr val="dk1"/>
-              </a:solidFill>
-            </a:endParaRPr>
-          </a:p>
-          <a:p>
-            <a:pPr marL="457200" indent="0">
-              <a:lnSpc>
-                <a:spcPct val="70000"/>
-              </a:lnSpc>
-              <a:buClr>
-                <a:schemeClr val="dk1"/>
-              </a:buClr>
-              <a:buSzPts val="1100"/>
-              <a:buNone/>
-            </a:pPr>
-            <a:endParaRPr sz="2200">
-              <a:solidFill>
-                <a:schemeClr val="dk1"/>
-              </a:solidFill>
-            </a:endParaRPr>
-          </a:p>
-          <a:p>
-            <a:pPr marL="0" indent="0">
-              <a:lnSpc>
-                <a:spcPct val="70000"/>
-              </a:lnSpc>
-              <a:spcBef>
-                <a:spcPts val="0"/>
-              </a:spcBef>
-              <a:buClr>
-                <a:schemeClr val="dk1"/>
-              </a:buClr>
-              <a:buSzPts val="1100"/>
-              <a:buNone/>
-            </a:pPr>
-            <a:endParaRPr sz="2200">
-              <a:solidFill>
-                <a:schemeClr val="dk1"/>
-              </a:solidFill>
-            </a:endParaRPr>
-          </a:p>
-          <a:p>
-            <a:pPr marL="457200" indent="0">
-              <a:lnSpc>
-                <a:spcPct val="70000"/>
-              </a:lnSpc>
-              <a:buNone/>
-            </a:pPr>
-            <a:endParaRPr sz="2200">
-              <a:solidFill>
-                <a:schemeClr val="dk1"/>
-              </a:solidFill>
-            </a:endParaRPr>
-          </a:p>
-        </p:txBody>
-      </p:sp>
-    </p:spTree>
-    <p:extLst>
-      <p:ext uri="{BB962C8B-B14F-4D97-AF65-F5344CB8AC3E}">
-        <p14:creationId xmlns:p14="http://schemas.microsoft.com/office/powerpoint/2010/main" val="4151700903"/>
-      </p:ext>
-    </p:extLst>
-  </p:cSld>
-  <p:clrMapOvr>
-    <a:masterClrMapping/>
-  </p:clrMapOvr>
-</p:sld>
-</file>
-
-<file path=ppt/slides/slide17.xml><?xml version="1.0" encoding="utf-8"?>
-<p:sld xmlns:a="http://schemas.openxmlformats.org/drawingml/2006/main" xmlns:r="http://schemas.openxmlformats.org/officeDocument/2006/relationships" xmlns:p="http://schemas.openxmlformats.org/presentationml/2006/main">
-  <p:cSld>
-    <p:spTree>
-      <p:nvGrpSpPr>
-        <p:cNvPr id="1" name="Shape 581"/>
-        <p:cNvGrpSpPr/>
-        <p:nvPr/>
-      </p:nvGrpSpPr>
-      <p:grpSpPr>
-        <a:xfrm>
-          <a:off x="0" y="0"/>
-          <a:ext cx="0" cy="0"/>
-          <a:chOff x="0" y="0"/>
-          <a:chExt cx="0" cy="0"/>
-        </a:xfrm>
-      </p:grpSpPr>
-      <p:sp>
-        <p:nvSpPr>
-          <p:cNvPr id="582" name="Google Shape;582;p97"/>
-          <p:cNvSpPr txBox="1">
-            <a:spLocks noGrp="1"/>
-          </p:cNvSpPr>
-          <p:nvPr>
-            <p:ph type="title"/>
-          </p:nvPr>
-        </p:nvSpPr>
-        <p:spPr>
-          <a:xfrm>
-            <a:off x="2054075" y="533400"/>
-            <a:ext cx="8330100" cy="685800"/>
-          </a:xfrm>
-          <a:prstGeom prst="rect">
-            <a:avLst/>
-          </a:prstGeom>
-          <a:noFill/>
-          <a:ln>
-            <a:noFill/>
-          </a:ln>
-        </p:spPr>
-        <p:txBody>
-          <a:bodyPr spcFirstLastPara="1" vert="horz" wrap="square" lIns="91425" tIns="45700" rIns="91425" bIns="45700" rtlCol="0" anchor="ctr" anchorCtr="0">
-            <a:noAutofit/>
-          </a:bodyPr>
-          <a:lstStyle/>
-          <a:p>
-            <a:pPr>
-              <a:spcBef>
-                <a:spcPts val="0"/>
-              </a:spcBef>
-              <a:buClr>
-                <a:schemeClr val="dk1"/>
-              </a:buClr>
-            </a:pPr>
-            <a:r>
-              <a:rPr lang="en-US">
-                <a:solidFill>
-                  <a:schemeClr val="dk1"/>
-                </a:solidFill>
-              </a:rPr>
-              <a:t>Vue App</a:t>
-            </a:r>
-            <a:endParaRPr i="0" u="none" strike="noStrike" cap="none">
-              <a:solidFill>
-                <a:schemeClr val="dk1"/>
-              </a:solidFill>
-            </a:endParaRPr>
-          </a:p>
-        </p:txBody>
-      </p:sp>
-      <p:sp>
-        <p:nvSpPr>
-          <p:cNvPr id="583" name="Google Shape;583;p97"/>
-          <p:cNvSpPr txBox="1">
-            <a:spLocks noGrp="1"/>
-          </p:cNvSpPr>
-          <p:nvPr>
-            <p:ph idx="1"/>
-          </p:nvPr>
-        </p:nvSpPr>
-        <p:spPr>
-          <a:xfrm>
-            <a:off x="1524000" y="1090475"/>
-            <a:ext cx="8968200" cy="1106100"/>
-          </a:xfrm>
-          <a:prstGeom prst="rect">
-            <a:avLst/>
-          </a:prstGeom>
-          <a:noFill/>
-          <a:ln>
-            <a:noFill/>
-          </a:ln>
-        </p:spPr>
-        <p:txBody>
-          <a:bodyPr spcFirstLastPara="1" vert="horz" wrap="square" lIns="91425" tIns="45700" rIns="91425" bIns="45700" rtlCol="0" anchor="t" anchorCtr="0">
-            <a:noAutofit/>
-          </a:bodyPr>
-          <a:lstStyle/>
-          <a:p>
-            <a:pPr marL="0" indent="0">
-              <a:lnSpc>
-                <a:spcPct val="70000"/>
-              </a:lnSpc>
-              <a:buClr>
-                <a:schemeClr val="dk1"/>
-              </a:buClr>
-              <a:buSzPts val="1100"/>
-              <a:buNone/>
-            </a:pPr>
-            <a:r>
-              <a:rPr lang="en-US">
-                <a:solidFill>
-                  <a:schemeClr val="dk1"/>
-                </a:solidFill>
-              </a:rPr>
-              <a:t>View on the browser http://localhost:8080/</a:t>
-            </a:r>
-            <a:endParaRPr>
-              <a:solidFill>
-                <a:schemeClr val="dk1"/>
-              </a:solidFill>
-            </a:endParaRPr>
-          </a:p>
-          <a:p>
-            <a:pPr marL="0" indent="0">
-              <a:lnSpc>
-                <a:spcPct val="70000"/>
-              </a:lnSpc>
-              <a:buClr>
-                <a:schemeClr val="dk1"/>
-              </a:buClr>
-              <a:buSzPts val="1100"/>
-              <a:buNone/>
-            </a:pPr>
-            <a:endParaRPr>
-              <a:solidFill>
-                <a:schemeClr val="dk1"/>
-              </a:solidFill>
-            </a:endParaRPr>
-          </a:p>
-          <a:p>
-            <a:pPr marL="457200" indent="0">
-              <a:lnSpc>
-                <a:spcPct val="70000"/>
-              </a:lnSpc>
-              <a:buClr>
-                <a:schemeClr val="dk1"/>
-              </a:buClr>
-              <a:buSzPts val="1100"/>
-              <a:buNone/>
-            </a:pPr>
-            <a:endParaRPr sz="2200">
-              <a:solidFill>
-                <a:schemeClr val="dk1"/>
-              </a:solidFill>
-            </a:endParaRPr>
-          </a:p>
-          <a:p>
-            <a:pPr marL="0" indent="0">
-              <a:lnSpc>
-                <a:spcPct val="70000"/>
-              </a:lnSpc>
-              <a:buClr>
-                <a:schemeClr val="dk1"/>
-              </a:buClr>
-              <a:buSzPts val="1100"/>
-              <a:buNone/>
-            </a:pPr>
-            <a:endParaRPr sz="2200">
-              <a:solidFill>
-                <a:schemeClr val="dk1"/>
-              </a:solidFill>
-            </a:endParaRPr>
-          </a:p>
-          <a:p>
-            <a:pPr marL="0" indent="0">
-              <a:lnSpc>
-                <a:spcPct val="70000"/>
-              </a:lnSpc>
-              <a:spcBef>
-                <a:spcPts val="0"/>
-              </a:spcBef>
-              <a:buClr>
-                <a:schemeClr val="dk1"/>
-              </a:buClr>
-              <a:buSzPts val="1100"/>
-              <a:buNone/>
-            </a:pPr>
-            <a:endParaRPr sz="2200">
-              <a:solidFill>
-                <a:schemeClr val="dk1"/>
-              </a:solidFill>
-            </a:endParaRPr>
-          </a:p>
-          <a:p>
-            <a:pPr marL="457200" indent="0">
-              <a:lnSpc>
-                <a:spcPct val="70000"/>
-              </a:lnSpc>
-              <a:buNone/>
-            </a:pPr>
-            <a:endParaRPr sz="2200">
-              <a:solidFill>
-                <a:schemeClr val="dk1"/>
-              </a:solidFill>
-            </a:endParaRPr>
-          </a:p>
-        </p:txBody>
-      </p:sp>
-      <p:pic>
-        <p:nvPicPr>
-          <p:cNvPr id="584" name="Google Shape;584;p97"/>
-          <p:cNvPicPr preferRelativeResize="0"/>
-          <p:nvPr/>
-        </p:nvPicPr>
-        <p:blipFill rotWithShape="1">
-          <a:blip r:embed="rId3">
-            <a:alphaModFix/>
-          </a:blip>
-          <a:srcRect t="4113" b="16634"/>
-          <a:stretch/>
-        </p:blipFill>
-        <p:spPr>
-          <a:xfrm>
-            <a:off x="1524001" y="1785846"/>
-            <a:ext cx="9143999" cy="4515855"/>
-          </a:xfrm>
-          <a:prstGeom prst="rect">
-            <a:avLst/>
-          </a:prstGeom>
-          <a:noFill/>
-          <a:ln>
-            <a:noFill/>
-          </a:ln>
-        </p:spPr>
-      </p:pic>
-    </p:spTree>
-    <p:extLst>
-      <p:ext uri="{BB962C8B-B14F-4D97-AF65-F5344CB8AC3E}">
-        <p14:creationId xmlns:p14="http://schemas.microsoft.com/office/powerpoint/2010/main" val="1523355209"/>
-      </p:ext>
-    </p:extLst>
-  </p:cSld>
-  <p:clrMapOvr>
-    <a:masterClrMapping/>
-  </p:clrMapOvr>
-</p:sld>
-</file>
-
-<file path=ppt/slides/slide18.xml><?xml version="1.0" encoding="utf-8"?>
-<p:sld xmlns:a="http://schemas.openxmlformats.org/drawingml/2006/main" xmlns:r="http://schemas.openxmlformats.org/officeDocument/2006/relationships" xmlns:p="http://schemas.openxmlformats.org/presentationml/2006/main">
-  <p:cSld>
-    <p:spTree>
-      <p:nvGrpSpPr>
-        <p:cNvPr id="1" name="Shape 588"/>
-        <p:cNvGrpSpPr/>
-        <p:nvPr/>
-      </p:nvGrpSpPr>
-      <p:grpSpPr>
-        <a:xfrm>
-          <a:off x="0" y="0"/>
-          <a:ext cx="0" cy="0"/>
-          <a:chOff x="0" y="0"/>
-          <a:chExt cx="0" cy="0"/>
-        </a:xfrm>
-      </p:grpSpPr>
-      <p:sp>
-        <p:nvSpPr>
-          <p:cNvPr id="589" name="Google Shape;589;p98"/>
-          <p:cNvSpPr txBox="1">
-            <a:spLocks noGrp="1"/>
-          </p:cNvSpPr>
-          <p:nvPr>
-            <p:ph type="title"/>
-          </p:nvPr>
-        </p:nvSpPr>
-        <p:spPr>
-          <a:xfrm>
-            <a:off x="2054075" y="533400"/>
-            <a:ext cx="8330100" cy="685800"/>
-          </a:xfrm>
-          <a:prstGeom prst="rect">
-            <a:avLst/>
-          </a:prstGeom>
-          <a:noFill/>
-          <a:ln>
-            <a:noFill/>
-          </a:ln>
-        </p:spPr>
-        <p:txBody>
-          <a:bodyPr spcFirstLastPara="1" vert="horz" wrap="square" lIns="91425" tIns="45700" rIns="91425" bIns="45700" rtlCol="0" anchor="ctr" anchorCtr="0">
-            <a:noAutofit/>
-          </a:bodyPr>
-          <a:lstStyle/>
-          <a:p>
-            <a:pPr>
-              <a:spcBef>
-                <a:spcPts val="0"/>
-              </a:spcBef>
-              <a:buClr>
-                <a:schemeClr val="dk1"/>
-              </a:buClr>
-            </a:pPr>
-            <a:r>
-              <a:rPr lang="en-US">
-                <a:solidFill>
-                  <a:schemeClr val="dk1"/>
-                </a:solidFill>
-              </a:rPr>
-              <a:t>Vue App Structure</a:t>
-            </a:r>
-            <a:endParaRPr i="0" u="none" strike="noStrike" cap="none">
-              <a:solidFill>
-                <a:schemeClr val="dk1"/>
-              </a:solidFill>
-            </a:endParaRPr>
-          </a:p>
-        </p:txBody>
-      </p:sp>
-      <p:sp>
-        <p:nvSpPr>
-          <p:cNvPr id="590" name="Google Shape;590;p98"/>
-          <p:cNvSpPr txBox="1">
-            <a:spLocks noGrp="1"/>
-          </p:cNvSpPr>
-          <p:nvPr>
-            <p:ph idx="1"/>
-          </p:nvPr>
-        </p:nvSpPr>
-        <p:spPr>
-          <a:xfrm>
-            <a:off x="5111250" y="1197625"/>
-            <a:ext cx="5192400" cy="5323200"/>
-          </a:xfrm>
-          <a:prstGeom prst="rect">
-            <a:avLst/>
-          </a:prstGeom>
-          <a:noFill/>
-          <a:ln>
-            <a:noFill/>
-          </a:ln>
-        </p:spPr>
-        <p:txBody>
-          <a:bodyPr spcFirstLastPara="1" vert="horz" wrap="square" lIns="91425" tIns="45700" rIns="91425" bIns="45700" rtlCol="0" anchor="t" anchorCtr="0">
-            <a:noAutofit/>
-          </a:bodyPr>
-          <a:lstStyle/>
-          <a:p>
-            <a:pPr marL="457200" indent="-419100">
-              <a:lnSpc>
-                <a:spcPct val="70000"/>
-              </a:lnSpc>
-              <a:buClr>
-                <a:schemeClr val="dk1"/>
-              </a:buClr>
-              <a:buSzPts val="3000"/>
-            </a:pPr>
-            <a:r>
-              <a:rPr lang="en-US">
-                <a:solidFill>
-                  <a:schemeClr val="dk1"/>
-                </a:solidFill>
-              </a:rPr>
-              <a:t>The main.js will call the main component App.vue</a:t>
-            </a:r>
-            <a:endParaRPr>
-              <a:solidFill>
-                <a:schemeClr val="dk1"/>
-              </a:solidFill>
-            </a:endParaRPr>
-          </a:p>
-          <a:p>
-            <a:pPr marL="457200" indent="-419100">
-              <a:lnSpc>
-                <a:spcPct val="70000"/>
-              </a:lnSpc>
-              <a:spcBef>
-                <a:spcPts val="0"/>
-              </a:spcBef>
-              <a:buClr>
-                <a:schemeClr val="dk1"/>
-              </a:buClr>
-              <a:buSzPts val="3000"/>
-            </a:pPr>
-            <a:r>
-              <a:rPr lang="en-US">
-                <a:solidFill>
-                  <a:schemeClr val="dk1"/>
-                </a:solidFill>
-              </a:rPr>
-              <a:t>App.vue component consist of the subcomponents</a:t>
-            </a:r>
-            <a:endParaRPr>
-              <a:solidFill>
-                <a:schemeClr val="dk1"/>
-              </a:solidFill>
-            </a:endParaRPr>
-          </a:p>
-          <a:p>
-            <a:pPr marL="457200" indent="-419100">
-              <a:lnSpc>
-                <a:spcPct val="70000"/>
-              </a:lnSpc>
-              <a:spcBef>
-                <a:spcPts val="0"/>
-              </a:spcBef>
-              <a:buClr>
-                <a:schemeClr val="dk1"/>
-              </a:buClr>
-              <a:buSzPts val="3000"/>
-            </a:pPr>
-            <a:r>
-              <a:rPr lang="en-US">
-                <a:solidFill>
-                  <a:schemeClr val="dk1"/>
-                </a:solidFill>
-              </a:rPr>
-              <a:t>Each component has template, script and style</a:t>
-            </a:r>
-            <a:endParaRPr>
-              <a:solidFill>
-                <a:schemeClr val="dk1"/>
-              </a:solidFill>
-            </a:endParaRPr>
-          </a:p>
-          <a:p>
-            <a:pPr marL="457200" indent="0">
-              <a:lnSpc>
-                <a:spcPct val="70000"/>
-              </a:lnSpc>
-              <a:buClr>
-                <a:schemeClr val="dk1"/>
-              </a:buClr>
-              <a:buSzPts val="1100"/>
-              <a:buNone/>
-            </a:pPr>
-            <a:endParaRPr sz="2200">
-              <a:solidFill>
-                <a:schemeClr val="dk1"/>
-              </a:solidFill>
-            </a:endParaRPr>
-          </a:p>
-          <a:p>
-            <a:pPr marL="457200" indent="0">
-              <a:lnSpc>
-                <a:spcPct val="70000"/>
-              </a:lnSpc>
-              <a:buClr>
-                <a:schemeClr val="dk1"/>
-              </a:buClr>
-              <a:buSzPts val="1100"/>
-              <a:buNone/>
-            </a:pPr>
-            <a:endParaRPr sz="2200">
-              <a:solidFill>
-                <a:schemeClr val="dk1"/>
-              </a:solidFill>
-            </a:endParaRPr>
-          </a:p>
-          <a:p>
-            <a:pPr marL="0" indent="0">
-              <a:lnSpc>
-                <a:spcPct val="70000"/>
-              </a:lnSpc>
-              <a:spcBef>
-                <a:spcPts val="0"/>
-              </a:spcBef>
-              <a:buClr>
-                <a:schemeClr val="dk1"/>
-              </a:buClr>
-              <a:buSzPts val="1100"/>
-              <a:buNone/>
-            </a:pPr>
-            <a:endParaRPr sz="2200">
-              <a:solidFill>
-                <a:schemeClr val="dk1"/>
-              </a:solidFill>
-            </a:endParaRPr>
-          </a:p>
-          <a:p>
-            <a:pPr marL="457200" indent="0">
-              <a:lnSpc>
-                <a:spcPct val="70000"/>
-              </a:lnSpc>
-              <a:buNone/>
-            </a:pPr>
-            <a:endParaRPr sz="2200">
-              <a:solidFill>
-                <a:schemeClr val="dk1"/>
-              </a:solidFill>
-            </a:endParaRPr>
-          </a:p>
-        </p:txBody>
-      </p:sp>
-      <p:pic>
-        <p:nvPicPr>
-          <p:cNvPr id="591" name="Google Shape;591;p98"/>
-          <p:cNvPicPr preferRelativeResize="0"/>
-          <p:nvPr/>
-        </p:nvPicPr>
-        <p:blipFill>
-          <a:blip r:embed="rId3">
-            <a:alphaModFix/>
-          </a:blip>
-          <a:stretch>
-            <a:fillRect/>
-          </a:stretch>
-        </p:blipFill>
-        <p:spPr>
-          <a:xfrm>
-            <a:off x="2054075" y="1192226"/>
-            <a:ext cx="2976686" cy="5333999"/>
-          </a:xfrm>
-          <a:prstGeom prst="rect">
-            <a:avLst/>
-          </a:prstGeom>
-          <a:noFill/>
-          <a:ln>
-            <a:noFill/>
-          </a:ln>
-        </p:spPr>
-      </p:pic>
-    </p:spTree>
-    <p:extLst>
-      <p:ext uri="{BB962C8B-B14F-4D97-AF65-F5344CB8AC3E}">
-        <p14:creationId xmlns:p14="http://schemas.microsoft.com/office/powerpoint/2010/main" val="946364667"/>
-      </p:ext>
-    </p:extLst>
-  </p:cSld>
-  <p:clrMapOvr>
-    <a:masterClrMapping/>
-  </p:clrMapOvr>
-</p:sld>
-</file>
-
-<file path=ppt/slides/slide19.xml><?xml version="1.0" encoding="utf-8"?>
-<p:sld xmlns:a="http://schemas.openxmlformats.org/drawingml/2006/main" xmlns:r="http://schemas.openxmlformats.org/officeDocument/2006/relationships" xmlns:p="http://schemas.openxmlformats.org/presentationml/2006/main">
-  <p:cSld>
-    <p:spTree>
-      <p:nvGrpSpPr>
-        <p:cNvPr id="1" name="Shape 608"/>
-        <p:cNvGrpSpPr/>
-        <p:nvPr/>
-      </p:nvGrpSpPr>
-      <p:grpSpPr>
-        <a:xfrm>
-          <a:off x="0" y="0"/>
-          <a:ext cx="0" cy="0"/>
-          <a:chOff x="0" y="0"/>
-          <a:chExt cx="0" cy="0"/>
-        </a:xfrm>
-      </p:grpSpPr>
-      <p:sp>
-        <p:nvSpPr>
-          <p:cNvPr id="609" name="Google Shape;609;p101"/>
-          <p:cNvSpPr txBox="1">
-            <a:spLocks noGrp="1"/>
-          </p:cNvSpPr>
-          <p:nvPr>
-            <p:ph type="title"/>
-          </p:nvPr>
-        </p:nvSpPr>
-        <p:spPr>
-          <a:xfrm>
-            <a:off x="2057400" y="533400"/>
-            <a:ext cx="8506800" cy="685800"/>
-          </a:xfrm>
-          <a:prstGeom prst="rect">
-            <a:avLst/>
-          </a:prstGeom>
-          <a:noFill/>
-          <a:ln>
-            <a:noFill/>
-          </a:ln>
-        </p:spPr>
-        <p:txBody>
-          <a:bodyPr spcFirstLastPara="1" vert="horz" wrap="square" lIns="91425" tIns="45700" rIns="91425" bIns="45700" rtlCol="0" anchor="ctr" anchorCtr="0">
-            <a:noAutofit/>
-          </a:bodyPr>
-          <a:lstStyle/>
-          <a:p>
-            <a:pPr>
-              <a:spcBef>
-                <a:spcPts val="0"/>
-              </a:spcBef>
-              <a:buClr>
-                <a:schemeClr val="dk1"/>
-              </a:buClr>
-            </a:pPr>
-            <a:r>
-              <a:rPr lang="en-US">
-                <a:solidFill>
-                  <a:schemeClr val="dk1"/>
-                </a:solidFill>
-              </a:rPr>
-              <a:t>Installing Vue Router</a:t>
-            </a:r>
-            <a:endParaRPr i="0" u="none" strike="noStrike" cap="none">
-              <a:solidFill>
-                <a:schemeClr val="dk1"/>
-              </a:solidFill>
-            </a:endParaRPr>
-          </a:p>
-        </p:txBody>
-      </p:sp>
-      <p:sp>
-        <p:nvSpPr>
-          <p:cNvPr id="610" name="Google Shape;610;p101"/>
-          <p:cNvSpPr txBox="1">
-            <a:spLocks noGrp="1"/>
-          </p:cNvSpPr>
-          <p:nvPr>
-            <p:ph idx="1"/>
-          </p:nvPr>
-        </p:nvSpPr>
-        <p:spPr>
-          <a:xfrm>
-            <a:off x="1977650" y="1219200"/>
-            <a:ext cx="8236800" cy="5196300"/>
-          </a:xfrm>
-          <a:prstGeom prst="rect">
-            <a:avLst/>
-          </a:prstGeom>
-          <a:noFill/>
-          <a:ln>
-            <a:noFill/>
-          </a:ln>
-        </p:spPr>
-        <p:txBody>
-          <a:bodyPr spcFirstLastPara="1" vert="horz" wrap="square" lIns="91425" tIns="45700" rIns="91425" bIns="45700" rtlCol="0" anchor="t" anchorCtr="0">
-            <a:noAutofit/>
-          </a:bodyPr>
-          <a:lstStyle/>
-          <a:p>
-            <a:pPr marL="0" indent="0">
-              <a:lnSpc>
-                <a:spcPct val="115000"/>
-              </a:lnSpc>
-              <a:spcBef>
-                <a:spcPts val="0"/>
-              </a:spcBef>
-              <a:buNone/>
-            </a:pPr>
-            <a:r>
-              <a:rPr lang="en-US">
-                <a:solidFill>
-                  <a:schemeClr val="dk1"/>
-                </a:solidFill>
-              </a:rPr>
-              <a:t>To install the vue router libraries, add the following javascript on the head section of your HTML file</a:t>
-            </a:r>
-            <a:endParaRPr>
-              <a:solidFill>
-                <a:schemeClr val="dk1"/>
-              </a:solidFill>
-            </a:endParaRPr>
-          </a:p>
-          <a:p>
-            <a:pPr marL="0" indent="0">
-              <a:lnSpc>
-                <a:spcPct val="115000"/>
-              </a:lnSpc>
-              <a:spcBef>
-                <a:spcPts val="0"/>
-              </a:spcBef>
-              <a:buNone/>
-            </a:pPr>
-            <a:endParaRPr>
-              <a:solidFill>
-                <a:schemeClr val="dk1"/>
-              </a:solidFill>
-            </a:endParaRPr>
-          </a:p>
-          <a:p>
-            <a:pPr marL="0" indent="0">
-              <a:lnSpc>
-                <a:spcPct val="115000"/>
-              </a:lnSpc>
-              <a:spcBef>
-                <a:spcPts val="0"/>
-              </a:spcBef>
-              <a:buNone/>
-            </a:pPr>
-            <a:r>
-              <a:rPr lang="en-US" sz="2400">
-                <a:solidFill>
-                  <a:schemeClr val="dk1"/>
-                </a:solidFill>
-              </a:rPr>
-              <a:t> &lt;script src="</a:t>
-            </a:r>
-            <a:r>
-              <a:rPr lang="en-US" sz="2400" u="sng">
-                <a:solidFill>
-                  <a:schemeClr val="hlink"/>
-                </a:solidFill>
-                <a:hlinkClick r:id="rId3"/>
-              </a:rPr>
-              <a:t>https://unpkg.com/vue-router</a:t>
-            </a:r>
-            <a:r>
-              <a:rPr lang="en-US" sz="2400">
-                <a:solidFill>
-                  <a:schemeClr val="dk1"/>
-                </a:solidFill>
-              </a:rPr>
-              <a:t>"&gt;&lt;/script&gt;</a:t>
-            </a:r>
-            <a:endParaRPr sz="2400">
-              <a:solidFill>
-                <a:schemeClr val="dk1"/>
-              </a:solidFill>
-            </a:endParaRPr>
-          </a:p>
-        </p:txBody>
-      </p:sp>
-    </p:spTree>
-    <p:extLst>
-      <p:ext uri="{BB962C8B-B14F-4D97-AF65-F5344CB8AC3E}">
-        <p14:creationId xmlns:p14="http://schemas.microsoft.com/office/powerpoint/2010/main" val="1745935068"/>
-      </p:ext>
-    </p:extLst>
-  </p:cSld>
-  <p:clrMapOvr>
-    <a:masterClrMapping/>
-  </p:clrMapOvr>
-</p:sld>
-</file>
-
-<file path=ppt/slides/slide2.xml><?xml version="1.0" encoding="utf-8"?>
+<file path=ppt/slides/slide4.xml><?xml version="1.0" encoding="utf-8"?>
 <p:sld xmlns:a="http://schemas.openxmlformats.org/drawingml/2006/main" xmlns:r="http://schemas.openxmlformats.org/officeDocument/2006/relationships" xmlns:p="http://schemas.openxmlformats.org/presentationml/2006/main">
   <p:cSld>
     <p:spTree>
@@ -7313,7 +7756,7 @@
       </p:grpSpPr>
       <p:sp>
         <p:nvSpPr>
-          <p:cNvPr id="4" name="Title 3"/>
+          <p:cNvPr id="2" name="Title 1"/>
           <p:cNvSpPr>
             <a:spLocks noGrp="1"/>
           </p:cNvSpPr>
@@ -7326,1504 +7769,9 @@
           <a:bodyPr/>
           <a:lstStyle/>
           <a:p>
-            <a:endParaRPr lang="en-SG"/>
-          </a:p>
-        </p:txBody>
-      </p:sp>
-      <p:sp>
-        <p:nvSpPr>
-          <p:cNvPr id="5" name="Text Placeholder 4"/>
-          <p:cNvSpPr>
-            <a:spLocks noGrp="1"/>
-          </p:cNvSpPr>
-          <p:nvPr>
-            <p:ph type="body" idx="1"/>
-          </p:nvPr>
-        </p:nvSpPr>
-        <p:spPr/>
-        <p:txBody>
-          <a:bodyPr/>
-          <a:lstStyle/>
-          <a:p>
-            <a:endParaRPr lang="en-SG"/>
-          </a:p>
-        </p:txBody>
-      </p:sp>
-    </p:spTree>
-    <p:extLst>
-      <p:ext uri="{BB962C8B-B14F-4D97-AF65-F5344CB8AC3E}">
-        <p14:creationId xmlns:p14="http://schemas.microsoft.com/office/powerpoint/2010/main" val="358496198"/>
-      </p:ext>
-    </p:extLst>
-  </p:cSld>
-  <p:clrMapOvr>
-    <a:masterClrMapping/>
-  </p:clrMapOvr>
-</p:sld>
-</file>
-
-<file path=ppt/slides/slide20.xml><?xml version="1.0" encoding="utf-8"?>
-<p:sld xmlns:a="http://schemas.openxmlformats.org/drawingml/2006/main" xmlns:r="http://schemas.openxmlformats.org/officeDocument/2006/relationships" xmlns:p="http://schemas.openxmlformats.org/presentationml/2006/main">
-  <p:cSld>
-    <p:spTree>
-      <p:nvGrpSpPr>
-        <p:cNvPr id="1" name="Shape 614"/>
-        <p:cNvGrpSpPr/>
-        <p:nvPr/>
-      </p:nvGrpSpPr>
-      <p:grpSpPr>
-        <a:xfrm>
-          <a:off x="0" y="0"/>
-          <a:ext cx="0" cy="0"/>
-          <a:chOff x="0" y="0"/>
-          <a:chExt cx="0" cy="0"/>
-        </a:xfrm>
-      </p:grpSpPr>
-      <p:sp>
-        <p:nvSpPr>
-          <p:cNvPr id="615" name="Google Shape;615;p102"/>
-          <p:cNvSpPr txBox="1">
-            <a:spLocks noGrp="1"/>
-          </p:cNvSpPr>
-          <p:nvPr>
-            <p:ph type="title"/>
-          </p:nvPr>
-        </p:nvSpPr>
-        <p:spPr>
-          <a:xfrm>
-            <a:off x="2057400" y="533400"/>
-            <a:ext cx="8506800" cy="685800"/>
-          </a:xfrm>
-          <a:prstGeom prst="rect">
-            <a:avLst/>
-          </a:prstGeom>
-          <a:noFill/>
-          <a:ln>
-            <a:noFill/>
-          </a:ln>
-        </p:spPr>
-        <p:txBody>
-          <a:bodyPr spcFirstLastPara="1" vert="horz" wrap="square" lIns="91425" tIns="45700" rIns="91425" bIns="45700" rtlCol="0" anchor="ctr" anchorCtr="0">
-            <a:noAutofit/>
-          </a:bodyPr>
-          <a:lstStyle/>
-          <a:p>
-            <a:pPr>
-              <a:spcBef>
-                <a:spcPts val="0"/>
-              </a:spcBef>
-              <a:buClr>
-                <a:schemeClr val="dk1"/>
-              </a:buClr>
-            </a:pPr>
-            <a:r>
-              <a:rPr lang="en-US">
-                <a:solidFill>
-                  <a:schemeClr val="dk1"/>
-                </a:solidFill>
-              </a:rPr>
-              <a:t>Router Link</a:t>
-            </a:r>
-            <a:endParaRPr i="0" u="none" strike="noStrike" cap="none">
-              <a:solidFill>
-                <a:schemeClr val="dk1"/>
-              </a:solidFill>
-            </a:endParaRPr>
-          </a:p>
-        </p:txBody>
-      </p:sp>
-      <p:sp>
-        <p:nvSpPr>
-          <p:cNvPr id="616" name="Google Shape;616;p102"/>
-          <p:cNvSpPr txBox="1">
-            <a:spLocks noGrp="1"/>
-          </p:cNvSpPr>
-          <p:nvPr>
-            <p:ph idx="1"/>
-          </p:nvPr>
-        </p:nvSpPr>
-        <p:spPr>
-          <a:xfrm>
-            <a:off x="1977650" y="1219200"/>
-            <a:ext cx="8236800" cy="5196300"/>
-          </a:xfrm>
-          <a:prstGeom prst="rect">
-            <a:avLst/>
-          </a:prstGeom>
-          <a:noFill/>
-          <a:ln>
-            <a:noFill/>
-          </a:ln>
-        </p:spPr>
-        <p:txBody>
-          <a:bodyPr spcFirstLastPara="1" vert="horz" wrap="square" lIns="91425" tIns="45700" rIns="91425" bIns="45700" rtlCol="0" anchor="t" anchorCtr="0">
-            <a:noAutofit/>
-          </a:bodyPr>
-          <a:lstStyle/>
-          <a:p>
-            <a:pPr marL="0" indent="0">
-              <a:lnSpc>
-                <a:spcPct val="115000"/>
-              </a:lnSpc>
-              <a:spcBef>
-                <a:spcPts val="0"/>
-              </a:spcBef>
-              <a:buNone/>
-            </a:pPr>
-            <a:r>
-              <a:rPr lang="en-US">
-                <a:solidFill>
-                  <a:schemeClr val="dk1"/>
-                </a:solidFill>
-              </a:rPr>
-              <a:t>&lt;router-link&gt; is a component used to navigate to the HTML content to be displayed to the user. The to property is the destination</a:t>
-            </a:r>
-            <a:endParaRPr>
-              <a:solidFill>
-                <a:schemeClr val="dk1"/>
-              </a:solidFill>
-            </a:endParaRPr>
-          </a:p>
-          <a:p>
-            <a:pPr marL="0" indent="0">
-              <a:lnSpc>
-                <a:spcPct val="115000"/>
-              </a:lnSpc>
-              <a:spcBef>
-                <a:spcPts val="0"/>
-              </a:spcBef>
-              <a:buNone/>
-            </a:pPr>
-            <a:endParaRPr>
-              <a:solidFill>
-                <a:schemeClr val="dk1"/>
-              </a:solidFill>
-            </a:endParaRPr>
-          </a:p>
-          <a:p>
-            <a:pPr marL="0" indent="0">
-              <a:lnSpc>
-                <a:spcPct val="115000"/>
-              </a:lnSpc>
-              <a:spcBef>
-                <a:spcPts val="0"/>
-              </a:spcBef>
-              <a:buClr>
-                <a:schemeClr val="dk1"/>
-              </a:buClr>
-              <a:buSzPts val="1100"/>
-              <a:buNone/>
-            </a:pPr>
-            <a:r>
-              <a:rPr lang="en-US" sz="2400">
-                <a:solidFill>
-                  <a:schemeClr val="dk1"/>
-                </a:solidFill>
-              </a:rPr>
-              <a:t>&lt;p&gt;</a:t>
-            </a:r>
-            <a:endParaRPr sz="2400">
-              <a:solidFill>
-                <a:schemeClr val="dk1"/>
-              </a:solidFill>
-            </a:endParaRPr>
-          </a:p>
-          <a:p>
-            <a:pPr marL="0" indent="0">
-              <a:lnSpc>
-                <a:spcPct val="115000"/>
-              </a:lnSpc>
-              <a:spcBef>
-                <a:spcPts val="0"/>
-              </a:spcBef>
-              <a:buClr>
-                <a:schemeClr val="dk1"/>
-              </a:buClr>
-              <a:buSzPts val="1100"/>
-              <a:buNone/>
-            </a:pPr>
-            <a:r>
-              <a:rPr lang="en-US" sz="2400">
-                <a:solidFill>
-                  <a:schemeClr val="dk1"/>
-                </a:solidFill>
-              </a:rPr>
-              <a:t>&lt;router-link to = "/route1"&gt;Router Link 1&lt;/router-link&gt;</a:t>
-            </a:r>
-            <a:endParaRPr sz="2400">
-              <a:solidFill>
-                <a:schemeClr val="dk1"/>
-              </a:solidFill>
-            </a:endParaRPr>
-          </a:p>
-          <a:p>
-            <a:pPr marL="0" indent="0">
-              <a:lnSpc>
-                <a:spcPct val="115000"/>
-              </a:lnSpc>
-              <a:spcBef>
-                <a:spcPts val="0"/>
-              </a:spcBef>
-              <a:buClr>
-                <a:schemeClr val="dk1"/>
-              </a:buClr>
-              <a:buSzPts val="1100"/>
-              <a:buNone/>
-            </a:pPr>
-            <a:r>
-              <a:rPr lang="en-US" sz="2400">
-                <a:solidFill>
-                  <a:schemeClr val="dk1"/>
-                </a:solidFill>
-              </a:rPr>
-              <a:t>&lt;router-link to = "/route2"&gt;Router Link 2&lt;/router-link&gt;</a:t>
-            </a:r>
-            <a:endParaRPr sz="2400">
-              <a:solidFill>
-                <a:schemeClr val="dk1"/>
-              </a:solidFill>
-            </a:endParaRPr>
-          </a:p>
-          <a:p>
-            <a:pPr marL="0" indent="0">
-              <a:lnSpc>
-                <a:spcPct val="115000"/>
-              </a:lnSpc>
-              <a:spcBef>
-                <a:spcPts val="0"/>
-              </a:spcBef>
-              <a:buClr>
-                <a:schemeClr val="dk1"/>
-              </a:buClr>
-              <a:buSzPts val="1100"/>
-              <a:buNone/>
-            </a:pPr>
-            <a:r>
-              <a:rPr lang="en-US" sz="2400">
-                <a:solidFill>
-                  <a:schemeClr val="dk1"/>
-                </a:solidFill>
-              </a:rPr>
-              <a:t>&lt;/p&gt;</a:t>
-            </a:r>
-            <a:endParaRPr sz="2400">
-              <a:solidFill>
-                <a:schemeClr val="dk1"/>
-              </a:solidFill>
-            </a:endParaRPr>
-          </a:p>
-          <a:p>
-            <a:pPr marL="0" indent="0">
-              <a:lnSpc>
-                <a:spcPct val="115000"/>
-              </a:lnSpc>
-              <a:spcBef>
-                <a:spcPts val="0"/>
-              </a:spcBef>
-              <a:buNone/>
-            </a:pPr>
-            <a:endParaRPr>
-              <a:solidFill>
-                <a:schemeClr val="dk1"/>
-              </a:solidFill>
-            </a:endParaRPr>
-          </a:p>
-        </p:txBody>
-      </p:sp>
-    </p:spTree>
-    <p:extLst>
-      <p:ext uri="{BB962C8B-B14F-4D97-AF65-F5344CB8AC3E}">
-        <p14:creationId xmlns:p14="http://schemas.microsoft.com/office/powerpoint/2010/main" val="3941579514"/>
-      </p:ext>
-    </p:extLst>
-  </p:cSld>
-  <p:clrMapOvr>
-    <a:masterClrMapping/>
-  </p:clrMapOvr>
-</p:sld>
-</file>
-
-<file path=ppt/slides/slide21.xml><?xml version="1.0" encoding="utf-8"?>
-<p:sld xmlns:a="http://schemas.openxmlformats.org/drawingml/2006/main" xmlns:r="http://schemas.openxmlformats.org/officeDocument/2006/relationships" xmlns:p="http://schemas.openxmlformats.org/presentationml/2006/main">
-  <p:cSld>
-    <p:spTree>
-      <p:nvGrpSpPr>
-        <p:cNvPr id="1" name="Shape 620"/>
-        <p:cNvGrpSpPr/>
-        <p:nvPr/>
-      </p:nvGrpSpPr>
-      <p:grpSpPr>
-        <a:xfrm>
-          <a:off x="0" y="0"/>
-          <a:ext cx="0" cy="0"/>
-          <a:chOff x="0" y="0"/>
-          <a:chExt cx="0" cy="0"/>
-        </a:xfrm>
-      </p:grpSpPr>
-      <p:sp>
-        <p:nvSpPr>
-          <p:cNvPr id="621" name="Google Shape;621;p103"/>
-          <p:cNvSpPr txBox="1">
-            <a:spLocks noGrp="1"/>
-          </p:cNvSpPr>
-          <p:nvPr>
-            <p:ph type="title"/>
-          </p:nvPr>
-        </p:nvSpPr>
-        <p:spPr>
-          <a:xfrm>
-            <a:off x="2057400" y="533400"/>
-            <a:ext cx="8506800" cy="685800"/>
-          </a:xfrm>
-          <a:prstGeom prst="rect">
-            <a:avLst/>
-          </a:prstGeom>
-          <a:noFill/>
-          <a:ln>
-            <a:noFill/>
-          </a:ln>
-        </p:spPr>
-        <p:txBody>
-          <a:bodyPr spcFirstLastPara="1" vert="horz" wrap="square" lIns="91425" tIns="45700" rIns="91425" bIns="45700" rtlCol="0" anchor="ctr" anchorCtr="0">
-            <a:noAutofit/>
-          </a:bodyPr>
-          <a:lstStyle/>
-          <a:p>
-            <a:pPr>
-              <a:spcBef>
-                <a:spcPts val="0"/>
-              </a:spcBef>
-              <a:buClr>
-                <a:schemeClr val="dk1"/>
-              </a:buClr>
-            </a:pPr>
-            <a:r>
-              <a:rPr lang="en-US">
-                <a:solidFill>
-                  <a:schemeClr val="dk1"/>
-                </a:solidFill>
-              </a:rPr>
-              <a:t>Templates</a:t>
-            </a:r>
-            <a:endParaRPr i="0" u="none" strike="noStrike" cap="none">
-              <a:solidFill>
-                <a:schemeClr val="dk1"/>
-              </a:solidFill>
-            </a:endParaRPr>
-          </a:p>
-        </p:txBody>
-      </p:sp>
-      <p:sp>
-        <p:nvSpPr>
-          <p:cNvPr id="622" name="Google Shape;622;p103"/>
-          <p:cNvSpPr txBox="1">
-            <a:spLocks noGrp="1"/>
-          </p:cNvSpPr>
-          <p:nvPr>
-            <p:ph idx="1"/>
-          </p:nvPr>
-        </p:nvSpPr>
-        <p:spPr>
-          <a:xfrm>
-            <a:off x="1977650" y="1219200"/>
-            <a:ext cx="8236800" cy="5196300"/>
-          </a:xfrm>
-          <a:prstGeom prst="rect">
-            <a:avLst/>
-          </a:prstGeom>
-          <a:noFill/>
-          <a:ln>
-            <a:noFill/>
-          </a:ln>
-        </p:spPr>
-        <p:txBody>
-          <a:bodyPr spcFirstLastPara="1" vert="horz" wrap="square" lIns="91425" tIns="45700" rIns="91425" bIns="45700" rtlCol="0" anchor="t" anchorCtr="0">
-            <a:noAutofit/>
-          </a:bodyPr>
-          <a:lstStyle/>
-          <a:p>
-            <a:pPr marL="0" indent="0">
-              <a:lnSpc>
-                <a:spcPct val="115000"/>
-              </a:lnSpc>
-              <a:spcBef>
-                <a:spcPts val="0"/>
-              </a:spcBef>
-              <a:buNone/>
-            </a:pPr>
-            <a:r>
-              <a:rPr lang="en-US">
-                <a:solidFill>
-                  <a:schemeClr val="dk1"/>
-                </a:solidFill>
-              </a:rPr>
-              <a:t>You can define constants for the templates of each route</a:t>
-            </a:r>
-            <a:endParaRPr>
-              <a:solidFill>
-                <a:schemeClr val="dk1"/>
-              </a:solidFill>
-            </a:endParaRPr>
-          </a:p>
-          <a:p>
-            <a:pPr marL="0" indent="0">
-              <a:lnSpc>
-                <a:spcPct val="115000"/>
-              </a:lnSpc>
-              <a:spcBef>
-                <a:spcPts val="0"/>
-              </a:spcBef>
-              <a:buNone/>
-            </a:pPr>
-            <a:endParaRPr>
-              <a:solidFill>
-                <a:schemeClr val="dk1"/>
-              </a:solidFill>
-            </a:endParaRPr>
-          </a:p>
-          <a:p>
-            <a:pPr marL="0" indent="0">
-              <a:lnSpc>
-                <a:spcPct val="115000"/>
-              </a:lnSpc>
-              <a:spcBef>
-                <a:spcPts val="0"/>
-              </a:spcBef>
-              <a:buClr>
-                <a:schemeClr val="dk1"/>
-              </a:buClr>
-              <a:buSzPts val="1100"/>
-              <a:buNone/>
-            </a:pPr>
-            <a:r>
-              <a:rPr lang="en-US">
-                <a:solidFill>
-                  <a:schemeClr val="dk1"/>
-                </a:solidFill>
-              </a:rPr>
-              <a:t>const Route1 = { template: '...' }</a:t>
-            </a:r>
-            <a:endParaRPr>
-              <a:solidFill>
-                <a:schemeClr val="dk1"/>
-              </a:solidFill>
-            </a:endParaRPr>
-          </a:p>
-          <a:p>
-            <a:pPr marL="0" indent="0">
-              <a:lnSpc>
-                <a:spcPct val="115000"/>
-              </a:lnSpc>
-              <a:spcBef>
-                <a:spcPts val="0"/>
-              </a:spcBef>
-              <a:buClr>
-                <a:schemeClr val="dk1"/>
-              </a:buClr>
-              <a:buSzPts val="1100"/>
-              <a:buNone/>
-            </a:pPr>
-            <a:r>
-              <a:rPr lang="en-US">
-                <a:solidFill>
-                  <a:schemeClr val="dk1"/>
-                </a:solidFill>
-              </a:rPr>
-              <a:t>const Route2 = { template:' …'}</a:t>
-            </a:r>
-            <a:endParaRPr>
-              <a:solidFill>
-                <a:schemeClr val="dk1"/>
-              </a:solidFill>
-            </a:endParaRPr>
-          </a:p>
-          <a:p>
-            <a:pPr marL="0" indent="0">
-              <a:lnSpc>
-                <a:spcPct val="115000"/>
-              </a:lnSpc>
-              <a:spcBef>
-                <a:spcPts val="0"/>
-              </a:spcBef>
-              <a:buClr>
-                <a:schemeClr val="dk1"/>
-              </a:buClr>
-              <a:buSzPts val="1100"/>
-              <a:buNone/>
-            </a:pPr>
-            <a:r>
-              <a:rPr lang="en-US">
-                <a:solidFill>
-                  <a:schemeClr val="dk1"/>
-                </a:solidFill>
-              </a:rPr>
-              <a:t> </a:t>
-            </a:r>
-            <a:endParaRPr>
-              <a:solidFill>
-                <a:schemeClr val="dk1"/>
-              </a:solidFill>
-            </a:endParaRPr>
-          </a:p>
-          <a:p>
-            <a:pPr marL="0" indent="0">
-              <a:lnSpc>
-                <a:spcPct val="115000"/>
-              </a:lnSpc>
-              <a:spcBef>
-                <a:spcPts val="0"/>
-              </a:spcBef>
-              <a:buNone/>
-            </a:pPr>
-            <a:endParaRPr>
-              <a:solidFill>
-                <a:schemeClr val="dk1"/>
-              </a:solidFill>
-            </a:endParaRPr>
-          </a:p>
-        </p:txBody>
-      </p:sp>
-    </p:spTree>
-    <p:extLst>
-      <p:ext uri="{BB962C8B-B14F-4D97-AF65-F5344CB8AC3E}">
-        <p14:creationId xmlns:p14="http://schemas.microsoft.com/office/powerpoint/2010/main" val="3043954114"/>
-      </p:ext>
-    </p:extLst>
-  </p:cSld>
-  <p:clrMapOvr>
-    <a:masterClrMapping/>
-  </p:clrMapOvr>
-</p:sld>
-</file>
-
-<file path=ppt/slides/slide22.xml><?xml version="1.0" encoding="utf-8"?>
-<p:sld xmlns:a="http://schemas.openxmlformats.org/drawingml/2006/main" xmlns:r="http://schemas.openxmlformats.org/officeDocument/2006/relationships" xmlns:p="http://schemas.openxmlformats.org/presentationml/2006/main">
-  <p:cSld>
-    <p:spTree>
-      <p:nvGrpSpPr>
-        <p:cNvPr id="1" name="Shape 626"/>
-        <p:cNvGrpSpPr/>
-        <p:nvPr/>
-      </p:nvGrpSpPr>
-      <p:grpSpPr>
-        <a:xfrm>
-          <a:off x="0" y="0"/>
-          <a:ext cx="0" cy="0"/>
-          <a:chOff x="0" y="0"/>
-          <a:chExt cx="0" cy="0"/>
-        </a:xfrm>
-      </p:grpSpPr>
-      <p:sp>
-        <p:nvSpPr>
-          <p:cNvPr id="627" name="Google Shape;627;p104"/>
-          <p:cNvSpPr txBox="1">
-            <a:spLocks noGrp="1"/>
-          </p:cNvSpPr>
-          <p:nvPr>
-            <p:ph type="title"/>
-          </p:nvPr>
-        </p:nvSpPr>
-        <p:spPr>
-          <a:xfrm>
-            <a:off x="2057400" y="533400"/>
-            <a:ext cx="8506800" cy="685800"/>
-          </a:xfrm>
-          <a:prstGeom prst="rect">
-            <a:avLst/>
-          </a:prstGeom>
-          <a:noFill/>
-          <a:ln>
-            <a:noFill/>
-          </a:ln>
-        </p:spPr>
-        <p:txBody>
-          <a:bodyPr spcFirstLastPara="1" vert="horz" wrap="square" lIns="91425" tIns="45700" rIns="91425" bIns="45700" rtlCol="0" anchor="ctr" anchorCtr="0">
-            <a:noAutofit/>
-          </a:bodyPr>
-          <a:lstStyle/>
-          <a:p>
-            <a:pPr>
-              <a:spcBef>
-                <a:spcPts val="0"/>
-              </a:spcBef>
-              <a:buClr>
-                <a:schemeClr val="dk1"/>
-              </a:buClr>
-            </a:pPr>
-            <a:r>
-              <a:rPr lang="en-US">
-                <a:solidFill>
-                  <a:schemeClr val="dk1"/>
-                </a:solidFill>
-              </a:rPr>
-              <a:t>Route Path</a:t>
-            </a:r>
-            <a:endParaRPr i="0" u="none" strike="noStrike" cap="none">
-              <a:solidFill>
-                <a:schemeClr val="dk1"/>
-              </a:solidFill>
-            </a:endParaRPr>
-          </a:p>
-        </p:txBody>
-      </p:sp>
-      <p:sp>
-        <p:nvSpPr>
-          <p:cNvPr id="628" name="Google Shape;628;p104"/>
-          <p:cNvSpPr txBox="1">
-            <a:spLocks noGrp="1"/>
-          </p:cNvSpPr>
-          <p:nvPr>
-            <p:ph idx="1"/>
-          </p:nvPr>
-        </p:nvSpPr>
-        <p:spPr>
-          <a:xfrm>
-            <a:off x="1977650" y="1219200"/>
-            <a:ext cx="8236800" cy="5196300"/>
-          </a:xfrm>
-          <a:prstGeom prst="rect">
-            <a:avLst/>
-          </a:prstGeom>
-          <a:noFill/>
-          <a:ln>
-            <a:noFill/>
-          </a:ln>
-        </p:spPr>
-        <p:txBody>
-          <a:bodyPr spcFirstLastPara="1" vert="horz" wrap="square" lIns="91425" tIns="45700" rIns="91425" bIns="45700" rtlCol="0" anchor="t" anchorCtr="0">
-            <a:noAutofit/>
-          </a:bodyPr>
-          <a:lstStyle/>
-          <a:p>
-            <a:pPr marL="0" indent="0">
-              <a:lnSpc>
-                <a:spcPct val="115000"/>
-              </a:lnSpc>
-              <a:spcBef>
-                <a:spcPts val="0"/>
-              </a:spcBef>
-              <a:buNone/>
-            </a:pPr>
-            <a:r>
-              <a:rPr lang="en-US">
-                <a:solidFill>
-                  <a:schemeClr val="dk1"/>
-                </a:solidFill>
-              </a:rPr>
-              <a:t>You can define the constant to match the URL to each routes</a:t>
-            </a:r>
-            <a:endParaRPr>
-              <a:solidFill>
-                <a:schemeClr val="dk1"/>
-              </a:solidFill>
-            </a:endParaRPr>
-          </a:p>
-          <a:p>
-            <a:pPr marL="0" indent="0">
-              <a:lnSpc>
-                <a:spcPct val="115000"/>
-              </a:lnSpc>
-              <a:spcBef>
-                <a:spcPts val="0"/>
-              </a:spcBef>
-              <a:buNone/>
-            </a:pPr>
-            <a:endParaRPr>
-              <a:solidFill>
-                <a:schemeClr val="dk1"/>
-              </a:solidFill>
-            </a:endParaRPr>
-          </a:p>
-          <a:p>
-            <a:pPr marL="0" indent="0">
-              <a:lnSpc>
-                <a:spcPct val="115000"/>
-              </a:lnSpc>
-              <a:spcBef>
-                <a:spcPts val="0"/>
-              </a:spcBef>
-              <a:buNone/>
-            </a:pPr>
-            <a:r>
-              <a:rPr lang="en-US">
-                <a:solidFill>
-                  <a:schemeClr val="dk1"/>
-                </a:solidFill>
-              </a:rPr>
-              <a:t>const routes = [</a:t>
-            </a:r>
-            <a:endParaRPr>
-              <a:solidFill>
-                <a:schemeClr val="dk1"/>
-              </a:solidFill>
-            </a:endParaRPr>
-          </a:p>
-          <a:p>
-            <a:pPr marL="0" indent="0">
-              <a:lnSpc>
-                <a:spcPct val="115000"/>
-              </a:lnSpc>
-              <a:spcBef>
-                <a:spcPts val="0"/>
-              </a:spcBef>
-              <a:buNone/>
-            </a:pPr>
-            <a:r>
-              <a:rPr lang="en-US">
-                <a:solidFill>
-                  <a:schemeClr val="dk1"/>
-                </a:solidFill>
-              </a:rPr>
-              <a:t> { path: '/route1', component: Route1 },</a:t>
-            </a:r>
-            <a:endParaRPr>
-              <a:solidFill>
-                <a:schemeClr val="dk1"/>
-              </a:solidFill>
-            </a:endParaRPr>
-          </a:p>
-          <a:p>
-            <a:pPr marL="0" indent="0">
-              <a:lnSpc>
-                <a:spcPct val="115000"/>
-              </a:lnSpc>
-              <a:spcBef>
-                <a:spcPts val="0"/>
-              </a:spcBef>
-              <a:buNone/>
-            </a:pPr>
-            <a:r>
-              <a:rPr lang="en-US">
-                <a:solidFill>
-                  <a:schemeClr val="dk1"/>
-                </a:solidFill>
-              </a:rPr>
-              <a:t> { path: '/route2', component: Route2 }</a:t>
-            </a:r>
-            <a:endParaRPr>
-              <a:solidFill>
-                <a:schemeClr val="dk1"/>
-              </a:solidFill>
-            </a:endParaRPr>
-          </a:p>
-          <a:p>
-            <a:pPr marL="0" indent="0">
-              <a:lnSpc>
-                <a:spcPct val="115000"/>
-              </a:lnSpc>
-              <a:spcBef>
-                <a:spcPts val="0"/>
-              </a:spcBef>
-              <a:buNone/>
-            </a:pPr>
-            <a:r>
-              <a:rPr lang="en-US">
-                <a:solidFill>
-                  <a:schemeClr val="dk1"/>
-                </a:solidFill>
-              </a:rPr>
-              <a:t>];</a:t>
-            </a:r>
-            <a:endParaRPr>
-              <a:solidFill>
-                <a:schemeClr val="dk1"/>
-              </a:solidFill>
-            </a:endParaRPr>
-          </a:p>
-          <a:p>
-            <a:pPr marL="0" indent="0">
-              <a:lnSpc>
-                <a:spcPct val="115000"/>
-              </a:lnSpc>
-              <a:spcBef>
-                <a:spcPts val="0"/>
-              </a:spcBef>
-              <a:buNone/>
-            </a:pPr>
-            <a:endParaRPr>
-              <a:solidFill>
-                <a:schemeClr val="dk1"/>
-              </a:solidFill>
-            </a:endParaRPr>
-          </a:p>
-          <a:p>
-            <a:pPr marL="0" indent="0">
-              <a:lnSpc>
-                <a:spcPct val="115000"/>
-              </a:lnSpc>
-              <a:spcBef>
-                <a:spcPts val="0"/>
-              </a:spcBef>
-              <a:buNone/>
-            </a:pPr>
-            <a:r>
-              <a:rPr lang="en-US">
-                <a:solidFill>
-                  <a:schemeClr val="dk1"/>
-                </a:solidFill>
-              </a:rPr>
-              <a:t> </a:t>
-            </a:r>
-            <a:endParaRPr>
-              <a:solidFill>
-                <a:schemeClr val="dk1"/>
-              </a:solidFill>
-            </a:endParaRPr>
-          </a:p>
-          <a:p>
-            <a:pPr marL="0" indent="0">
-              <a:lnSpc>
-                <a:spcPct val="115000"/>
-              </a:lnSpc>
-              <a:spcBef>
-                <a:spcPts val="0"/>
-              </a:spcBef>
-              <a:buNone/>
-            </a:pPr>
-            <a:endParaRPr>
-              <a:solidFill>
-                <a:schemeClr val="dk1"/>
-              </a:solidFill>
-            </a:endParaRPr>
-          </a:p>
-        </p:txBody>
-      </p:sp>
-    </p:spTree>
-    <p:extLst>
-      <p:ext uri="{BB962C8B-B14F-4D97-AF65-F5344CB8AC3E}">
-        <p14:creationId xmlns:p14="http://schemas.microsoft.com/office/powerpoint/2010/main" val="242815968"/>
-      </p:ext>
-    </p:extLst>
-  </p:cSld>
-  <p:clrMapOvr>
-    <a:masterClrMapping/>
-  </p:clrMapOvr>
-</p:sld>
-</file>
-
-<file path=ppt/slides/slide23.xml><?xml version="1.0" encoding="utf-8"?>
-<p:sld xmlns:a="http://schemas.openxmlformats.org/drawingml/2006/main" xmlns:r="http://schemas.openxmlformats.org/officeDocument/2006/relationships" xmlns:p="http://schemas.openxmlformats.org/presentationml/2006/main">
-  <p:cSld>
-    <p:spTree>
-      <p:nvGrpSpPr>
-        <p:cNvPr id="1" name="Shape 632"/>
-        <p:cNvGrpSpPr/>
-        <p:nvPr/>
-      </p:nvGrpSpPr>
-      <p:grpSpPr>
-        <a:xfrm>
-          <a:off x="0" y="0"/>
-          <a:ext cx="0" cy="0"/>
-          <a:chOff x="0" y="0"/>
-          <a:chExt cx="0" cy="0"/>
-        </a:xfrm>
-      </p:grpSpPr>
-      <p:sp>
-        <p:nvSpPr>
-          <p:cNvPr id="633" name="Google Shape;633;p105"/>
-          <p:cNvSpPr txBox="1">
-            <a:spLocks noGrp="1"/>
-          </p:cNvSpPr>
-          <p:nvPr>
-            <p:ph type="title"/>
-          </p:nvPr>
-        </p:nvSpPr>
-        <p:spPr>
-          <a:xfrm>
-            <a:off x="2057400" y="533400"/>
-            <a:ext cx="8506800" cy="685800"/>
-          </a:xfrm>
-          <a:prstGeom prst="rect">
-            <a:avLst/>
-          </a:prstGeom>
-          <a:noFill/>
-          <a:ln>
-            <a:noFill/>
-          </a:ln>
-        </p:spPr>
-        <p:txBody>
-          <a:bodyPr spcFirstLastPara="1" vert="horz" wrap="square" lIns="91425" tIns="45700" rIns="91425" bIns="45700" rtlCol="0" anchor="ctr" anchorCtr="0">
-            <a:noAutofit/>
-          </a:bodyPr>
-          <a:lstStyle/>
-          <a:p>
-            <a:pPr>
-              <a:spcBef>
-                <a:spcPts val="0"/>
-              </a:spcBef>
-              <a:buClr>
-                <a:schemeClr val="dk1"/>
-              </a:buClr>
-            </a:pPr>
-            <a:r>
-              <a:rPr lang="en-US">
-                <a:solidFill>
-                  <a:schemeClr val="dk1"/>
-                </a:solidFill>
-              </a:rPr>
-              <a:t>Router Instance</a:t>
-            </a:r>
-            <a:endParaRPr i="0" u="none" strike="noStrike" cap="none">
-              <a:solidFill>
-                <a:schemeClr val="dk1"/>
-              </a:solidFill>
-            </a:endParaRPr>
-          </a:p>
-        </p:txBody>
-      </p:sp>
-      <p:sp>
-        <p:nvSpPr>
-          <p:cNvPr id="634" name="Google Shape;634;p105"/>
-          <p:cNvSpPr txBox="1">
-            <a:spLocks noGrp="1"/>
-          </p:cNvSpPr>
-          <p:nvPr>
-            <p:ph idx="1"/>
-          </p:nvPr>
-        </p:nvSpPr>
-        <p:spPr>
-          <a:xfrm>
-            <a:off x="1977650" y="1219200"/>
-            <a:ext cx="8236800" cy="5196300"/>
-          </a:xfrm>
-          <a:prstGeom prst="rect">
-            <a:avLst/>
-          </a:prstGeom>
-          <a:noFill/>
-          <a:ln>
-            <a:noFill/>
-          </a:ln>
-        </p:spPr>
-        <p:txBody>
-          <a:bodyPr spcFirstLastPara="1" vert="horz" wrap="square" lIns="91425" tIns="45700" rIns="91425" bIns="45700" rtlCol="0" anchor="t" anchorCtr="0">
-            <a:noAutofit/>
-          </a:bodyPr>
-          <a:lstStyle/>
-          <a:p>
-            <a:pPr marL="0" indent="0">
-              <a:lnSpc>
-                <a:spcPct val="115000"/>
-              </a:lnSpc>
-              <a:spcBef>
-                <a:spcPts val="0"/>
-              </a:spcBef>
-              <a:buNone/>
-            </a:pPr>
-            <a:r>
-              <a:rPr lang="en-US">
-                <a:solidFill>
-                  <a:schemeClr val="dk1"/>
-                </a:solidFill>
-              </a:rPr>
-              <a:t>The VueRouter constructor takes the routes as the param</a:t>
-            </a:r>
-            <a:endParaRPr>
-              <a:solidFill>
-                <a:schemeClr val="dk1"/>
-              </a:solidFill>
-            </a:endParaRPr>
-          </a:p>
-          <a:p>
-            <a:pPr marL="0" indent="0">
-              <a:lnSpc>
-                <a:spcPct val="115000"/>
-              </a:lnSpc>
-              <a:spcBef>
-                <a:spcPts val="0"/>
-              </a:spcBef>
-              <a:buNone/>
-            </a:pPr>
-            <a:r>
-              <a:rPr lang="en-US">
-                <a:solidFill>
-                  <a:schemeClr val="dk1"/>
-                </a:solidFill>
-              </a:rPr>
-              <a:t> </a:t>
-            </a:r>
-            <a:endParaRPr>
-              <a:solidFill>
-                <a:schemeClr val="dk1"/>
-              </a:solidFill>
-            </a:endParaRPr>
-          </a:p>
-          <a:p>
-            <a:pPr marL="0" indent="0">
-              <a:lnSpc>
-                <a:spcPct val="115000"/>
-              </a:lnSpc>
-              <a:spcBef>
-                <a:spcPts val="0"/>
-              </a:spcBef>
-              <a:buNone/>
-            </a:pPr>
-            <a:r>
-              <a:rPr lang="en-US">
-                <a:solidFill>
-                  <a:schemeClr val="dk1"/>
-                </a:solidFill>
-              </a:rPr>
-              <a:t>const router = new VueRouter({</a:t>
-            </a:r>
-            <a:endParaRPr>
-              <a:solidFill>
-                <a:schemeClr val="dk1"/>
-              </a:solidFill>
-            </a:endParaRPr>
-          </a:p>
-          <a:p>
-            <a:pPr marL="0" indent="0">
-              <a:lnSpc>
-                <a:spcPct val="115000"/>
-              </a:lnSpc>
-              <a:spcBef>
-                <a:spcPts val="0"/>
-              </a:spcBef>
-              <a:buNone/>
-            </a:pPr>
-            <a:r>
-              <a:rPr lang="en-US">
-                <a:solidFill>
-                  <a:schemeClr val="dk1"/>
-                </a:solidFill>
-              </a:rPr>
-              <a:t>            routes: routes</a:t>
-            </a:r>
-            <a:endParaRPr>
-              <a:solidFill>
-                <a:schemeClr val="dk1"/>
-              </a:solidFill>
-            </a:endParaRPr>
-          </a:p>
-          <a:p>
-            <a:pPr marL="0" indent="0">
-              <a:lnSpc>
-                <a:spcPct val="115000"/>
-              </a:lnSpc>
-              <a:spcBef>
-                <a:spcPts val="0"/>
-              </a:spcBef>
-              <a:buNone/>
-            </a:pPr>
-            <a:r>
-              <a:rPr lang="en-US">
-                <a:solidFill>
-                  <a:schemeClr val="dk1"/>
-                </a:solidFill>
-              </a:rPr>
-              <a:t>         });</a:t>
-            </a:r>
-            <a:endParaRPr>
-              <a:solidFill>
-                <a:schemeClr val="dk1"/>
-              </a:solidFill>
-            </a:endParaRPr>
-          </a:p>
-          <a:p>
-            <a:pPr marL="0" indent="0">
-              <a:lnSpc>
-                <a:spcPct val="115000"/>
-              </a:lnSpc>
-              <a:spcBef>
-                <a:spcPts val="0"/>
-              </a:spcBef>
-              <a:buNone/>
-            </a:pPr>
-            <a:endParaRPr>
-              <a:solidFill>
-                <a:schemeClr val="dk1"/>
-              </a:solidFill>
-            </a:endParaRPr>
-          </a:p>
-          <a:p>
-            <a:pPr marL="0" indent="0">
-              <a:lnSpc>
-                <a:spcPct val="115000"/>
-              </a:lnSpc>
-              <a:spcBef>
-                <a:spcPts val="0"/>
-              </a:spcBef>
-              <a:buNone/>
-            </a:pPr>
-            <a:endParaRPr>
-              <a:solidFill>
-                <a:schemeClr val="dk1"/>
-              </a:solidFill>
-            </a:endParaRPr>
-          </a:p>
-          <a:p>
-            <a:pPr marL="0" indent="0">
-              <a:lnSpc>
-                <a:spcPct val="115000"/>
-              </a:lnSpc>
-              <a:spcBef>
-                <a:spcPts val="0"/>
-              </a:spcBef>
-              <a:buNone/>
-            </a:pPr>
-            <a:endParaRPr>
-              <a:solidFill>
-                <a:schemeClr val="dk1"/>
-              </a:solidFill>
-            </a:endParaRPr>
-          </a:p>
-          <a:p>
-            <a:pPr marL="0" indent="0">
-              <a:lnSpc>
-                <a:spcPct val="115000"/>
-              </a:lnSpc>
-              <a:spcBef>
-                <a:spcPts val="0"/>
-              </a:spcBef>
-              <a:buNone/>
-            </a:pPr>
-            <a:r>
-              <a:rPr lang="en-US">
-                <a:solidFill>
-                  <a:schemeClr val="dk1"/>
-                </a:solidFill>
-              </a:rPr>
-              <a:t> </a:t>
-            </a:r>
-            <a:endParaRPr>
-              <a:solidFill>
-                <a:schemeClr val="dk1"/>
-              </a:solidFill>
-            </a:endParaRPr>
-          </a:p>
-          <a:p>
-            <a:pPr marL="0" indent="0">
-              <a:lnSpc>
-                <a:spcPct val="115000"/>
-              </a:lnSpc>
-              <a:spcBef>
-                <a:spcPts val="0"/>
-              </a:spcBef>
-              <a:buNone/>
-            </a:pPr>
-            <a:endParaRPr>
-              <a:solidFill>
-                <a:schemeClr val="dk1"/>
-              </a:solidFill>
-            </a:endParaRPr>
-          </a:p>
-        </p:txBody>
-      </p:sp>
-      <p:pic>
-        <p:nvPicPr>
-          <p:cNvPr id="635" name="Google Shape;635;p105"/>
-          <p:cNvPicPr preferRelativeResize="0"/>
-          <p:nvPr/>
-        </p:nvPicPr>
-        <p:blipFill>
-          <a:blip r:embed="rId3">
-            <a:alphaModFix/>
-          </a:blip>
-          <a:stretch>
-            <a:fillRect/>
-          </a:stretch>
-        </p:blipFill>
-        <p:spPr>
-          <a:xfrm>
-            <a:off x="5613500" y="3950176"/>
-            <a:ext cx="4076000" cy="2465325"/>
-          </a:xfrm>
-          <a:prstGeom prst="rect">
-            <a:avLst/>
-          </a:prstGeom>
-          <a:noFill/>
-          <a:ln>
-            <a:noFill/>
-          </a:ln>
-        </p:spPr>
-      </p:pic>
-    </p:spTree>
-    <p:extLst>
-      <p:ext uri="{BB962C8B-B14F-4D97-AF65-F5344CB8AC3E}">
-        <p14:creationId xmlns:p14="http://schemas.microsoft.com/office/powerpoint/2010/main" val="2894205494"/>
-      </p:ext>
-    </p:extLst>
-  </p:cSld>
-  <p:clrMapOvr>
-    <a:masterClrMapping/>
-  </p:clrMapOvr>
-</p:sld>
-</file>
-
-<file path=ppt/slides/slide24.xml><?xml version="1.0" encoding="utf-8"?>
-<p:sld xmlns:a="http://schemas.openxmlformats.org/drawingml/2006/main" xmlns:r="http://schemas.openxmlformats.org/officeDocument/2006/relationships" xmlns:p="http://schemas.openxmlformats.org/presentationml/2006/main">
-  <p:cSld>
-    <p:spTree>
-      <p:nvGrpSpPr>
-        <p:cNvPr id="1" name="Shape 639"/>
-        <p:cNvGrpSpPr/>
-        <p:nvPr/>
-      </p:nvGrpSpPr>
-      <p:grpSpPr>
-        <a:xfrm>
-          <a:off x="0" y="0"/>
-          <a:ext cx="0" cy="0"/>
-          <a:chOff x="0" y="0"/>
-          <a:chExt cx="0" cy="0"/>
-        </a:xfrm>
-      </p:grpSpPr>
-      <p:sp>
-        <p:nvSpPr>
-          <p:cNvPr id="641" name="Google Shape;641;p106"/>
-          <p:cNvSpPr txBox="1">
-            <a:spLocks noGrp="1"/>
-          </p:cNvSpPr>
-          <p:nvPr>
-            <p:ph type="title"/>
-          </p:nvPr>
-        </p:nvSpPr>
-        <p:spPr>
-          <a:xfrm>
-            <a:off x="1788675" y="372300"/>
-            <a:ext cx="7957800" cy="685800"/>
-          </a:xfrm>
-          <a:prstGeom prst="rect">
-            <a:avLst/>
-          </a:prstGeom>
-          <a:noFill/>
-          <a:ln>
-            <a:noFill/>
-          </a:ln>
-        </p:spPr>
-        <p:txBody>
-          <a:bodyPr spcFirstLastPara="1" vert="horz" wrap="square" lIns="91425" tIns="45700" rIns="91425" bIns="45700" rtlCol="0" anchor="ctr" anchorCtr="0">
-            <a:noAutofit/>
-          </a:bodyPr>
-          <a:lstStyle/>
-          <a:p>
-            <a:pPr>
-              <a:spcBef>
-                <a:spcPts val="0"/>
-              </a:spcBef>
-              <a:buClr>
-                <a:schemeClr val="dk1"/>
-              </a:buClr>
-            </a:pPr>
-            <a:r>
-              <a:rPr lang="en-US">
-                <a:solidFill>
-                  <a:schemeClr val="dk1"/>
-                </a:solidFill>
-              </a:rPr>
-              <a:t>Ex: Router</a:t>
-            </a:r>
-            <a:endParaRPr i="0" u="none" strike="noStrike" cap="none">
-              <a:solidFill>
-                <a:schemeClr val="dk1"/>
-              </a:solidFill>
-            </a:endParaRPr>
-          </a:p>
-        </p:txBody>
-      </p:sp>
-      <p:sp>
-        <p:nvSpPr>
-          <p:cNvPr id="640" name="Google Shape;640;p106"/>
-          <p:cNvSpPr txBox="1">
-            <a:spLocks noGrp="1"/>
-          </p:cNvSpPr>
-          <p:nvPr>
-            <p:ph idx="1"/>
-          </p:nvPr>
-        </p:nvSpPr>
-        <p:spPr>
-          <a:xfrm>
-            <a:off x="1850275" y="1275075"/>
-            <a:ext cx="8741100" cy="5364300"/>
-          </a:xfrm>
-          <a:prstGeom prst="rect">
-            <a:avLst/>
-          </a:prstGeom>
-          <a:noFill/>
-          <a:ln>
-            <a:noFill/>
-          </a:ln>
-        </p:spPr>
-        <p:txBody>
-          <a:bodyPr spcFirstLastPara="1" vert="horz" wrap="square" lIns="91425" tIns="45700" rIns="91425" bIns="45700" rtlCol="0" anchor="t" anchorCtr="0">
-            <a:noAutofit/>
-          </a:bodyPr>
-          <a:lstStyle/>
-          <a:p>
-            <a:pPr marL="0" indent="0">
-              <a:spcBef>
-                <a:spcPts val="500"/>
-              </a:spcBef>
-              <a:buClr>
-                <a:schemeClr val="dk1"/>
-              </a:buClr>
-              <a:buSzPts val="1100"/>
-              <a:buNone/>
-            </a:pPr>
-            <a:r>
-              <a:rPr lang="en-US">
-                <a:solidFill>
-                  <a:schemeClr val="dk1"/>
-                </a:solidFill>
-              </a:rPr>
-              <a:t>Add one more routes Route3 to the router demo</a:t>
-            </a:r>
-            <a:endParaRPr>
-              <a:solidFill>
-                <a:schemeClr val="dk1"/>
-              </a:solidFill>
-            </a:endParaRPr>
-          </a:p>
-          <a:p>
-            <a:pPr marL="0" indent="0">
-              <a:spcBef>
-                <a:spcPts val="500"/>
-              </a:spcBef>
-              <a:buClr>
-                <a:schemeClr val="dk1"/>
-              </a:buClr>
-              <a:buSzPts val="1100"/>
-              <a:buNone/>
-            </a:pPr>
-            <a:endParaRPr>
-              <a:solidFill>
-                <a:schemeClr val="dk1"/>
-              </a:solidFill>
-            </a:endParaRPr>
-          </a:p>
-          <a:p>
-            <a:pPr marL="0" indent="0">
-              <a:spcBef>
-                <a:spcPts val="500"/>
-              </a:spcBef>
-              <a:buClr>
-                <a:schemeClr val="dk1"/>
-              </a:buClr>
-              <a:buSzPts val="1100"/>
-              <a:buNone/>
-            </a:pPr>
-            <a:endParaRPr>
-              <a:solidFill>
-                <a:schemeClr val="dk1"/>
-              </a:solidFill>
-            </a:endParaRPr>
-          </a:p>
-          <a:p>
-            <a:pPr marL="0" indent="0">
-              <a:spcBef>
-                <a:spcPts val="500"/>
-              </a:spcBef>
-              <a:buClr>
-                <a:schemeClr val="dk1"/>
-              </a:buClr>
-              <a:buSzPts val="1100"/>
-              <a:buNone/>
-            </a:pPr>
-            <a:endParaRPr>
-              <a:solidFill>
-                <a:schemeClr val="dk1"/>
-              </a:solidFill>
-            </a:endParaRPr>
-          </a:p>
-          <a:p>
-            <a:pPr marL="0" indent="0">
-              <a:spcBef>
-                <a:spcPts val="500"/>
-              </a:spcBef>
-              <a:buClr>
-                <a:schemeClr val="dk1"/>
-              </a:buClr>
-              <a:buSzPts val="1100"/>
-              <a:buNone/>
-            </a:pPr>
-            <a:endParaRPr>
-              <a:solidFill>
-                <a:schemeClr val="dk1"/>
-              </a:solidFill>
-            </a:endParaRPr>
-          </a:p>
-          <a:p>
-            <a:pPr marL="0" indent="0">
-              <a:spcBef>
-                <a:spcPts val="500"/>
-              </a:spcBef>
-              <a:buClr>
-                <a:schemeClr val="dk1"/>
-              </a:buClr>
-              <a:buSzPts val="1100"/>
-              <a:buNone/>
-            </a:pPr>
-            <a:r>
-              <a:rPr lang="en-US">
-                <a:solidFill>
-                  <a:schemeClr val="dk1"/>
-                </a:solidFill>
-              </a:rPr>
-              <a:t>Time: 5 mins</a:t>
-            </a:r>
-            <a:endParaRPr>
-              <a:solidFill>
-                <a:schemeClr val="dk1"/>
-              </a:solidFill>
-            </a:endParaRPr>
-          </a:p>
-        </p:txBody>
-      </p:sp>
-    </p:spTree>
-    <p:extLst>
-      <p:ext uri="{BB962C8B-B14F-4D97-AF65-F5344CB8AC3E}">
-        <p14:creationId xmlns:p14="http://schemas.microsoft.com/office/powerpoint/2010/main" val="2346822006"/>
-      </p:ext>
-    </p:extLst>
-  </p:cSld>
-  <p:clrMapOvr>
-    <a:masterClrMapping/>
-  </p:clrMapOvr>
-</p:sld>
-</file>
-
-<file path=ppt/slides/slide3.xml><?xml version="1.0" encoding="utf-8"?>
-<p:sld xmlns:a="http://schemas.openxmlformats.org/drawingml/2006/main" xmlns:r="http://schemas.openxmlformats.org/officeDocument/2006/relationships" xmlns:p="http://schemas.openxmlformats.org/presentationml/2006/main">
-  <p:cSld>
-    <p:spTree>
-      <p:nvGrpSpPr>
-        <p:cNvPr id="1" name=""/>
-        <p:cNvGrpSpPr/>
-        <p:nvPr/>
-      </p:nvGrpSpPr>
-      <p:grpSpPr>
-        <a:xfrm>
-          <a:off x="0" y="0"/>
-          <a:ext cx="0" cy="0"/>
-          <a:chOff x="0" y="0"/>
-          <a:chExt cx="0" cy="0"/>
-        </a:xfrm>
-      </p:grpSpPr>
-      <p:sp>
-        <p:nvSpPr>
-          <p:cNvPr id="2" name="Title 1"/>
-          <p:cNvSpPr>
-            <a:spLocks noGrp="1"/>
-          </p:cNvSpPr>
-          <p:nvPr>
-            <p:ph type="title"/>
-          </p:nvPr>
-        </p:nvSpPr>
-        <p:spPr/>
-        <p:txBody>
-          <a:bodyPr/>
-          <a:lstStyle/>
-          <a:p>
             <a:r>
               <a:rPr lang="en-SG" dirty="0" smtClean="0"/>
-              <a:t>Module 1 - </a:t>
-            </a:r>
-            <a:r>
-              <a:rPr lang="en-SG" dirty="0" smtClean="0"/>
-              <a:t>Advanced </a:t>
-            </a:r>
-            <a:r>
-              <a:rPr lang="en-SG" dirty="0" smtClean="0"/>
-              <a:t>Components</a:t>
+              <a:t>Module 1 - Advanced Components</a:t>
             </a:r>
             <a:endParaRPr lang="en-SG" dirty="0"/>
           </a:p>
@@ -8838,7 +7786,7 @@
         <p:spPr>
           <a:xfrm>
             <a:off x="829574" y="1552754"/>
-            <a:ext cx="10876472" cy="3693319"/>
+            <a:ext cx="10876472" cy="3139321"/>
           </a:xfrm>
           <a:prstGeom prst="rect">
             <a:avLst/>
@@ -8851,20 +7799,23 @@
           </a:bodyPr>
           <a:lstStyle/>
           <a:p>
+            <a:endParaRPr lang="en-SG" dirty="0" smtClean="0"/>
+          </a:p>
+          <a:p>
             <a:pPr marL="342900" indent="-342900">
               <a:buFont typeface="+mj-lt"/>
               <a:buAutoNum type="arabicPeriod"/>
             </a:pPr>
             <a:r>
               <a:rPr lang="en-SG" dirty="0" smtClean="0"/>
-              <a:t>Slots</a:t>
+              <a:t>Dynamics</a:t>
             </a:r>
             <a:br>
               <a:rPr lang="en-SG" dirty="0" smtClean="0"/>
             </a:br>
             <a:r>
               <a:rPr lang="en-SG" dirty="0" smtClean="0"/>
-              <a:t>Easy way to pass from Parent to Child</a:t>
+              <a:t>Catching and ‘Not Reloading’ a component when you go back</a:t>
             </a:r>
             <a:br>
               <a:rPr lang="en-SG" dirty="0" smtClean="0"/>
@@ -8877,27 +7828,6 @@
               <a:buAutoNum type="arabicPeriod"/>
             </a:pPr>
             <a:r>
-              <a:rPr lang="en-SG" dirty="0" smtClean="0"/>
-              <a:t>Dynamics</a:t>
-            </a:r>
-            <a:br>
-              <a:rPr lang="en-SG" dirty="0" smtClean="0"/>
-            </a:br>
-            <a:r>
-              <a:rPr lang="en-SG" dirty="0" smtClean="0"/>
-              <a:t>Catching and ‘Not Reloading’ a component when you go back</a:t>
-            </a:r>
-            <a:br>
-              <a:rPr lang="en-SG" dirty="0" smtClean="0"/>
-            </a:br>
-            <a:endParaRPr lang="en-SG" dirty="0" smtClean="0"/>
-          </a:p>
-          <a:p>
-            <a:pPr marL="342900" indent="-342900">
-              <a:buFont typeface="+mj-lt"/>
-              <a:buAutoNum type="arabicPeriod"/>
-            </a:pPr>
-            <a:r>
               <a:rPr lang="en-SG" dirty="0" err="1" smtClean="0"/>
               <a:t>Async</a:t>
             </a:r>
@@ -8913,7 +7843,7 @@
             </a:r>
             <a:r>
               <a:rPr lang="en-SG" dirty="0" smtClean="0"/>
-              <a:t>      Only loading a component when you ask for it. Turn it into a function</a:t>
+              <a:t>      Only loading a component when you ask for it. View This Later in the SPA </a:t>
             </a:r>
             <a:br>
               <a:rPr lang="en-SG" dirty="0" smtClean="0"/>
@@ -8959,7 +7889,7 @@
 </p:sld>
 </file>
 
-<file path=ppt/slides/slide4.xml><?xml version="1.0" encoding="utf-8"?>
+<file path=ppt/slides/slide5.xml><?xml version="1.0" encoding="utf-8"?>
 <p:sld xmlns:a="http://schemas.openxmlformats.org/drawingml/2006/main" xmlns:r="http://schemas.openxmlformats.org/officeDocument/2006/relationships" xmlns:p="http://schemas.openxmlformats.org/presentationml/2006/main">
   <p:cSld>
     <p:spTree>
@@ -9306,106 +8236,6 @@
 </p:sld>
 </file>
 
-<file path=ppt/slides/slide5.xml><?xml version="1.0" encoding="utf-8"?>
-<p:sld xmlns:a="http://schemas.openxmlformats.org/drawingml/2006/main" xmlns:r="http://schemas.openxmlformats.org/officeDocument/2006/relationships" xmlns:p="http://schemas.openxmlformats.org/presentationml/2006/main">
-  <p:cSld>
-    <p:spTree>
-      <p:nvGrpSpPr>
-        <p:cNvPr id="1" name=""/>
-        <p:cNvGrpSpPr/>
-        <p:nvPr/>
-      </p:nvGrpSpPr>
-      <p:grpSpPr>
-        <a:xfrm>
-          <a:off x="0" y="0"/>
-          <a:ext cx="0" cy="0"/>
-          <a:chOff x="0" y="0"/>
-          <a:chExt cx="0" cy="0"/>
-        </a:xfrm>
-      </p:grpSpPr>
-      <p:sp>
-        <p:nvSpPr>
-          <p:cNvPr id="2" name="Title 1"/>
-          <p:cNvSpPr>
-            <a:spLocks noGrp="1"/>
-          </p:cNvSpPr>
-          <p:nvPr>
-            <p:ph type="title"/>
-          </p:nvPr>
-        </p:nvSpPr>
-        <p:spPr/>
-        <p:txBody>
-          <a:bodyPr/>
-          <a:lstStyle/>
-          <a:p>
-            <a:r>
-              <a:rPr lang="en-SG" dirty="0" smtClean="0"/>
-              <a:t>Module 2 - Prop (Properties)</a:t>
-            </a:r>
-            <a:endParaRPr lang="en-SG" dirty="0"/>
-          </a:p>
-        </p:txBody>
-      </p:sp>
-      <p:sp>
-        <p:nvSpPr>
-          <p:cNvPr id="3" name="Content Placeholder 2"/>
-          <p:cNvSpPr>
-            <a:spLocks noGrp="1"/>
-          </p:cNvSpPr>
-          <p:nvPr>
-            <p:ph idx="1"/>
-          </p:nvPr>
-        </p:nvSpPr>
-        <p:spPr/>
-        <p:txBody>
-          <a:bodyPr/>
-          <a:lstStyle/>
-          <a:p>
-            <a:r>
-              <a:rPr lang="en-US" dirty="0"/>
-              <a:t>Dynamic Props </a:t>
-            </a:r>
-            <a:br>
-              <a:rPr lang="en-US" dirty="0"/>
-            </a:br>
-            <a:r>
-              <a:rPr lang="en-US" dirty="0"/>
-              <a:t>Using props but binding the input so that you can pass variables from grandparent -&gt; parent -&gt; child</a:t>
-            </a:r>
-            <a:br>
-              <a:rPr lang="en-US" dirty="0"/>
-            </a:br>
-            <a:endParaRPr lang="en-US" dirty="0"/>
-          </a:p>
-          <a:p>
-            <a:r>
-              <a:rPr lang="en-US" dirty="0"/>
-              <a:t>Props validation </a:t>
-            </a:r>
-            <a:br>
-              <a:rPr lang="en-US" dirty="0"/>
-            </a:br>
-            <a:r>
-              <a:rPr lang="en-US" dirty="0"/>
-              <a:t>added a Type so you don’t get passes nonsense</a:t>
-            </a:r>
-            <a:endParaRPr lang="en-SG" dirty="0"/>
-          </a:p>
-        </p:txBody>
-      </p:sp>
-    </p:spTree>
-    <p:extLst>
-      <p:ext uri="{BB962C8B-B14F-4D97-AF65-F5344CB8AC3E}">
-        <p14:creationId xmlns:p14="http://schemas.microsoft.com/office/powerpoint/2010/main" val="1985838212"/>
-      </p:ext>
-    </p:extLst>
-  </p:cSld>
-  <p:clrMapOvr>
-    <a:masterClrMapping/>
-  </p:clrMapOvr>
-</p:sld>
-</file>
-
 <file path=ppt/slides/slide6.xml><?xml version="1.0" encoding="utf-8"?>
 <p:sld xmlns:a="http://schemas.openxmlformats.org/drawingml/2006/main" xmlns:r="http://schemas.openxmlformats.org/officeDocument/2006/relationships" xmlns:p="http://schemas.openxmlformats.org/presentationml/2006/main">
   <p:cSld>
@@ -9425,7 +8255,7 @@
       </p:grpSpPr>
       <p:sp>
         <p:nvSpPr>
-          <p:cNvPr id="7" name="Title 6"/>
+          <p:cNvPr id="2" name="Title 1"/>
           <p:cNvSpPr>
             <a:spLocks noGrp="1"/>
           </p:cNvSpPr>
@@ -9440,19 +8270,7 @@
           <a:p>
             <a:r>
               <a:rPr lang="en-SG" dirty="0" smtClean="0"/>
-              <a:t>Module 3 - </a:t>
-            </a:r>
-            <a:r>
-              <a:rPr lang="en-SG" dirty="0" err="1" smtClean="0"/>
-              <a:t>Mixins</a:t>
-            </a:r>
-            <a:r>
-              <a:rPr lang="en-SG" dirty="0" smtClean="0"/>
-              <a:t>   </a:t>
-            </a:r>
-            <a:r>
-              <a:rPr lang="en-SG" dirty="0" smtClean="0"/>
-              <a:t>(Mix  In)</a:t>
+              <a:t>Module 2 - Prop (Properties)</a:t>
             </a:r>
             <a:endParaRPr lang="en-SG" dirty="0"/>
           </a:p>
@@ -9460,7 +8278,7 @@
       </p:sp>
       <p:sp>
         <p:nvSpPr>
-          <p:cNvPr id="8" name="Content Placeholder 7"/>
+          <p:cNvPr id="3" name="Content Placeholder 2"/>
           <p:cNvSpPr>
             <a:spLocks noGrp="1"/>
           </p:cNvSpPr>
@@ -9474,14 +8292,32 @@
           <a:lstStyle/>
           <a:p>
             <a:r>
-              <a:rPr lang="en-SG" dirty="0" smtClean="0"/>
-              <a:t>Takes 1 components functions and mix it into another one</a:t>
-            </a:r>
-          </a:p>
-          <a:p>
-            <a:r>
-              <a:rPr lang="en-SG" dirty="0" smtClean="0"/>
-              <a:t>Great for apply a function across many types of instances</a:t>
+              <a:rPr lang="en-US" dirty="0"/>
+              <a:t>Dynamic Props </a:t>
+            </a:r>
+            <a:br>
+              <a:rPr lang="en-US" dirty="0"/>
+            </a:br>
+            <a:r>
+              <a:rPr lang="en-US" dirty="0"/>
+              <a:t>Using props but binding the input so that you can pass variables from grandparent -&gt; parent -&gt; child</a:t>
+            </a:r>
+            <a:br>
+              <a:rPr lang="en-US" dirty="0"/>
+            </a:br>
+            <a:endParaRPr lang="en-US" dirty="0"/>
+          </a:p>
+          <a:p>
+            <a:r>
+              <a:rPr lang="en-US" dirty="0"/>
+              <a:t>Props validation </a:t>
+            </a:r>
+            <a:br>
+              <a:rPr lang="en-US" dirty="0"/>
+            </a:br>
+            <a:r>
+              <a:rPr lang="en-US" dirty="0"/>
+              <a:t>added a Type so you don’t get passes nonsense</a:t>
             </a:r>
             <a:endParaRPr lang="en-SG" dirty="0"/>
           </a:p>
@@ -9490,7 +8326,7 @@
     </p:spTree>
     <p:extLst>
       <p:ext uri="{BB962C8B-B14F-4D97-AF65-F5344CB8AC3E}">
-        <p14:creationId xmlns:p14="http://schemas.microsoft.com/office/powerpoint/2010/main" val="3945413397"/>
+        <p14:creationId xmlns:p14="http://schemas.microsoft.com/office/powerpoint/2010/main" val="1985838212"/>
       </p:ext>
     </p:extLst>
   </p:cSld>
@@ -9519,6 +8355,160 @@
       </p:grpSpPr>
       <p:sp>
         <p:nvSpPr>
+          <p:cNvPr id="7" name="Title 6"/>
+          <p:cNvSpPr>
+            <a:spLocks noGrp="1"/>
+          </p:cNvSpPr>
+          <p:nvPr>
+            <p:ph type="title"/>
+          </p:nvPr>
+        </p:nvSpPr>
+        <p:spPr/>
+        <p:txBody>
+          <a:bodyPr/>
+          <a:lstStyle/>
+          <a:p>
+            <a:r>
+              <a:rPr lang="en-SG" dirty="0" smtClean="0"/>
+              <a:t>Module 3 - </a:t>
+            </a:r>
+            <a:r>
+              <a:rPr lang="en-SG" dirty="0" err="1" smtClean="0"/>
+              <a:t>Mixins</a:t>
+            </a:r>
+            <a:r>
+              <a:rPr lang="en-SG" dirty="0" smtClean="0"/>
+              <a:t>   (Mix  In)</a:t>
+            </a:r>
+            <a:endParaRPr lang="en-SG" dirty="0"/>
+          </a:p>
+        </p:txBody>
+      </p:sp>
+      <p:sp>
+        <p:nvSpPr>
+          <p:cNvPr id="8" name="Content Placeholder 7"/>
+          <p:cNvSpPr>
+            <a:spLocks noGrp="1"/>
+          </p:cNvSpPr>
+          <p:nvPr>
+            <p:ph idx="1"/>
+          </p:nvPr>
+        </p:nvSpPr>
+        <p:spPr/>
+        <p:txBody>
+          <a:bodyPr/>
+          <a:lstStyle/>
+          <a:p>
+            <a:r>
+              <a:rPr lang="en-SG" dirty="0" smtClean="0"/>
+              <a:t>Takes 1 components functions and mix it into another one</a:t>
+            </a:r>
+          </a:p>
+          <a:p>
+            <a:r>
+              <a:rPr lang="en-SG" dirty="0" smtClean="0"/>
+              <a:t>Great for apply a function across many types of instances</a:t>
+            </a:r>
+            <a:endParaRPr lang="en-SG" dirty="0"/>
+          </a:p>
+        </p:txBody>
+      </p:sp>
+    </p:spTree>
+    <p:extLst>
+      <p:ext uri="{BB962C8B-B14F-4D97-AF65-F5344CB8AC3E}">
+        <p14:creationId xmlns:p14="http://schemas.microsoft.com/office/powerpoint/2010/main" val="3945413397"/>
+      </p:ext>
+    </p:extLst>
+  </p:cSld>
+  <p:clrMapOvr>
+    <a:masterClrMapping/>
+  </p:clrMapOvr>
+</p:sld>
+</file>
+
+<file path=ppt/slides/slide8.xml><?xml version="1.0" encoding="utf-8"?>
+<p:sld xmlns:a="http://schemas.openxmlformats.org/drawingml/2006/main" xmlns:r="http://schemas.openxmlformats.org/officeDocument/2006/relationships" xmlns:p="http://schemas.openxmlformats.org/presentationml/2006/main">
+  <p:cSld>
+    <p:spTree>
+      <p:nvGrpSpPr>
+        <p:cNvPr id="1" name=""/>
+        <p:cNvGrpSpPr/>
+        <p:nvPr/>
+      </p:nvGrpSpPr>
+      <p:grpSpPr>
+        <a:xfrm>
+          <a:off x="0" y="0"/>
+          <a:ext cx="0" cy="0"/>
+          <a:chOff x="0" y="0"/>
+          <a:chExt cx="0" cy="0"/>
+        </a:xfrm>
+      </p:grpSpPr>
+      <p:sp>
+        <p:nvSpPr>
+          <p:cNvPr id="4" name="Title 3"/>
+          <p:cNvSpPr>
+            <a:spLocks noGrp="1"/>
+          </p:cNvSpPr>
+          <p:nvPr>
+            <p:ph type="title"/>
+          </p:nvPr>
+        </p:nvSpPr>
+        <p:spPr>
+          <a:xfrm>
+            <a:off x="831850" y="1709739"/>
+            <a:ext cx="10515600" cy="1189770"/>
+          </a:xfrm>
+        </p:spPr>
+        <p:txBody>
+          <a:bodyPr>
+            <a:normAutofit/>
+          </a:bodyPr>
+          <a:lstStyle/>
+          <a:p>
+            <a:r>
+              <a:rPr lang="en-SG" sz="6600" dirty="0" err="1" smtClean="0"/>
+              <a:t>Arjay</a:t>
+            </a:r>
+            <a:r>
+              <a:rPr lang="en-SG" sz="6600" dirty="0" smtClean="0"/>
+              <a:t> To Take Over</a:t>
+            </a:r>
+            <a:endParaRPr lang="en-SG" sz="6600" dirty="0"/>
+          </a:p>
+        </p:txBody>
+      </p:sp>
+    </p:spTree>
+    <p:extLst>
+      <p:ext uri="{BB962C8B-B14F-4D97-AF65-F5344CB8AC3E}">
+        <p14:creationId xmlns:p14="http://schemas.microsoft.com/office/powerpoint/2010/main" val="3376885397"/>
+      </p:ext>
+    </p:extLst>
+  </p:cSld>
+  <p:clrMapOvr>
+    <a:masterClrMapping/>
+  </p:clrMapOvr>
+</p:sld>
+</file>
+
+<file path=ppt/slides/slide9.xml><?xml version="1.0" encoding="utf-8"?>
+<p:sld xmlns:a="http://schemas.openxmlformats.org/drawingml/2006/main" xmlns:r="http://schemas.openxmlformats.org/officeDocument/2006/relationships" xmlns:p="http://schemas.openxmlformats.org/presentationml/2006/main">
+  <p:cSld>
+    <p:spTree>
+      <p:nvGrpSpPr>
+        <p:cNvPr id="1" name=""/>
+        <p:cNvGrpSpPr/>
+        <p:nvPr/>
+      </p:nvGrpSpPr>
+      <p:grpSpPr>
+        <a:xfrm>
+          <a:off x="0" y="0"/>
+          <a:ext cx="0" cy="0"/>
+          <a:chOff x="0" y="0"/>
+          <a:chExt cx="0" cy="0"/>
+        </a:xfrm>
+      </p:grpSpPr>
+      <p:sp>
+        <p:nvSpPr>
           <p:cNvPr id="2" name="Title 1"/>
           <p:cNvSpPr>
             <a:spLocks noGrp="1"/>
@@ -9533,18 +8523,17 @@
           <a:lstStyle/>
           <a:p>
             <a:r>
-              <a:rPr lang="en-SG" dirty="0" smtClean="0"/>
-              <a:t>4. </a:t>
-            </a:r>
-            <a:r>
-              <a:rPr lang="en-SG" dirty="0" err="1" smtClean="0"/>
+              <a:rPr lang="en-SG" dirty="0"/>
+              <a:t>Module 4 – </a:t>
+            </a:r>
+            <a:r>
+              <a:rPr lang="en-SG" dirty="0" err="1"/>
               <a:t>Vuex</a:t>
             </a:r>
             <a:r>
-              <a:rPr lang="en-SG" dirty="0" smtClean="0"/>
+              <a:rPr lang="en-SG" dirty="0"/>
               <a:t> </a:t>
             </a:r>
-            <a:endParaRPr lang="en-SG" dirty="0"/>
           </a:p>
         </p:txBody>
       </p:sp>
@@ -9608,318 +8597,6 @@
     <p:extLst>
       <p:ext uri="{BB962C8B-B14F-4D97-AF65-F5344CB8AC3E}">
         <p14:creationId xmlns:p14="http://schemas.microsoft.com/office/powerpoint/2010/main" val="1636789150"/>
-      </p:ext>
-    </p:extLst>
-  </p:cSld>
-  <p:clrMapOvr>
-    <a:masterClrMapping/>
-  </p:clrMapOvr>
-</p:sld>
-</file>
-
-<file path=ppt/slides/slide8.xml><?xml version="1.0" encoding="utf-8"?>
-<p:sld xmlns:a="http://schemas.openxmlformats.org/drawingml/2006/main" xmlns:r="http://schemas.openxmlformats.org/officeDocument/2006/relationships" xmlns:p="http://schemas.openxmlformats.org/presentationml/2006/main">
-  <p:cSld>
-    <p:spTree>
-      <p:nvGrpSpPr>
-        <p:cNvPr id="1" name="Shape 552"/>
-        <p:cNvGrpSpPr/>
-        <p:nvPr/>
-      </p:nvGrpSpPr>
-      <p:grpSpPr>
-        <a:xfrm>
-          <a:off x="0" y="0"/>
-          <a:ext cx="0" cy="0"/>
-          <a:chOff x="0" y="0"/>
-          <a:chExt cx="0" cy="0"/>
-        </a:xfrm>
-      </p:grpSpPr>
-      <p:sp>
-        <p:nvSpPr>
-          <p:cNvPr id="553" name="Google Shape;553;p92"/>
-          <p:cNvSpPr txBox="1">
-            <a:spLocks noGrp="1"/>
-          </p:cNvSpPr>
-          <p:nvPr>
-            <p:ph type="body" idx="4294967295"/>
-          </p:nvPr>
-        </p:nvSpPr>
-        <p:spPr>
-          <a:xfrm>
-            <a:off x="1524001" y="2262189"/>
-            <a:ext cx="8355013" cy="3159125"/>
-          </a:xfrm>
-          <a:prstGeom prst="rect">
-            <a:avLst/>
-          </a:prstGeom>
-        </p:spPr>
-        <p:txBody>
-          <a:bodyPr spcFirstLastPara="1" vert="horz" wrap="square" lIns="91425" tIns="91425" rIns="91425" bIns="91425" rtlCol="0" anchor="t" anchorCtr="0">
-            <a:noAutofit/>
-          </a:bodyPr>
-          <a:lstStyle/>
-          <a:p>
-            <a:pPr marL="0" indent="0">
-              <a:spcBef>
-                <a:spcPts val="640"/>
-              </a:spcBef>
-              <a:buNone/>
-            </a:pPr>
-            <a:r>
-              <a:rPr lang="en-US" sz="6000" dirty="0"/>
-              <a:t>Module 4</a:t>
-            </a:r>
-            <a:endParaRPr sz="6000" dirty="0"/>
-          </a:p>
-          <a:p>
-            <a:pPr marL="0" indent="0">
-              <a:spcBef>
-                <a:spcPts val="640"/>
-              </a:spcBef>
-              <a:buNone/>
-            </a:pPr>
-            <a:r>
-              <a:rPr lang="en-US" sz="6000" dirty="0" err="1"/>
-              <a:t>Vue</a:t>
-            </a:r>
-            <a:r>
-              <a:rPr lang="en-US" sz="6000" dirty="0"/>
-              <a:t> </a:t>
-            </a:r>
-            <a:r>
-              <a:rPr lang="en-US" sz="6000" dirty="0" err="1"/>
-              <a:t>Cli</a:t>
-            </a:r>
-            <a:r>
-              <a:rPr lang="en-US" sz="6000" dirty="0"/>
-              <a:t> and Router</a:t>
-            </a:r>
-            <a:endParaRPr sz="6000" dirty="0"/>
-          </a:p>
-          <a:p>
-            <a:pPr marL="342900" indent="-139700" algn="ctr">
-              <a:spcBef>
-                <a:spcPts val="640"/>
-              </a:spcBef>
-              <a:buNone/>
-            </a:pPr>
-            <a:endParaRPr sz="6000" b="1" dirty="0"/>
-          </a:p>
-          <a:p>
-            <a:pPr marL="342900" indent="-139700" algn="ctr">
-              <a:spcBef>
-                <a:spcPts val="640"/>
-              </a:spcBef>
-              <a:buNone/>
-            </a:pPr>
-            <a:endParaRPr sz="6000" b="1" dirty="0"/>
-          </a:p>
-          <a:p>
-            <a:pPr marL="342900" indent="-139700" algn="ctr">
-              <a:spcBef>
-                <a:spcPts val="640"/>
-              </a:spcBef>
-              <a:buNone/>
-            </a:pPr>
-            <a:endParaRPr sz="6000" b="1" dirty="0"/>
-          </a:p>
-        </p:txBody>
-      </p:sp>
-    </p:spTree>
-    <p:extLst>
-      <p:ext uri="{BB962C8B-B14F-4D97-AF65-F5344CB8AC3E}">
-        <p14:creationId xmlns:p14="http://schemas.microsoft.com/office/powerpoint/2010/main" val="2332748161"/>
-      </p:ext>
-    </p:extLst>
-  </p:cSld>
-  <p:clrMapOvr>
-    <a:masterClrMapping/>
-  </p:clrMapOvr>
-</p:sld>
-</file>
-
-<file path=ppt/slides/slide9.xml><?xml version="1.0" encoding="utf-8"?>
-<p:sld xmlns:a="http://schemas.openxmlformats.org/drawingml/2006/main" xmlns:r="http://schemas.openxmlformats.org/officeDocument/2006/relationships" xmlns:p="http://schemas.openxmlformats.org/presentationml/2006/main">
-  <p:cSld>
-    <p:spTree>
-      <p:nvGrpSpPr>
-        <p:cNvPr id="1" name="Shape 557"/>
-        <p:cNvGrpSpPr/>
-        <p:nvPr/>
-      </p:nvGrpSpPr>
-      <p:grpSpPr>
-        <a:xfrm>
-          <a:off x="0" y="0"/>
-          <a:ext cx="0" cy="0"/>
-          <a:chOff x="0" y="0"/>
-          <a:chExt cx="0" cy="0"/>
-        </a:xfrm>
-      </p:grpSpPr>
-      <p:sp>
-        <p:nvSpPr>
-          <p:cNvPr id="558" name="Google Shape;558;p93"/>
-          <p:cNvSpPr txBox="1">
-            <a:spLocks noGrp="1"/>
-          </p:cNvSpPr>
-          <p:nvPr>
-            <p:ph type="title"/>
-          </p:nvPr>
-        </p:nvSpPr>
-        <p:spPr>
-          <a:xfrm>
-            <a:off x="2054075" y="533400"/>
-            <a:ext cx="8330100" cy="685800"/>
-          </a:xfrm>
-          <a:prstGeom prst="rect">
-            <a:avLst/>
-          </a:prstGeom>
-          <a:noFill/>
-          <a:ln>
-            <a:noFill/>
-          </a:ln>
-        </p:spPr>
-        <p:txBody>
-          <a:bodyPr spcFirstLastPara="1" vert="horz" wrap="square" lIns="91425" tIns="45700" rIns="91425" bIns="45700" rtlCol="0" anchor="ctr" anchorCtr="0">
-            <a:noAutofit/>
-          </a:bodyPr>
-          <a:lstStyle/>
-          <a:p>
-            <a:pPr>
-              <a:spcBef>
-                <a:spcPts val="0"/>
-              </a:spcBef>
-              <a:buClr>
-                <a:schemeClr val="dk1"/>
-              </a:buClr>
-            </a:pPr>
-            <a:r>
-              <a:rPr lang="en-US">
-                <a:solidFill>
-                  <a:schemeClr val="dk1"/>
-                </a:solidFill>
-              </a:rPr>
-              <a:t>Vue Cli</a:t>
-            </a:r>
-            <a:endParaRPr i="0" u="none" strike="noStrike" cap="none">
-              <a:solidFill>
-                <a:schemeClr val="dk1"/>
-              </a:solidFill>
-            </a:endParaRPr>
-          </a:p>
-        </p:txBody>
-      </p:sp>
-      <p:sp>
-        <p:nvSpPr>
-          <p:cNvPr id="559" name="Google Shape;559;p93"/>
-          <p:cNvSpPr txBox="1">
-            <a:spLocks noGrp="1"/>
-          </p:cNvSpPr>
-          <p:nvPr>
-            <p:ph idx="1"/>
-          </p:nvPr>
-        </p:nvSpPr>
-        <p:spPr>
-          <a:xfrm>
-            <a:off x="1754125" y="1197625"/>
-            <a:ext cx="8630100" cy="5152200"/>
-          </a:xfrm>
-          <a:prstGeom prst="rect">
-            <a:avLst/>
-          </a:prstGeom>
-          <a:noFill/>
-          <a:ln>
-            <a:noFill/>
-          </a:ln>
-        </p:spPr>
-        <p:txBody>
-          <a:bodyPr spcFirstLastPara="1" vert="horz" wrap="square" lIns="91425" tIns="45700" rIns="91425" bIns="45700" rtlCol="0" anchor="t" anchorCtr="0">
-            <a:noAutofit/>
-          </a:bodyPr>
-          <a:lstStyle/>
-          <a:p>
-            <a:pPr marL="457200" indent="-419100">
-              <a:lnSpc>
-                <a:spcPct val="70000"/>
-              </a:lnSpc>
-              <a:buClr>
-                <a:schemeClr val="dk1"/>
-              </a:buClr>
-              <a:buSzPts val="3000"/>
-            </a:pPr>
-            <a:r>
-              <a:rPr lang="en-US">
-                <a:solidFill>
-                  <a:schemeClr val="dk1"/>
-                </a:solidFill>
-              </a:rPr>
-              <a:t>Vue provides an official CLI for quickly scaffolding ambitious Single Page Applications</a:t>
-            </a:r>
-            <a:endParaRPr>
-              <a:solidFill>
-                <a:schemeClr val="dk1"/>
-              </a:solidFill>
-            </a:endParaRPr>
-          </a:p>
-          <a:p>
-            <a:pPr marL="457200" indent="-419100">
-              <a:lnSpc>
-                <a:spcPct val="70000"/>
-              </a:lnSpc>
-              <a:spcBef>
-                <a:spcPts val="0"/>
-              </a:spcBef>
-              <a:buClr>
-                <a:schemeClr val="dk1"/>
-              </a:buClr>
-              <a:buSzPts val="3000"/>
-            </a:pPr>
-            <a:r>
-              <a:rPr lang="en-US">
-                <a:solidFill>
-                  <a:schemeClr val="dk1"/>
-                </a:solidFill>
-              </a:rPr>
-              <a:t>Vue Cli is a full system for rapid Vue.js development platform. It allows you to create  Vue App can also be deployed on the server</a:t>
-            </a:r>
-            <a:endParaRPr>
-              <a:solidFill>
-                <a:schemeClr val="dk1"/>
-              </a:solidFill>
-            </a:endParaRPr>
-          </a:p>
-          <a:p>
-            <a:pPr marL="457200" indent="-419100">
-              <a:lnSpc>
-                <a:spcPct val="70000"/>
-              </a:lnSpc>
-              <a:spcBef>
-                <a:spcPts val="0"/>
-              </a:spcBef>
-              <a:buClr>
-                <a:schemeClr val="dk1"/>
-              </a:buClr>
-              <a:buSzPts val="3000"/>
-            </a:pPr>
-            <a:r>
-              <a:rPr lang="en-US">
-                <a:solidFill>
-                  <a:schemeClr val="dk1"/>
-                </a:solidFill>
-              </a:rPr>
-              <a:t>Vue Cli is based on node.js</a:t>
-            </a:r>
-            <a:endParaRPr>
-              <a:solidFill>
-                <a:schemeClr val="dk1"/>
-              </a:solidFill>
-            </a:endParaRPr>
-          </a:p>
-        </p:txBody>
-      </p:sp>
-    </p:spTree>
-    <p:extLst>
-      <p:ext uri="{BB962C8B-B14F-4D97-AF65-F5344CB8AC3E}">
-        <p14:creationId xmlns:p14="http://schemas.microsoft.com/office/powerpoint/2010/main" val="2976772934"/>
       </p:ext>
     </p:extLst>
   </p:cSld>

--- a/Vue JS 102.pptx
+++ b/Vue JS 102.pptx
@@ -7020,7 +7020,7 @@
           <a:p>
             <a:r>
               <a:rPr lang="en-SG" dirty="0" smtClean="0"/>
-              <a:t>PRO Level</a:t>
+              <a:t>Next Level</a:t>
             </a:r>
             <a:endParaRPr lang="en-SG" dirty="0"/>
           </a:p>
@@ -7230,66 +7230,105 @@
         <p:spPr/>
         <p:txBody>
           <a:bodyPr>
-            <a:normAutofit fontScale="32500" lnSpcReduction="20000"/>
+            <a:normAutofit fontScale="25000" lnSpcReduction="20000"/>
           </a:bodyPr>
           <a:lstStyle/>
           <a:p>
             <a:r>
+              <a:rPr lang="en-SG" sz="6400" dirty="0" smtClean="0"/>
+              <a:t>Lionel wants a coffee break app.</a:t>
+            </a:r>
+            <a:r>
               <a:rPr lang="en-SG" sz="3800" dirty="0" smtClean="0"/>
-              <a:t>Lionel wants a coffee break app.</a:t>
+              <a:t/>
             </a:r>
             <a:br>
               <a:rPr lang="en-SG" sz="3800" dirty="0" smtClean="0"/>
             </a:br>
             <a:r>
-              <a:rPr lang="en-SG" sz="2900" dirty="0" smtClean="0"/>
+              <a:rPr lang="en-SG" sz="7200" dirty="0" smtClean="0"/>
               <a:t>- For So Tien to buy drinks for everyone in Class.</a:t>
             </a:r>
             <a:br>
-              <a:rPr lang="en-SG" sz="2900" dirty="0" smtClean="0"/>
+              <a:rPr lang="en-SG" sz="7200" dirty="0" smtClean="0"/>
             </a:br>
-            <a:endParaRPr lang="en-SG" sz="2900" dirty="0" smtClean="0"/>
-          </a:p>
-          <a:p>
-            <a:r>
-              <a:rPr lang="en-SG" sz="3400" dirty="0" smtClean="0"/>
+            <a:endParaRPr lang="en-SG" sz="7200" dirty="0" smtClean="0"/>
+          </a:p>
+          <a:p>
+            <a:r>
+              <a:rPr lang="en-SG" sz="4800" dirty="0" smtClean="0"/>
               <a:t>Features – Junior Dev</a:t>
             </a:r>
           </a:p>
           <a:p>
             <a:pPr lvl="1"/>
             <a:r>
+              <a:rPr lang="en-SG" sz="6400" dirty="0" smtClean="0"/>
+              <a:t>People can put [‘</a:t>
+            </a:r>
+            <a:r>
+              <a:rPr lang="en-SG" sz="6400" dirty="0" err="1" smtClean="0"/>
+              <a:t>name’,’drink</a:t>
+            </a:r>
+            <a:r>
+              <a:rPr lang="en-SG" sz="6400" dirty="0" smtClean="0"/>
+              <a:t>’]</a:t>
+            </a:r>
+          </a:p>
+          <a:p>
+            <a:pPr lvl="1"/>
+            <a:r>
+              <a:rPr lang="en-SG" sz="6400" dirty="0" smtClean="0"/>
+              <a:t>Some people change their mind and cancel</a:t>
+            </a:r>
+          </a:p>
+          <a:p>
+            <a:pPr lvl="1"/>
+            <a:r>
+              <a:rPr lang="en-SG" sz="6400" dirty="0" smtClean="0"/>
+              <a:t>some people not allowed (“LIO” in their name) </a:t>
+            </a:r>
+          </a:p>
+          <a:p>
+            <a:pPr lvl="1"/>
+            <a:r>
+              <a:rPr lang="en-SG" sz="6400" dirty="0" smtClean="0"/>
+              <a:t>We can see entire list</a:t>
+            </a:r>
+            <a:br>
+              <a:rPr lang="en-SG" sz="6400" dirty="0" smtClean="0"/>
+            </a:br>
+            <a:endParaRPr lang="en-SG" sz="6400" dirty="0" smtClean="0"/>
+          </a:p>
+          <a:p>
+            <a:r>
+              <a:rPr lang="en-SG" sz="7200" dirty="0" smtClean="0"/>
+              <a:t>More – Pro Dev</a:t>
+            </a:r>
+          </a:p>
+          <a:p>
+            <a:pPr lvl="1"/>
+            <a:r>
+              <a:rPr lang="en-SG" sz="6400" dirty="0" smtClean="0"/>
+              <a:t>People can put amount of money</a:t>
+            </a:r>
+          </a:p>
+          <a:p>
+            <a:pPr lvl="1"/>
+            <a:r>
+              <a:rPr lang="en-SG" sz="6400" dirty="0" smtClean="0"/>
+              <a:t>List will show total  </a:t>
+            </a:r>
+            <a:r>
               <a:rPr lang="en-SG" sz="4300" dirty="0" smtClean="0"/>
-              <a:t>People can put [‘</a:t>
-            </a:r>
-            <a:r>
-              <a:rPr lang="en-SG" sz="4300" dirty="0" err="1" smtClean="0"/>
-              <a:t>name’,’drink</a:t>
-            </a:r>
-            <a:r>
+              <a:t/>
+            </a:r>
+            <a:br>
               <a:rPr lang="en-SG" sz="4300" dirty="0" smtClean="0"/>
-              <a:t>’]</a:t>
-            </a:r>
-          </a:p>
-          <a:p>
-            <a:pPr lvl="1"/>
+            </a:br>
             <a:r>
               <a:rPr lang="en-SG" sz="4300" dirty="0" smtClean="0"/>
-              <a:t>Some people change their mind and cancel</a:t>
-            </a:r>
-          </a:p>
-          <a:p>
-            <a:pPr lvl="1"/>
-            <a:r>
-              <a:rPr lang="en-SG" sz="4300" dirty="0" smtClean="0"/>
-              <a:t>some people not allowed (“LIO” in their name) </a:t>
-            </a:r>
-          </a:p>
-          <a:p>
-            <a:pPr lvl="1"/>
-            <a:r>
-              <a:rPr lang="en-SG" sz="4300" dirty="0" smtClean="0"/>
-              <a:t>We can see entire list</a:t>
+              <a:t/>
             </a:r>
             <a:br>
               <a:rPr lang="en-SG" sz="4300" dirty="0" smtClean="0"/>
@@ -7298,82 +7337,51 @@
           </a:p>
           <a:p>
             <a:r>
-              <a:rPr lang="en-SG" sz="4900" dirty="0" smtClean="0"/>
-              <a:t>More – Pro Dev</a:t>
+              <a:rPr lang="en-SG" sz="6400" dirty="0" smtClean="0"/>
+              <a:t>Tech Lead </a:t>
             </a:r>
           </a:p>
           <a:p>
             <a:pPr lvl="1"/>
             <a:r>
-              <a:rPr lang="en-SG" sz="4300" dirty="0" smtClean="0"/>
-              <a:t>People can put amount of money</a:t>
+              <a:rPr lang="en-SG" sz="5600" dirty="0" smtClean="0"/>
+              <a:t>Stored to </a:t>
+            </a:r>
+            <a:r>
+              <a:rPr lang="en-SG" sz="5600" dirty="0" err="1" smtClean="0"/>
+              <a:t>localstorage</a:t>
+            </a:r>
+            <a:r>
+              <a:rPr lang="en-SG" sz="5600" dirty="0" smtClean="0"/>
+              <a:t> </a:t>
             </a:r>
           </a:p>
           <a:p>
             <a:pPr lvl="1"/>
             <a:r>
-              <a:rPr lang="en-SG" sz="4300" dirty="0" smtClean="0"/>
-              <a:t>List will show total  </a:t>
-            </a:r>
-            <a:br>
-              <a:rPr lang="en-SG" sz="4300" dirty="0" smtClean="0"/>
-            </a:br>
-            <a:r>
-              <a:rPr lang="en-SG" sz="4300" dirty="0" smtClean="0"/>
-              <a:t/>
-            </a:r>
-            <a:br>
-              <a:rPr lang="en-SG" sz="4300" dirty="0" smtClean="0"/>
-            </a:br>
-            <a:endParaRPr lang="en-SG" sz="4300" dirty="0" smtClean="0"/>
-          </a:p>
-          <a:p>
-            <a:r>
-              <a:rPr lang="en-SG" sz="4900" dirty="0" smtClean="0"/>
-              <a:t>Tech Lead </a:t>
+              <a:rPr lang="en-SG" sz="5600" dirty="0" smtClean="0"/>
+              <a:t>There’s a filter on the index page for easy searching of some ones order</a:t>
             </a:r>
           </a:p>
           <a:p>
             <a:pPr lvl="1"/>
             <a:r>
-              <a:rPr lang="en-SG" sz="4300" dirty="0" smtClean="0"/>
-              <a:t>Stored to </a:t>
-            </a:r>
-            <a:r>
-              <a:rPr lang="en-SG" sz="4300" dirty="0" err="1" smtClean="0"/>
-              <a:t>localstorage</a:t>
-            </a:r>
-            <a:r>
-              <a:rPr lang="en-SG" sz="4300" dirty="0" smtClean="0"/>
-              <a:t> </a:t>
+              <a:rPr lang="en-SG" sz="5600" dirty="0" smtClean="0"/>
+              <a:t>Can generate a ‘detail’ view of 1 person that look like a </a:t>
+            </a:r>
+            <a:r>
+              <a:rPr lang="en-SG" sz="5600" dirty="0" err="1" smtClean="0"/>
+              <a:t>recipet</a:t>
+            </a:r>
+            <a:r>
+              <a:rPr lang="en-SG" sz="5600" dirty="0" smtClean="0"/>
+              <a:t>  </a:t>
             </a:r>
           </a:p>
           <a:p>
             <a:pPr lvl="1"/>
             <a:r>
-              <a:rPr lang="en-SG" sz="4300" dirty="0" smtClean="0"/>
-              <a:t>There’s a filter on the index page for easy searching of some ones order</a:t>
-            </a:r>
-          </a:p>
-          <a:p>
-            <a:pPr lvl="1"/>
-            <a:r>
-              <a:rPr lang="en-SG" sz="4300" dirty="0" smtClean="0"/>
-              <a:t>Can generate a ‘detail’ view of 1 person that look like a </a:t>
-            </a:r>
-            <a:r>
-              <a:rPr lang="en-SG" sz="4300" dirty="0" err="1" smtClean="0"/>
-              <a:t>recipet</a:t>
-            </a:r>
-            <a:r>
-              <a:rPr lang="en-SG" sz="4300" dirty="0" smtClean="0"/>
-              <a:t>  </a:t>
-            </a:r>
-          </a:p>
-          <a:p>
-            <a:pPr lvl="1"/>
-            <a:r>
-              <a:rPr lang="en-SG" sz="4300" dirty="0" smtClean="0"/>
+              <a:rPr lang="en-SG" sz="5600" dirty="0" smtClean="0"/>
               <a:t>User can put special requirements like ‘less sugar’  </a:t>
             </a:r>
             <a:r>
@@ -7455,6 +7463,10 @@
           <a:bodyPr/>
           <a:lstStyle/>
           <a:p>
+            <a:r>
+              <a:rPr lang="en-SG" smtClean="0"/>
+              <a:t>“Jeff Dean” Level</a:t>
+            </a:r>
             <a:endParaRPr lang="en-SG"/>
           </a:p>
         </p:txBody>
